--- a/2016305078_최영환_os_report_03.pptx
+++ b/2016305078_최영환_os_report_03.pptx
@@ -5,7 +5,7 @@
     <p:sldMasterId id="2147483648" r:id="rId1"/>
   </p:sldMasterIdLst>
   <p:notesMasterIdLst>
-    <p:notesMasterId r:id="rId12"/>
+    <p:notesMasterId r:id="rId13"/>
   </p:notesMasterIdLst>
   <p:sldIdLst>
     <p:sldId id="305" r:id="rId2"/>
@@ -14,13 +14,14 @@
     <p:sldId id="323" r:id="rId5"/>
     <p:sldId id="282" r:id="rId6"/>
     <p:sldId id="316" r:id="rId7"/>
-    <p:sldId id="319" r:id="rId8"/>
-    <p:sldId id="320" r:id="rId9"/>
-    <p:sldId id="321" r:id="rId10"/>
-    <p:sldId id="317" r:id="rId11"/>
+    <p:sldId id="324" r:id="rId8"/>
+    <p:sldId id="319" r:id="rId9"/>
+    <p:sldId id="320" r:id="rId10"/>
+    <p:sldId id="321" r:id="rId11"/>
+    <p:sldId id="317" r:id="rId12"/>
   </p:sldIdLst>
   <p:sldSz cx="12192000" cy="6858000"/>
-  <p:notesSz cx="6858000" cy="9144000"/>
+  <p:notesSz cx="6858000" cy="9945688"/>
   <p:defaultTextStyle>
     <a:defPPr>
       <a:defRPr lang="ko-KR"/>
@@ -159,7 +160,7 @@
         <p:spPr>
           <a:xfrm>
             <a:off x="0" y="0"/>
-            <a:ext cx="2971800" cy="458788"/>
+            <a:ext cx="2971800" cy="499012"/>
           </a:xfrm>
           <a:prstGeom prst="rect">
             <a:avLst/>
@@ -190,7 +191,7 @@
         <p:spPr>
           <a:xfrm>
             <a:off x="3884613" y="0"/>
-            <a:ext cx="2971800" cy="458788"/>
+            <a:ext cx="2971800" cy="499012"/>
           </a:xfrm>
           <a:prstGeom prst="rect">
             <a:avLst/>
@@ -206,7 +207,7 @@
           <a:p>
             <a:fld id="{8C8C7AC8-0D24-4D38-BB9B-7FD49ABCCE39}" type="datetimeFigureOut">
               <a:rPr lang="ko-KR" altLang="en-US" smtClean="0"/>
-              <a:t>2021-05-23</a:t>
+              <a:t>2021-05-24</a:t>
             </a:fld>
             <a:endParaRPr lang="ko-KR" altLang="en-US"/>
           </a:p>
@@ -224,8 +225,8 @@
         </p:nvSpPr>
         <p:spPr>
           <a:xfrm>
-            <a:off x="685800" y="1143000"/>
-            <a:ext cx="5486400" cy="3086100"/>
+            <a:off x="444500" y="1243013"/>
+            <a:ext cx="5969000" cy="3357562"/>
           </a:xfrm>
           <a:prstGeom prst="rect">
             <a:avLst/>
@@ -257,8 +258,8 @@
         </p:nvSpPr>
         <p:spPr>
           <a:xfrm>
-            <a:off x="685800" y="4400550"/>
-            <a:ext cx="5486400" cy="3600450"/>
+            <a:off x="685800" y="4786362"/>
+            <a:ext cx="5486400" cy="3916115"/>
           </a:xfrm>
           <a:prstGeom prst="rect">
             <a:avLst/>
@@ -316,8 +317,8 @@
         </p:nvSpPr>
         <p:spPr>
           <a:xfrm>
-            <a:off x="0" y="8685213"/>
-            <a:ext cx="2971800" cy="458787"/>
+            <a:off x="0" y="9446678"/>
+            <a:ext cx="2971800" cy="499011"/>
           </a:xfrm>
           <a:prstGeom prst="rect">
             <a:avLst/>
@@ -347,8 +348,8 @@
         </p:nvSpPr>
         <p:spPr>
           <a:xfrm>
-            <a:off x="3884613" y="8685213"/>
-            <a:ext cx="2971800" cy="458787"/>
+            <a:off x="3884613" y="9446678"/>
+            <a:ext cx="2971800" cy="499011"/>
           </a:xfrm>
           <a:prstGeom prst="rect">
             <a:avLst/>
@@ -628,7 +629,7 @@
           <a:p>
             <a:fld id="{B6C2E5D7-6326-4CC5-88AB-378A58B9EB70}" type="datetime1">
               <a:rPr lang="ko-KR" altLang="en-US" smtClean="0"/>
-              <a:t>2021-05-23</a:t>
+              <a:t>2021-05-24</a:t>
             </a:fld>
             <a:endParaRPr lang="ko-KR" altLang="en-US"/>
           </a:p>
@@ -842,7 +843,7 @@
           <a:p>
             <a:fld id="{8EF34317-FAF1-40A4-BFA0-2093A56D0883}" type="datetime1">
               <a:rPr lang="ko-KR" altLang="en-US" smtClean="0"/>
-              <a:t>2021-05-23</a:t>
+              <a:t>2021-05-24</a:t>
             </a:fld>
             <a:endParaRPr lang="ko-KR" altLang="en-US"/>
           </a:p>
@@ -1066,7 +1067,7 @@
           <a:p>
             <a:fld id="{CE3CCFD3-4AF1-4546-A044-293030D0DA4F}" type="datetime1">
               <a:rPr lang="ko-KR" altLang="en-US" smtClean="0"/>
-              <a:t>2021-05-23</a:t>
+              <a:t>2021-05-24</a:t>
             </a:fld>
             <a:endParaRPr lang="ko-KR" altLang="en-US"/>
           </a:p>
@@ -1280,7 +1281,7 @@
           <a:p>
             <a:fld id="{38FE8627-1092-4F20-9AD6-FC8B4572915A}" type="datetime1">
               <a:rPr lang="ko-KR" altLang="en-US" smtClean="0"/>
-              <a:t>2021-05-23</a:t>
+              <a:t>2021-05-24</a:t>
             </a:fld>
             <a:endParaRPr lang="ko-KR" altLang="en-US"/>
           </a:p>
@@ -1571,7 +1572,7 @@
           <a:p>
             <a:fld id="{3EDB25F7-1BA0-4AE5-B7CF-DE4D8ED194DA}" type="datetime1">
               <a:rPr lang="ko-KR" altLang="en-US" smtClean="0"/>
-              <a:t>2021-05-23</a:t>
+              <a:t>2021-05-24</a:t>
             </a:fld>
             <a:endParaRPr lang="ko-KR" altLang="en-US"/>
           </a:p>
@@ -1852,7 +1853,7 @@
           <a:p>
             <a:fld id="{2878ECB4-1BC1-4093-8D99-3F19DF0BE809}" type="datetime1">
               <a:rPr lang="ko-KR" altLang="en-US" smtClean="0"/>
-              <a:t>2021-05-23</a:t>
+              <a:t>2021-05-24</a:t>
             </a:fld>
             <a:endParaRPr lang="ko-KR" altLang="en-US"/>
           </a:p>
@@ -2280,7 +2281,7 @@
           <a:p>
             <a:fld id="{040AFBB3-EDCC-4726-B8E9-BA7353D25D5E}" type="datetime1">
               <a:rPr lang="ko-KR" altLang="en-US" smtClean="0"/>
-              <a:t>2021-05-23</a:t>
+              <a:t>2021-05-24</a:t>
             </a:fld>
             <a:endParaRPr lang="ko-KR" altLang="en-US"/>
           </a:p>
@@ -2437,7 +2438,7 @@
           <a:p>
             <a:fld id="{1FD4D6D8-9A56-4F07-A18E-1B1ACCD139DE}" type="datetime1">
               <a:rPr lang="ko-KR" altLang="en-US" smtClean="0"/>
-              <a:t>2021-05-23</a:t>
+              <a:t>2021-05-24</a:t>
             </a:fld>
             <a:endParaRPr lang="ko-KR" altLang="en-US"/>
           </a:p>
@@ -2566,7 +2567,7 @@
           <a:p>
             <a:fld id="{C22120E5-637D-4910-8241-FACEBA7EDACB}" type="datetime1">
               <a:rPr lang="ko-KR" altLang="en-US" smtClean="0"/>
-              <a:t>2021-05-23</a:t>
+              <a:t>2021-05-24</a:t>
             </a:fld>
             <a:endParaRPr lang="ko-KR" altLang="en-US"/>
           </a:p>
@@ -2893,7 +2894,7 @@
           <a:p>
             <a:fld id="{061F079F-B0B0-4DA7-9D70-F415C443A9FA}" type="datetime1">
               <a:rPr lang="ko-KR" altLang="en-US" smtClean="0"/>
-              <a:t>2021-05-23</a:t>
+              <a:t>2021-05-24</a:t>
             </a:fld>
             <a:endParaRPr lang="ko-KR" altLang="en-US"/>
           </a:p>
@@ -3197,7 +3198,7 @@
           <a:p>
             <a:fld id="{86809CB0-603A-4180-AFBA-F4D3B9480BF3}" type="datetime1">
               <a:rPr lang="ko-KR" altLang="en-US" smtClean="0"/>
-              <a:t>2021-05-23</a:t>
+              <a:t>2021-05-24</a:t>
             </a:fld>
             <a:endParaRPr lang="ko-KR" altLang="en-US"/>
           </a:p>
@@ -4011,6 +4012,538 @@
 <file path=ppt/slides/slide10.xml><?xml version="1.0" encoding="utf-8"?>
 <p:sld xmlns:a="http://schemas.openxmlformats.org/drawingml/2006/main" xmlns:r="http://schemas.openxmlformats.org/officeDocument/2006/relationships" xmlns:p="http://schemas.openxmlformats.org/presentationml/2006/main">
   <p:cSld>
+    <p:spTree>
+      <p:nvGrpSpPr>
+        <p:cNvPr id="1" name=""/>
+        <p:cNvGrpSpPr/>
+        <p:nvPr/>
+      </p:nvGrpSpPr>
+      <p:grpSpPr>
+        <a:xfrm>
+          <a:off x="0" y="0"/>
+          <a:ext cx="0" cy="0"/>
+          <a:chOff x="0" y="0"/>
+          <a:chExt cx="0" cy="0"/>
+        </a:xfrm>
+      </p:grpSpPr>
+      <p:sp>
+        <p:nvSpPr>
+          <p:cNvPr id="3" name="직사각형 2">
+            <a:extLst>
+              <a:ext uri="{FF2B5EF4-FFF2-40B4-BE49-F238E27FC236}">
+                <a16:creationId xmlns:a16="http://schemas.microsoft.com/office/drawing/2014/main" id="{FAAEDEEC-096F-4524-8ED6-B901BA3C8FE2}"/>
+              </a:ext>
+            </a:extLst>
+          </p:cNvPr>
+          <p:cNvSpPr/>
+          <p:nvPr/>
+        </p:nvSpPr>
+        <p:spPr>
+          <a:xfrm>
+            <a:off x="157147" y="461665"/>
+            <a:ext cx="11877706" cy="6299270"/>
+          </a:xfrm>
+          <a:prstGeom prst="rect">
+            <a:avLst/>
+          </a:prstGeom>
+          <a:noFill/>
+          <a:ln w="57150">
+            <a:solidFill>
+              <a:schemeClr val="accent2"/>
+            </a:solidFill>
+          </a:ln>
+        </p:spPr>
+        <p:style>
+          <a:lnRef idx="2">
+            <a:schemeClr val="accent1">
+              <a:shade val="50000"/>
+            </a:schemeClr>
+          </a:lnRef>
+          <a:fillRef idx="1">
+            <a:schemeClr val="accent1"/>
+          </a:fillRef>
+          <a:effectRef idx="0">
+            <a:schemeClr val="accent1"/>
+          </a:effectRef>
+          <a:fontRef idx="minor">
+            <a:schemeClr val="lt1"/>
+          </a:fontRef>
+        </p:style>
+        <p:txBody>
+          <a:bodyPr rtlCol="0" anchor="ctr"/>
+          <a:lstStyle/>
+          <a:p>
+            <a:pPr algn="ctr"/>
+            <a:endParaRPr lang="ko-KR" altLang="en-US" dirty="0">
+              <a:latin typeface="나눔바른고딕 UltraLight" panose="020B0603020101020101" pitchFamily="50" charset="-127"/>
+              <a:ea typeface="나눔바른고딕 UltraLight" panose="020B0603020101020101" pitchFamily="50" charset="-127"/>
+            </a:endParaRPr>
+          </a:p>
+        </p:txBody>
+      </p:sp>
+      <p:sp>
+        <p:nvSpPr>
+          <p:cNvPr id="8" name="TextBox 7">
+            <a:extLst>
+              <a:ext uri="{FF2B5EF4-FFF2-40B4-BE49-F238E27FC236}">
+                <a16:creationId xmlns:a16="http://schemas.microsoft.com/office/drawing/2014/main" id="{D320CD2A-D89A-488A-8621-CD417D848957}"/>
+              </a:ext>
+            </a:extLst>
+          </p:cNvPr>
+          <p:cNvSpPr txBox="1"/>
+          <p:nvPr/>
+        </p:nvSpPr>
+        <p:spPr>
+          <a:xfrm>
+            <a:off x="157147" y="0"/>
+            <a:ext cx="4918912" cy="461665"/>
+          </a:xfrm>
+          <a:prstGeom prst="rect">
+            <a:avLst/>
+          </a:prstGeom>
+          <a:noFill/>
+        </p:spPr>
+        <p:txBody>
+          <a:bodyPr wrap="square" rtlCol="0">
+            <a:spAutoFit/>
+          </a:bodyPr>
+          <a:lstStyle/>
+          <a:p>
+            <a:r>
+              <a:rPr lang="en-US" altLang="ko-KR" sz="2400" b="1" dirty="0">
+                <a:latin typeface="나눔바른고딕 Light" panose="020B0603020101020101" pitchFamily="50" charset="-127"/>
+                <a:ea typeface="나눔바른고딕 Light" panose="020B0603020101020101" pitchFamily="50" charset="-127"/>
+              </a:rPr>
+              <a:t>shm2.c</a:t>
+            </a:r>
+          </a:p>
+        </p:txBody>
+      </p:sp>
+      <p:sp>
+        <p:nvSpPr>
+          <p:cNvPr id="11" name="TextBox 10">
+            <a:extLst>
+              <a:ext uri="{FF2B5EF4-FFF2-40B4-BE49-F238E27FC236}">
+                <a16:creationId xmlns:a16="http://schemas.microsoft.com/office/drawing/2014/main" id="{C838316D-1103-416B-BFCF-11D9DC7BC70C}"/>
+              </a:ext>
+            </a:extLst>
+          </p:cNvPr>
+          <p:cNvSpPr txBox="1"/>
+          <p:nvPr/>
+        </p:nvSpPr>
+        <p:spPr>
+          <a:xfrm>
+            <a:off x="5553203" y="1551563"/>
+            <a:ext cx="6426884" cy="3754874"/>
+          </a:xfrm>
+          <a:prstGeom prst="rect">
+            <a:avLst/>
+          </a:prstGeom>
+          <a:noFill/>
+          <a:ln w="19050">
+            <a:solidFill>
+              <a:schemeClr val="tx1"/>
+            </a:solidFill>
+          </a:ln>
+        </p:spPr>
+        <p:txBody>
+          <a:bodyPr wrap="square" rtlCol="0">
+            <a:spAutoFit/>
+          </a:bodyPr>
+          <a:lstStyle/>
+          <a:p>
+            <a:pPr marL="285750" indent="-285750">
+              <a:buFont typeface="Wingdings" panose="05000000000000000000" pitchFamily="2" charset="2"/>
+              <a:buChar char="Ø"/>
+            </a:pPr>
+            <a:r>
+              <a:rPr lang="en-US" altLang="ko-KR" sz="1400" dirty="0" err="1"/>
+              <a:t>shmget</a:t>
+            </a:r>
+            <a:r>
+              <a:rPr lang="en-US" altLang="ko-KR" sz="1400" dirty="0"/>
+              <a:t>() </a:t>
+            </a:r>
+            <a:r>
+              <a:rPr lang="ko-KR" altLang="en-US" sz="1400" dirty="0"/>
+              <a:t>호출을 통해 새로운 공유 메모리를 생성</a:t>
+            </a:r>
+            <a:r>
+              <a:rPr lang="en-US" altLang="ko-KR" sz="1400" dirty="0"/>
+              <a:t>, </a:t>
+            </a:r>
+            <a:r>
+              <a:rPr lang="ko-KR" altLang="en-US" sz="1400" dirty="0"/>
+              <a:t>이때의 </a:t>
+            </a:r>
+            <a:r>
+              <a:rPr lang="en-US" altLang="ko-KR" sz="1400" dirty="0"/>
+              <a:t>key </a:t>
+            </a:r>
+            <a:r>
+              <a:rPr lang="ko-KR" altLang="en-US" sz="1400" dirty="0"/>
+              <a:t>값은 </a:t>
+            </a:r>
+            <a:r>
+              <a:rPr lang="en-US" altLang="ko-KR" sz="1400" dirty="0"/>
+              <a:t>1234</a:t>
+            </a:r>
+            <a:r>
+              <a:rPr lang="ko-KR" altLang="en-US" sz="1400" dirty="0"/>
+              <a:t>이다</a:t>
+            </a:r>
+            <a:r>
+              <a:rPr lang="en-US" altLang="ko-KR" sz="1400" dirty="0"/>
+              <a:t>.</a:t>
+            </a:r>
+          </a:p>
+          <a:p>
+            <a:pPr marL="285750" indent="-285750">
+              <a:buFont typeface="Wingdings" panose="05000000000000000000" pitchFamily="2" charset="2"/>
+              <a:buChar char="Ø"/>
+            </a:pPr>
+            <a:r>
+              <a:rPr lang="ko-KR" altLang="en-US" sz="1400" dirty="0"/>
+              <a:t>공유 메모리 생성 실패 시</a:t>
+            </a:r>
+            <a:r>
+              <a:rPr lang="en-US" altLang="ko-KR" sz="1400" dirty="0"/>
+              <a:t>,</a:t>
+            </a:r>
+            <a:r>
+              <a:rPr lang="ko-KR" altLang="en-US" sz="1400" dirty="0"/>
+              <a:t> 에러 메시지를 출력하고 실행을 종료함</a:t>
+            </a:r>
+            <a:r>
+              <a:rPr lang="en-US" altLang="ko-KR" sz="1400" dirty="0"/>
+              <a:t>.</a:t>
+            </a:r>
+          </a:p>
+          <a:p>
+            <a:pPr marL="285750" indent="-285750">
+              <a:buFont typeface="Wingdings" panose="05000000000000000000" pitchFamily="2" charset="2"/>
+              <a:buChar char="Ø"/>
+            </a:pPr>
+            <a:endParaRPr lang="en-US" altLang="ko-KR" sz="1400" dirty="0"/>
+          </a:p>
+          <a:p>
+            <a:pPr marL="285750" indent="-285750">
+              <a:buFont typeface="Wingdings" panose="05000000000000000000" pitchFamily="2" charset="2"/>
+              <a:buChar char="Ø"/>
+            </a:pPr>
+            <a:r>
+              <a:rPr lang="en-US" altLang="ko-KR" sz="1400" dirty="0" err="1"/>
+              <a:t>shmat</a:t>
+            </a:r>
+            <a:r>
+              <a:rPr lang="en-US" altLang="ko-KR" sz="1400" dirty="0"/>
+              <a:t>() </a:t>
+            </a:r>
+            <a:r>
+              <a:rPr lang="ko-KR" altLang="en-US" sz="1400" dirty="0"/>
+              <a:t>호출을 통해</a:t>
+            </a:r>
+            <a:r>
+              <a:rPr lang="en-US" altLang="ko-KR" sz="1400" dirty="0"/>
+              <a:t> </a:t>
+            </a:r>
+            <a:r>
+              <a:rPr lang="en-US" altLang="ko-KR" sz="1400" dirty="0" err="1"/>
+              <a:t>shared_memory</a:t>
+            </a:r>
+            <a:r>
+              <a:rPr lang="ko-KR" altLang="en-US" sz="1400" dirty="0"/>
+              <a:t> 포인터를 이용하여</a:t>
+            </a:r>
+            <a:r>
+              <a:rPr lang="en-US" altLang="ko-KR" sz="1400" dirty="0"/>
+              <a:t> </a:t>
+            </a:r>
+            <a:r>
+              <a:rPr lang="ko-KR" altLang="en-US" sz="1400" dirty="0"/>
+              <a:t>메모리를 프로세스에 붙임</a:t>
+            </a:r>
+            <a:r>
+              <a:rPr lang="en-US" altLang="ko-KR" sz="1400" dirty="0"/>
+              <a:t>.</a:t>
+            </a:r>
+          </a:p>
+          <a:p>
+            <a:pPr marL="285750" indent="-285750">
+              <a:buFont typeface="Wingdings" panose="05000000000000000000" pitchFamily="2" charset="2"/>
+              <a:buChar char="Ø"/>
+            </a:pPr>
+            <a:endParaRPr lang="en-US" altLang="ko-KR" sz="1400" dirty="0"/>
+          </a:p>
+          <a:p>
+            <a:pPr marL="285750" indent="-285750">
+              <a:buFont typeface="Wingdings" panose="05000000000000000000" pitchFamily="2" charset="2"/>
+              <a:buChar char="Ø"/>
+            </a:pPr>
+            <a:r>
+              <a:rPr lang="en-US" altLang="ko-KR" sz="1400" dirty="0" err="1"/>
+              <a:t>shamt</a:t>
+            </a:r>
+            <a:r>
+              <a:rPr lang="en-US" altLang="ko-KR" sz="1400" dirty="0"/>
+              <a:t>() </a:t>
+            </a:r>
+            <a:r>
+              <a:rPr lang="ko-KR" altLang="en-US" sz="1400" dirty="0"/>
+              <a:t>함수 실패 시 에러 메시지를 출력하고</a:t>
+            </a:r>
+            <a:r>
+              <a:rPr lang="en-US" altLang="ko-KR" sz="1400" dirty="0"/>
+              <a:t>, </a:t>
+            </a:r>
+            <a:r>
+              <a:rPr lang="ko-KR" altLang="en-US" sz="1400" dirty="0"/>
+              <a:t>실행을 종료한다</a:t>
+            </a:r>
+            <a:r>
+              <a:rPr lang="en-US" altLang="ko-KR" sz="1400" dirty="0"/>
+              <a:t>.</a:t>
+            </a:r>
+          </a:p>
+          <a:p>
+            <a:pPr marL="285750" indent="-285750">
+              <a:buFont typeface="Wingdings" panose="05000000000000000000" pitchFamily="2" charset="2"/>
+              <a:buChar char="Ø"/>
+            </a:pPr>
+            <a:r>
+              <a:rPr lang="ko-KR" altLang="en-US" sz="1400" dirty="0"/>
+              <a:t>성공 시 성공 메시지를 출력하고</a:t>
+            </a:r>
+            <a:r>
+              <a:rPr lang="en-US" altLang="ko-KR" sz="1400" dirty="0"/>
+              <a:t>, </a:t>
+            </a:r>
+            <a:r>
+              <a:rPr lang="en-US" altLang="ko-KR" sz="1400" dirty="0" err="1"/>
+              <a:t>shared_stuff</a:t>
+            </a:r>
+            <a:r>
+              <a:rPr lang="ko-KR" altLang="en-US" sz="1400" dirty="0"/>
+              <a:t>에 그 메모리를 할당해주어 사용이 가능하도록 함</a:t>
+            </a:r>
+            <a:r>
+              <a:rPr lang="en-US" altLang="ko-KR" sz="1400" dirty="0"/>
+              <a:t>.</a:t>
+            </a:r>
+          </a:p>
+          <a:p>
+            <a:pPr marL="285750" indent="-285750">
+              <a:buFont typeface="Wingdings" panose="05000000000000000000" pitchFamily="2" charset="2"/>
+              <a:buChar char="Ø"/>
+            </a:pPr>
+            <a:endParaRPr lang="en-US" altLang="ko-KR" sz="1400" dirty="0"/>
+          </a:p>
+          <a:p>
+            <a:pPr marL="285750" indent="-285750">
+              <a:buFont typeface="Wingdings" panose="05000000000000000000" pitchFamily="2" charset="2"/>
+              <a:buChar char="Ø"/>
+            </a:pPr>
+            <a:r>
+              <a:rPr lang="en-US" altLang="ko-KR" sz="1400" dirty="0"/>
+              <a:t>running</a:t>
+            </a:r>
+            <a:r>
+              <a:rPr lang="ko-KR" altLang="en-US" sz="1400" dirty="0"/>
+              <a:t>이 </a:t>
+            </a:r>
+            <a:r>
+              <a:rPr lang="en-US" altLang="ko-KR" sz="1400" dirty="0"/>
+              <a:t>1</a:t>
+            </a:r>
+            <a:r>
+              <a:rPr lang="ko-KR" altLang="en-US" sz="1400" dirty="0"/>
+              <a:t>이고</a:t>
+            </a:r>
+            <a:r>
+              <a:rPr lang="en-US" altLang="ko-KR" sz="1400" dirty="0"/>
+              <a:t>, </a:t>
+            </a:r>
+            <a:r>
+              <a:rPr lang="en-US" altLang="ko-KR" sz="1400" dirty="0" err="1"/>
+              <a:t>written_by_you</a:t>
+            </a:r>
+            <a:r>
+              <a:rPr lang="ko-KR" altLang="en-US" sz="1400" dirty="0"/>
+              <a:t>가 </a:t>
+            </a:r>
+            <a:r>
+              <a:rPr lang="en-US" altLang="ko-KR" sz="1400" dirty="0"/>
+              <a:t>1</a:t>
+            </a:r>
+            <a:r>
+              <a:rPr lang="ko-KR" altLang="en-US" sz="1400" dirty="0"/>
+              <a:t>인 경우 </a:t>
+            </a:r>
+            <a:r>
+              <a:rPr lang="en-US" altLang="ko-KR" sz="1400" dirty="0"/>
+              <a:t>1</a:t>
+            </a:r>
+            <a:r>
+              <a:rPr lang="ko-KR" altLang="en-US" sz="1400" dirty="0"/>
+              <a:t>초 동안 소비자의 실행을  기다림</a:t>
+            </a:r>
+            <a:endParaRPr lang="en-US" altLang="ko-KR" sz="1400" dirty="0"/>
+          </a:p>
+          <a:p>
+            <a:pPr marL="285750" indent="-285750">
+              <a:buFont typeface="Wingdings" panose="05000000000000000000" pitchFamily="2" charset="2"/>
+              <a:buChar char="Ø"/>
+            </a:pPr>
+            <a:r>
+              <a:rPr lang="en-US" altLang="ko-KR" sz="1400" dirty="0" err="1"/>
+              <a:t>fgets</a:t>
+            </a:r>
+            <a:r>
+              <a:rPr lang="en-US" altLang="ko-KR" sz="1400" dirty="0"/>
+              <a:t>() </a:t>
+            </a:r>
+            <a:r>
+              <a:rPr lang="ko-KR" altLang="en-US" sz="1400" dirty="0"/>
+              <a:t>함수를 통해 버퍼에 문자열을 입력 받아 이를 </a:t>
+            </a:r>
+            <a:r>
+              <a:rPr lang="en-US" altLang="ko-KR" sz="1400" dirty="0" err="1"/>
+              <a:t>strncpy</a:t>
+            </a:r>
+            <a:r>
+              <a:rPr lang="en-US" altLang="ko-KR" sz="1400" dirty="0"/>
+              <a:t>() </a:t>
+            </a:r>
+            <a:r>
+              <a:rPr lang="ko-KR" altLang="en-US" sz="1400" dirty="0"/>
+              <a:t>함수를 통해</a:t>
+            </a:r>
+            <a:r>
+              <a:rPr lang="en-US" altLang="ko-KR" sz="1400" dirty="0" err="1"/>
+              <a:t>somet_text</a:t>
+            </a:r>
+            <a:r>
+              <a:rPr lang="ko-KR" altLang="en-US" sz="1400" dirty="0"/>
+              <a:t>에 저장하고</a:t>
+            </a:r>
+            <a:r>
+              <a:rPr lang="en-US" altLang="ko-KR" sz="1400" dirty="0"/>
+              <a:t>, </a:t>
+            </a:r>
+            <a:r>
+              <a:rPr lang="en-US" altLang="ko-KR" sz="1400" dirty="0" err="1"/>
+              <a:t>written_by_you</a:t>
+            </a:r>
+            <a:r>
+              <a:rPr lang="ko-KR" altLang="en-US" sz="1400" dirty="0"/>
+              <a:t>를 </a:t>
+            </a:r>
+            <a:r>
+              <a:rPr lang="en-US" altLang="ko-KR" sz="1400" dirty="0"/>
+              <a:t>1</a:t>
+            </a:r>
+            <a:r>
+              <a:rPr lang="ko-KR" altLang="en-US" sz="1400" dirty="0"/>
+              <a:t>로 만듦</a:t>
+            </a:r>
+            <a:r>
+              <a:rPr lang="en-US" altLang="ko-KR" sz="1400" dirty="0"/>
+              <a:t>.</a:t>
+            </a:r>
+          </a:p>
+          <a:p>
+            <a:pPr marL="285750" indent="-285750">
+              <a:buFont typeface="Wingdings" panose="05000000000000000000" pitchFamily="2" charset="2"/>
+              <a:buChar char="Ø"/>
+            </a:pPr>
+            <a:endParaRPr lang="en-US" altLang="ko-KR" sz="1400" dirty="0"/>
+          </a:p>
+          <a:p>
+            <a:pPr marL="285750" indent="-285750">
+              <a:buFont typeface="Wingdings" panose="05000000000000000000" pitchFamily="2" charset="2"/>
+              <a:buChar char="Ø"/>
+            </a:pPr>
+            <a:r>
+              <a:rPr lang="ko-KR" altLang="en-US" sz="1400" dirty="0"/>
+              <a:t>입력 받은 문자열이 </a:t>
+            </a:r>
+            <a:r>
+              <a:rPr lang="en-US" altLang="ko-KR" sz="1400" dirty="0"/>
+              <a:t>end</a:t>
+            </a:r>
+            <a:r>
+              <a:rPr lang="ko-KR" altLang="en-US" sz="1400" dirty="0"/>
+              <a:t>인 경우</a:t>
+            </a:r>
+            <a:r>
+              <a:rPr lang="en-US" altLang="ko-KR" sz="1400" dirty="0"/>
+              <a:t>, running</a:t>
+            </a:r>
+            <a:r>
+              <a:rPr lang="ko-KR" altLang="en-US" sz="1400" dirty="0"/>
+              <a:t>이 </a:t>
+            </a:r>
+            <a:r>
+              <a:rPr lang="en-US" altLang="ko-KR" sz="1400" dirty="0"/>
+              <a:t>0</a:t>
+            </a:r>
+            <a:r>
+              <a:rPr lang="ko-KR" altLang="en-US" sz="1400" dirty="0"/>
+              <a:t>이 되면서 프로그램이 종료함</a:t>
+            </a:r>
+            <a:r>
+              <a:rPr lang="en-US" altLang="ko-KR" sz="1400" dirty="0"/>
+              <a:t>.</a:t>
+            </a:r>
+          </a:p>
+        </p:txBody>
+      </p:sp>
+      <p:pic>
+        <p:nvPicPr>
+          <p:cNvPr id="7" name="그림 6">
+            <a:extLst>
+              <a:ext uri="{FF2B5EF4-FFF2-40B4-BE49-F238E27FC236}">
+                <a16:creationId xmlns:a16="http://schemas.microsoft.com/office/drawing/2014/main" id="{E990EDEA-EADB-4781-B5D8-67B91C543B4D}"/>
+              </a:ext>
+            </a:extLst>
+          </p:cNvPr>
+          <p:cNvPicPr>
+            <a:picLocks noChangeAspect="1"/>
+          </p:cNvPicPr>
+          <p:nvPr/>
+        </p:nvPicPr>
+        <p:blipFill>
+          <a:blip r:embed="rId2"/>
+          <a:stretch>
+            <a:fillRect/>
+          </a:stretch>
+        </p:blipFill>
+        <p:spPr>
+          <a:xfrm>
+            <a:off x="279392" y="923330"/>
+            <a:ext cx="5151566" cy="5342281"/>
+          </a:xfrm>
+          <a:prstGeom prst="rect">
+            <a:avLst/>
+          </a:prstGeom>
+        </p:spPr>
+      </p:pic>
+    </p:spTree>
+    <p:extLst>
+      <p:ext uri="{BB962C8B-B14F-4D97-AF65-F5344CB8AC3E}">
+        <p14:creationId xmlns:p14="http://schemas.microsoft.com/office/powerpoint/2010/main" val="1395875574"/>
+      </p:ext>
+    </p:extLst>
+  </p:cSld>
+  <p:clrMapOvr>
+    <a:masterClrMapping/>
+  </p:clrMapOvr>
+</p:sld>
+</file>
+
+<file path=ppt/slides/slide11.xml><?xml version="1.0" encoding="utf-8"?>
+<p:sld xmlns:a="http://schemas.openxmlformats.org/drawingml/2006/main" xmlns:r="http://schemas.openxmlformats.org/officeDocument/2006/relationships" xmlns:p="http://schemas.openxmlformats.org/presentationml/2006/main">
+  <p:cSld>
     <p:bg>
       <p:bgPr>
         <a:solidFill>
@@ -4696,7 +5229,7 @@
                 <a:latin typeface="나눔바른고딕 UltraLight" panose="020B0603020101020101" pitchFamily="50" charset="-127"/>
                 <a:ea typeface="나눔바른고딕 UltraLight" panose="020B0603020101020101" pitchFamily="50" charset="-127"/>
               </a:rPr>
-              <a:t>공급자</a:t>
+              <a:t>생산자</a:t>
             </a:r>
             <a:r>
               <a:rPr lang="en-US" altLang="ko-KR" sz="1600" dirty="0">
@@ -5213,7 +5746,7 @@
             </a:r>
             <a:r>
               <a:rPr lang="en-US" altLang="ko-KR" sz="1400" dirty="0"/>
-              <a:t>, </a:t>
+              <a:t> </a:t>
             </a:r>
             <a:r>
               <a:rPr lang="ko-KR" altLang="en-US" sz="1400" dirty="0"/>
@@ -5375,7 +5908,7 @@
         </p:blipFill>
         <p:spPr>
           <a:xfrm>
-            <a:off x="7259713" y="1240875"/>
+            <a:off x="7259713" y="1439735"/>
             <a:ext cx="3565320" cy="2600210"/>
           </a:xfrm>
           <a:prstGeom prst="rect">
@@ -5402,7 +5935,7 @@
         </p:nvSpPr>
         <p:spPr>
           <a:xfrm>
-            <a:off x="7687810" y="666604"/>
+            <a:off x="7875767" y="960219"/>
             <a:ext cx="2333211" cy="369332"/>
           </a:xfrm>
           <a:prstGeom prst="rect">
@@ -5446,7 +5979,7 @@
         </p:nvSpPr>
         <p:spPr>
           <a:xfrm>
-            <a:off x="762002" y="666604"/>
+            <a:off x="745508" y="1664167"/>
             <a:ext cx="3742190" cy="369332"/>
           </a:xfrm>
           <a:prstGeom prst="rect">
@@ -5502,7 +6035,7 @@
         </p:blipFill>
         <p:spPr>
           <a:xfrm>
-            <a:off x="333905" y="1240875"/>
+            <a:off x="333905" y="2264331"/>
             <a:ext cx="4598384" cy="1775614"/>
           </a:xfrm>
           <a:prstGeom prst="rect">
@@ -5529,8 +6062,8 @@
         </p:nvSpPr>
         <p:spPr>
           <a:xfrm>
-            <a:off x="333905" y="3429000"/>
-            <a:ext cx="5907504" cy="1169551"/>
+            <a:off x="333905" y="4439569"/>
+            <a:ext cx="10491128" cy="1169551"/>
           </a:xfrm>
           <a:prstGeom prst="rect">
             <a:avLst/>
@@ -5560,7 +6093,7 @@
           <a:p>
             <a:r>
               <a:rPr lang="ko-KR" altLang="en-US" sz="1400" dirty="0"/>
-              <a:t>위 결과의 경우는 소비자가 공유 메모리에 접근을 못하기 때문에 발생함</a:t>
+              <a:t>좌측 결과의 경우는 소비자가 공유 메모리에 접근을 못하기 때문에 발생함</a:t>
             </a:r>
             <a:endParaRPr lang="en-US" altLang="ko-KR" sz="1400" dirty="0"/>
           </a:p>
@@ -5570,7 +6103,7 @@
           <a:p>
             <a:r>
               <a:rPr lang="ko-KR" altLang="en-US" sz="1400" dirty="0"/>
-              <a:t>아래 결과의 경우는 소비자가 존재를 하지 않기 때문에 발생함</a:t>
+              <a:t>우측 결과의 경우는 소비자가 존재를 하지 않기 때문에 발생함</a:t>
             </a:r>
             <a:endParaRPr lang="en-US" altLang="ko-KR" sz="1400" dirty="0"/>
           </a:p>
@@ -5842,7 +6375,7 @@
         </p:nvSpPr>
         <p:spPr>
           <a:xfrm>
-            <a:off x="458383" y="2563387"/>
+            <a:off x="458383" y="3368731"/>
             <a:ext cx="10438914" cy="523220"/>
           </a:xfrm>
           <a:prstGeom prst="rect">
@@ -6011,10 +6544,10 @@
       </p:sp>
       <p:sp>
         <p:nvSpPr>
-          <p:cNvPr id="8" name="TextBox 7">
-            <a:extLst>
-              <a:ext uri="{FF2B5EF4-FFF2-40B4-BE49-F238E27FC236}">
-                <a16:creationId xmlns:a16="http://schemas.microsoft.com/office/drawing/2014/main" id="{6FF2F083-E890-48D3-8123-DFCBB1A375F6}"/>
+          <p:cNvPr id="12" name="TextBox 11">
+            <a:extLst>
+              <a:ext uri="{FF2B5EF4-FFF2-40B4-BE49-F238E27FC236}">
+                <a16:creationId xmlns:a16="http://schemas.microsoft.com/office/drawing/2014/main" id="{BF2551C4-C114-4339-83D4-0FE7E0E41CC9}"/>
               </a:ext>
             </a:extLst>
           </p:cNvPr>
@@ -6023,128 +6556,7 @@
         </p:nvSpPr>
         <p:spPr>
           <a:xfrm>
-            <a:off x="458384" y="4684875"/>
-            <a:ext cx="10438913" cy="523220"/>
-          </a:xfrm>
-          <a:prstGeom prst="rect">
-            <a:avLst/>
-          </a:prstGeom>
-          <a:solidFill>
-            <a:schemeClr val="accent2"/>
-          </a:solidFill>
-          <a:ln>
-            <a:noFill/>
-          </a:ln>
-        </p:spPr>
-        <p:txBody>
-          <a:bodyPr wrap="square" rtlCol="0" anchor="ctr">
-            <a:noAutofit/>
-          </a:bodyPr>
-          <a:lstStyle/>
-          <a:p>
-            <a:r>
-              <a:rPr lang="en-US" altLang="ko-KR" sz="1600" dirty="0">
-                <a:solidFill>
-                  <a:srgbClr val="8497B0"/>
-                </a:solidFill>
-              </a:rPr>
-              <a:t>void</a:t>
-            </a:r>
-            <a:r>
-              <a:rPr lang="en-US" altLang="ko-KR" sz="1600" dirty="0"/>
-              <a:t>* </a:t>
-            </a:r>
-            <a:r>
-              <a:rPr lang="en-US" altLang="ko-KR" sz="1600" dirty="0" err="1"/>
-              <a:t>shmat</a:t>
-            </a:r>
-            <a:r>
-              <a:rPr lang="en-US" altLang="ko-KR" sz="1600" dirty="0"/>
-              <a:t>(</a:t>
-            </a:r>
-            <a:r>
-              <a:rPr lang="en-US" altLang="ko-KR" sz="1600" dirty="0">
-                <a:solidFill>
-                  <a:srgbClr val="8497B0"/>
-                </a:solidFill>
-              </a:rPr>
-              <a:t>int</a:t>
-            </a:r>
-            <a:r>
-              <a:rPr lang="en-US" altLang="ko-KR" sz="1600" dirty="0"/>
-              <a:t> </a:t>
-            </a:r>
-            <a:r>
-              <a:rPr lang="en-US" altLang="ko-KR" sz="1600" dirty="0" err="1"/>
-              <a:t>shmid</a:t>
-            </a:r>
-            <a:r>
-              <a:rPr lang="en-US" altLang="ko-KR" sz="1600" dirty="0"/>
-              <a:t>, </a:t>
-            </a:r>
-            <a:r>
-              <a:rPr lang="en-US" altLang="ko-KR" sz="1600" dirty="0">
-                <a:solidFill>
-                  <a:srgbClr val="8497B0"/>
-                </a:solidFill>
-              </a:rPr>
-              <a:t>const</a:t>
-            </a:r>
-            <a:r>
-              <a:rPr lang="en-US" altLang="ko-KR" sz="1600" dirty="0"/>
-              <a:t> void *</a:t>
-            </a:r>
-            <a:r>
-              <a:rPr lang="en-US" altLang="ko-KR" sz="1600" dirty="0" err="1"/>
-              <a:t>shmaddr</a:t>
-            </a:r>
-            <a:r>
-              <a:rPr lang="en-US" altLang="ko-KR" sz="1600" dirty="0"/>
-              <a:t>, </a:t>
-            </a:r>
-            <a:r>
-              <a:rPr lang="en-US" altLang="ko-KR" sz="1600" dirty="0">
-                <a:solidFill>
-                  <a:srgbClr val="8497B0"/>
-                </a:solidFill>
-              </a:rPr>
-              <a:t>int</a:t>
-            </a:r>
-            <a:r>
-              <a:rPr lang="en-US" altLang="ko-KR" sz="1600" dirty="0"/>
-              <a:t> </a:t>
-            </a:r>
-            <a:r>
-              <a:rPr lang="en-US" altLang="ko-KR" sz="1600" dirty="0" err="1"/>
-              <a:t>shmflg</a:t>
-            </a:r>
-            <a:r>
-              <a:rPr lang="en-US" altLang="ko-KR" sz="1600" dirty="0"/>
-              <a:t>)</a:t>
-            </a:r>
-            <a:endParaRPr lang="en-US" altLang="ko-KR" sz="1600" dirty="0">
-              <a:latin typeface="나눔바른고딕 UltraLight"/>
-              <a:ea typeface="함초롬돋움" panose="020B0604000101010101" pitchFamily="50" charset="-127"/>
-              <a:cs typeface="함초롬돋움" panose="020B0604000101010101" pitchFamily="50" charset="-127"/>
-            </a:endParaRPr>
-          </a:p>
-        </p:txBody>
-      </p:sp>
-      <p:sp>
-        <p:nvSpPr>
-          <p:cNvPr id="12" name="TextBox 11">
-            <a:extLst>
-              <a:ext uri="{FF2B5EF4-FFF2-40B4-BE49-F238E27FC236}">
-                <a16:creationId xmlns:a16="http://schemas.microsoft.com/office/drawing/2014/main" id="{BF2551C4-C114-4339-83D4-0FE7E0E41CC9}"/>
-              </a:ext>
-            </a:extLst>
-          </p:cNvPr>
-          <p:cNvSpPr txBox="1"/>
-          <p:nvPr/>
-        </p:nvSpPr>
-        <p:spPr>
-          <a:xfrm>
-            <a:off x="458385" y="3184704"/>
+            <a:off x="458385" y="3990048"/>
             <a:ext cx="10438912" cy="1375405"/>
           </a:xfrm>
           <a:prstGeom prst="rect">
@@ -6376,279 +6788,6 @@
             <a:endParaRPr lang="en-US" altLang="ko-KR" sz="1400" dirty="0">
               <a:latin typeface="나눔바른고딕 UltraLight"/>
               <a:ea typeface="나눔바른고딕 Light" panose="020B0603020101020101" pitchFamily="50" charset="-127"/>
-            </a:endParaRPr>
-          </a:p>
-        </p:txBody>
-      </p:sp>
-      <p:sp>
-        <p:nvSpPr>
-          <p:cNvPr id="13" name="TextBox 12">
-            <a:extLst>
-              <a:ext uri="{FF2B5EF4-FFF2-40B4-BE49-F238E27FC236}">
-                <a16:creationId xmlns:a16="http://schemas.microsoft.com/office/drawing/2014/main" id="{07499790-8847-4126-AD70-800B78474E86}"/>
-              </a:ext>
-            </a:extLst>
-          </p:cNvPr>
-          <p:cNvSpPr txBox="1"/>
-          <p:nvPr/>
-        </p:nvSpPr>
-        <p:spPr>
-          <a:xfrm>
-            <a:off x="458385" y="5303215"/>
-            <a:ext cx="10438912" cy="1381859"/>
-          </a:xfrm>
-          <a:prstGeom prst="rect">
-            <a:avLst/>
-          </a:prstGeom>
-          <a:noFill/>
-          <a:ln>
-            <a:noFill/>
-          </a:ln>
-        </p:spPr>
-        <p:txBody>
-          <a:bodyPr wrap="square" rtlCol="0">
-            <a:noAutofit/>
-          </a:bodyPr>
-          <a:lstStyle/>
-          <a:p>
-            <a:pPr marL="180000" indent="-180000">
-              <a:buFont typeface="Arial" panose="020B0604020202020204" pitchFamily="34" charset="0"/>
-              <a:buChar char="•"/>
-            </a:pPr>
-            <a:r>
-              <a:rPr lang="ko-KR" altLang="en-US" sz="1500" dirty="0">
-                <a:latin typeface="나눔바른고딕 Light" panose="020B0603020101020101" pitchFamily="50" charset="-127"/>
-                <a:ea typeface="나눔바른고딕 Light" panose="020B0603020101020101" pitchFamily="50" charset="-127"/>
-              </a:rPr>
-              <a:t>공유 메모리 </a:t>
-            </a:r>
-            <a:r>
-              <a:rPr lang="en-US" altLang="ko-KR" sz="1500" dirty="0">
-                <a:latin typeface="나눔바른고딕 Light" panose="020B0603020101020101" pitchFamily="50" charset="-127"/>
-                <a:ea typeface="나눔바른고딕 Light" panose="020B0603020101020101" pitchFamily="50" charset="-127"/>
-              </a:rPr>
-              <a:t>ID</a:t>
-            </a:r>
-            <a:r>
-              <a:rPr lang="ko-KR" altLang="en-US" sz="1500" dirty="0">
-                <a:latin typeface="나눔바른고딕 Light" panose="020B0603020101020101" pitchFamily="50" charset="-127"/>
-                <a:ea typeface="나눔바른고딕 Light" panose="020B0603020101020101" pitchFamily="50" charset="-127"/>
-              </a:rPr>
-              <a:t>를 프로세서에 붙여주는 함수</a:t>
-            </a:r>
-            <a:r>
-              <a:rPr lang="en-US" altLang="ko-KR" sz="1500" dirty="0">
-                <a:latin typeface="나눔바른고딕 Light" panose="020B0603020101020101" pitchFamily="50" charset="-127"/>
-                <a:ea typeface="나눔바른고딕 Light" panose="020B0603020101020101" pitchFamily="50" charset="-127"/>
-              </a:rPr>
-              <a:t>. </a:t>
-            </a:r>
-            <a:r>
-              <a:rPr lang="en-US" altLang="ko-KR" sz="1500" dirty="0" err="1">
-                <a:latin typeface="나눔바른고딕 Light" panose="020B0603020101020101" pitchFamily="50" charset="-127"/>
-                <a:ea typeface="나눔바른고딕 Light" panose="020B0603020101020101" pitchFamily="50" charset="-127"/>
-              </a:rPr>
-              <a:t>shmid</a:t>
-            </a:r>
-            <a:r>
-              <a:rPr lang="ko-KR" altLang="en-US" sz="1500" dirty="0">
-                <a:latin typeface="나눔바른고딕 Light" panose="020B0603020101020101" pitchFamily="50" charset="-127"/>
-                <a:ea typeface="나눔바른고딕 Light" panose="020B0603020101020101" pitchFamily="50" charset="-127"/>
-              </a:rPr>
-              <a:t>에 대한 주소를 반환함</a:t>
-            </a:r>
-            <a:r>
-              <a:rPr lang="en-US" altLang="ko-KR" sz="1500" dirty="0">
-                <a:latin typeface="나눔바른고딕 Light" panose="020B0603020101020101" pitchFamily="50" charset="-127"/>
-                <a:ea typeface="나눔바른고딕 Light" panose="020B0603020101020101" pitchFamily="50" charset="-127"/>
-              </a:rPr>
-              <a:t>. </a:t>
-            </a:r>
-            <a:r>
-              <a:rPr lang="ko-KR" altLang="en-US" sz="1500" dirty="0">
-                <a:latin typeface="나눔바른고딕 Light" panose="020B0603020101020101" pitchFamily="50" charset="-127"/>
-                <a:ea typeface="나눔바른고딕 Light" panose="020B0603020101020101" pitchFamily="50" charset="-127"/>
-              </a:rPr>
-              <a:t>실패 시 </a:t>
-            </a:r>
-            <a:r>
-              <a:rPr lang="en-US" altLang="ko-KR" sz="1500" dirty="0">
-                <a:latin typeface="나눔바른고딕 Light" panose="020B0603020101020101" pitchFamily="50" charset="-127"/>
-                <a:ea typeface="나눔바른고딕 Light" panose="020B0603020101020101" pitchFamily="50" charset="-127"/>
-              </a:rPr>
-              <a:t>-1</a:t>
-            </a:r>
-            <a:r>
-              <a:rPr lang="ko-KR" altLang="en-US" sz="1500" dirty="0">
-                <a:latin typeface="나눔바른고딕 Light" panose="020B0603020101020101" pitchFamily="50" charset="-127"/>
-                <a:ea typeface="나눔바른고딕 Light" panose="020B0603020101020101" pitchFamily="50" charset="-127"/>
-              </a:rPr>
-              <a:t>을 반환함</a:t>
-            </a:r>
-            <a:r>
-              <a:rPr lang="en-US" altLang="ko-KR" sz="1500" dirty="0">
-                <a:latin typeface="나눔바른고딕 Light" panose="020B0603020101020101" pitchFamily="50" charset="-127"/>
-                <a:ea typeface="나눔바른고딕 Light" panose="020B0603020101020101" pitchFamily="50" charset="-127"/>
-              </a:rPr>
-              <a:t>.</a:t>
-            </a:r>
-          </a:p>
-          <a:p>
-            <a:pPr marL="285750" indent="-285750">
-              <a:buFontTx/>
-              <a:buChar char="-"/>
-            </a:pPr>
-            <a:r>
-              <a:rPr lang="en-US" altLang="ko-KR" sz="1400" dirty="0" err="1"/>
-              <a:t>shmid</a:t>
-            </a:r>
-            <a:r>
-              <a:rPr lang="en-US" altLang="ko-KR" sz="1400" dirty="0"/>
-              <a:t> : </a:t>
-            </a:r>
-            <a:r>
-              <a:rPr lang="ko-KR" altLang="en-US" sz="1400" dirty="0"/>
-              <a:t>공유메모리 </a:t>
-            </a:r>
-            <a:r>
-              <a:rPr lang="en-US" altLang="ko-KR" sz="1400" dirty="0"/>
-              <a:t>ID. </a:t>
-            </a:r>
-          </a:p>
-          <a:p>
-            <a:pPr marL="285750" indent="-285750">
-              <a:buFontTx/>
-              <a:buChar char="-"/>
-            </a:pPr>
-            <a:r>
-              <a:rPr lang="en-US" altLang="ko-KR" sz="1400" dirty="0" err="1"/>
-              <a:t>shmaddr</a:t>
-            </a:r>
-            <a:r>
-              <a:rPr lang="en-US" altLang="ko-KR" sz="1400" dirty="0"/>
-              <a:t> : </a:t>
-            </a:r>
-            <a:r>
-              <a:rPr lang="ko-KR" altLang="en-US" sz="1400" dirty="0"/>
-              <a:t>공유메모리 주소</a:t>
-            </a:r>
-            <a:r>
-              <a:rPr lang="en-US" altLang="ko-KR" sz="1400" dirty="0"/>
-              <a:t>. </a:t>
-            </a:r>
-            <a:r>
-              <a:rPr lang="ko-KR" altLang="en-US" sz="1400" dirty="0"/>
-              <a:t>일반적으로 </a:t>
-            </a:r>
-            <a:r>
-              <a:rPr lang="en-US" altLang="ko-KR" sz="1400" dirty="0"/>
-              <a:t>NULL </a:t>
-            </a:r>
-            <a:r>
-              <a:rPr lang="ko-KR" altLang="en-US" sz="1400" dirty="0"/>
-              <a:t>지정</a:t>
-            </a:r>
-            <a:r>
-              <a:rPr lang="en-US" altLang="ko-KR" sz="1400" dirty="0"/>
-              <a:t>(NULL</a:t>
-            </a:r>
-            <a:r>
-              <a:rPr lang="ko-KR" altLang="en-US" sz="1400" dirty="0"/>
-              <a:t>을 지정하면 커널에 매핑 되지 않은 지역을 자동으로 찾음</a:t>
-            </a:r>
-            <a:r>
-              <a:rPr lang="en-US" altLang="ko-KR" sz="1400" dirty="0"/>
-              <a:t>.) </a:t>
-            </a:r>
-          </a:p>
-          <a:p>
-            <a:pPr marL="285750" indent="-285750">
-              <a:buFontTx/>
-              <a:buChar char="-"/>
-            </a:pPr>
-            <a:r>
-              <a:rPr lang="en-US" altLang="ko-KR" sz="1400" dirty="0" err="1"/>
-              <a:t>shmflg</a:t>
-            </a:r>
-            <a:r>
-              <a:rPr lang="en-US" altLang="ko-KR" sz="1400" dirty="0"/>
-              <a:t> : </a:t>
-            </a:r>
-            <a:r>
-              <a:rPr lang="ko-KR" altLang="en-US" sz="1400" dirty="0"/>
-              <a:t>동작 옵션</a:t>
-            </a:r>
-            <a:r>
-              <a:rPr lang="en-US" altLang="ko-KR" sz="1400" dirty="0"/>
-              <a:t>.</a:t>
-            </a:r>
-          </a:p>
-          <a:p>
-            <a:pPr marL="742950" lvl="1" indent="-285750">
-              <a:buFontTx/>
-              <a:buChar char="-"/>
-            </a:pPr>
-            <a:r>
-              <a:rPr lang="en-US" altLang="ko-KR" sz="1400" dirty="0"/>
-              <a:t>SHM_RDONLY : </a:t>
-            </a:r>
-            <a:r>
-              <a:rPr lang="ko-KR" altLang="en-US" sz="1400" dirty="0"/>
-              <a:t>공유메모리를 읽기 전용으로 설정</a:t>
-            </a:r>
-            <a:endParaRPr lang="en-US" altLang="ko-KR" sz="1400" dirty="0"/>
-          </a:p>
-          <a:p>
-            <a:pPr marL="742950" lvl="1" indent="-285750">
-              <a:buFontTx/>
-              <a:buChar char="-"/>
-            </a:pPr>
-            <a:r>
-              <a:rPr lang="en-US" altLang="ko-KR" sz="1400" dirty="0"/>
-              <a:t>SHM_RND : </a:t>
-            </a:r>
-            <a:r>
-              <a:rPr lang="en-US" altLang="ko-KR" sz="1400" dirty="0" err="1"/>
-              <a:t>shmaddr</a:t>
-            </a:r>
-            <a:r>
-              <a:rPr lang="ko-KR" altLang="en-US" sz="1400" dirty="0"/>
-              <a:t>이 </a:t>
-            </a:r>
-            <a:r>
-              <a:rPr lang="en-US" altLang="ko-KR" sz="1400" dirty="0"/>
-              <a:t>NULL</a:t>
-            </a:r>
-            <a:r>
-              <a:rPr lang="ko-KR" altLang="en-US" sz="1400" dirty="0"/>
-              <a:t>이 아닐 경우에만 사용</a:t>
-            </a:r>
-            <a:r>
-              <a:rPr lang="en-US" altLang="ko-KR" sz="1400" dirty="0"/>
-              <a:t>. </a:t>
-            </a:r>
-            <a:r>
-              <a:rPr lang="en-US" altLang="ko-KR" sz="1400" dirty="0" err="1"/>
-              <a:t>shmaddr</a:t>
-            </a:r>
-            <a:r>
-              <a:rPr lang="ko-KR" altLang="en-US" sz="1400" dirty="0"/>
-              <a:t>을 반올림하여 메모리 경계에 맞춤</a:t>
-            </a:r>
-            <a:r>
-              <a:rPr lang="en-US" altLang="ko-KR" sz="1400" dirty="0"/>
-              <a:t>.</a:t>
-            </a:r>
-            <a:endParaRPr lang="en-US" altLang="ko-KR" sz="1400" dirty="0">
-              <a:solidFill>
-                <a:schemeClr val="tx2">
-                  <a:lumMod val="60000"/>
-                  <a:lumOff val="40000"/>
-                </a:schemeClr>
-              </a:solidFill>
-              <a:latin typeface="나눔바른고딕 UltraLight"/>
-              <a:ea typeface="함초롬돋움" panose="020B0604000101010101" pitchFamily="50" charset="-127"/>
-              <a:cs typeface="함초롬돋움" panose="020B0604000101010101" pitchFamily="50" charset="-127"/>
             </a:endParaRPr>
           </a:p>
         </p:txBody>
@@ -6863,7 +7002,7 @@
         </p:nvSpPr>
         <p:spPr>
           <a:xfrm>
-            <a:off x="3571766" y="2056936"/>
+            <a:off x="3571766" y="2465514"/>
             <a:ext cx="4276124" cy="461665"/>
           </a:xfrm>
           <a:prstGeom prst="rect">
@@ -6962,597 +7101,6 @@
       </p:sp>
       <p:sp>
         <p:nvSpPr>
-          <p:cNvPr id="7" name="TextBox 6">
-            <a:extLst>
-              <a:ext uri="{FF2B5EF4-FFF2-40B4-BE49-F238E27FC236}">
-                <a16:creationId xmlns:a16="http://schemas.microsoft.com/office/drawing/2014/main" id="{04BD9AD4-ED09-46C0-A7A5-E27F90A829F7}"/>
-              </a:ext>
-            </a:extLst>
-          </p:cNvPr>
-          <p:cNvSpPr txBox="1"/>
-          <p:nvPr/>
-        </p:nvSpPr>
-        <p:spPr>
-          <a:xfrm>
-            <a:off x="458383" y="860420"/>
-            <a:ext cx="10438914" cy="523220"/>
-          </a:xfrm>
-          <a:prstGeom prst="rect">
-            <a:avLst/>
-          </a:prstGeom>
-          <a:solidFill>
-            <a:schemeClr val="accent2">
-              <a:lumMod val="60000"/>
-              <a:lumOff val="40000"/>
-            </a:schemeClr>
-          </a:solidFill>
-          <a:ln>
-            <a:noFill/>
-          </a:ln>
-        </p:spPr>
-        <p:txBody>
-          <a:bodyPr wrap="square" rtlCol="0" anchor="ctr">
-            <a:noAutofit/>
-          </a:bodyPr>
-          <a:lstStyle/>
-          <a:p>
-            <a:r>
-              <a:rPr lang="en-US" altLang="ko-KR" sz="1600" dirty="0">
-                <a:solidFill>
-                  <a:srgbClr val="8497B0"/>
-                </a:solidFill>
-              </a:rPr>
-              <a:t>int</a:t>
-            </a:r>
-            <a:r>
-              <a:rPr lang="en-US" altLang="ko-KR" sz="1600" dirty="0"/>
-              <a:t> </a:t>
-            </a:r>
-            <a:r>
-              <a:rPr lang="en-US" altLang="ko-KR" sz="1600" dirty="0" err="1"/>
-              <a:t>shmdt</a:t>
-            </a:r>
-            <a:r>
-              <a:rPr lang="en-US" altLang="ko-KR" sz="1600" dirty="0"/>
-              <a:t>(</a:t>
-            </a:r>
-            <a:r>
-              <a:rPr lang="en-US" altLang="ko-KR" sz="1600" dirty="0">
-                <a:solidFill>
-                  <a:srgbClr val="8497B0"/>
-                </a:solidFill>
-              </a:rPr>
-              <a:t>const void </a:t>
-            </a:r>
-            <a:r>
-              <a:rPr lang="en-US" altLang="ko-KR" sz="1600" dirty="0"/>
-              <a:t>*</a:t>
-            </a:r>
-            <a:r>
-              <a:rPr lang="en-US" altLang="ko-KR" sz="1600" dirty="0" err="1"/>
-              <a:t>shmaddr</a:t>
-            </a:r>
-            <a:r>
-              <a:rPr lang="en-US" altLang="ko-KR" sz="1600" dirty="0"/>
-              <a:t>)</a:t>
-            </a:r>
-            <a:endParaRPr lang="en-US" altLang="ko-KR" sz="1600" dirty="0">
-              <a:latin typeface="나눔바른고딕 UltraLight"/>
-              <a:ea typeface="함초롬돋움" panose="020B0604000101010101" pitchFamily="50" charset="-127"/>
-              <a:cs typeface="함초롬돋움" panose="020B0604000101010101" pitchFamily="50" charset="-127"/>
-            </a:endParaRPr>
-          </a:p>
-        </p:txBody>
-      </p:sp>
-      <p:sp>
-        <p:nvSpPr>
-          <p:cNvPr id="8" name="TextBox 7">
-            <a:extLst>
-              <a:ext uri="{FF2B5EF4-FFF2-40B4-BE49-F238E27FC236}">
-                <a16:creationId xmlns:a16="http://schemas.microsoft.com/office/drawing/2014/main" id="{6FF2F083-E890-48D3-8123-DFCBB1A375F6}"/>
-              </a:ext>
-            </a:extLst>
-          </p:cNvPr>
-          <p:cNvSpPr txBox="1"/>
-          <p:nvPr/>
-        </p:nvSpPr>
-        <p:spPr>
-          <a:xfrm>
-            <a:off x="458384" y="2486957"/>
-            <a:ext cx="10438913" cy="523220"/>
-          </a:xfrm>
-          <a:prstGeom prst="rect">
-            <a:avLst/>
-          </a:prstGeom>
-          <a:solidFill>
-            <a:schemeClr val="accent2"/>
-          </a:solidFill>
-          <a:ln>
-            <a:noFill/>
-          </a:ln>
-        </p:spPr>
-        <p:txBody>
-          <a:bodyPr wrap="square" rtlCol="0" anchor="ctr">
-            <a:noAutofit/>
-          </a:bodyPr>
-          <a:lstStyle/>
-          <a:p>
-            <a:r>
-              <a:rPr lang="en-US" altLang="ko-KR" sz="1600" dirty="0">
-                <a:solidFill>
-                  <a:srgbClr val="8497B0"/>
-                </a:solidFill>
-              </a:rPr>
-              <a:t>int</a:t>
-            </a:r>
-            <a:r>
-              <a:rPr lang="en-US" altLang="ko-KR" sz="1600" dirty="0"/>
-              <a:t> </a:t>
-            </a:r>
-            <a:r>
-              <a:rPr lang="en-US" altLang="ko-KR" sz="1600" dirty="0" err="1"/>
-              <a:t>shmctl</a:t>
-            </a:r>
-            <a:r>
-              <a:rPr lang="en-US" altLang="ko-KR" sz="1600" dirty="0"/>
-              <a:t>(</a:t>
-            </a:r>
-            <a:r>
-              <a:rPr lang="en-US" altLang="ko-KR" sz="1600" dirty="0">
-                <a:solidFill>
-                  <a:srgbClr val="8497B0"/>
-                </a:solidFill>
-              </a:rPr>
-              <a:t>int </a:t>
-            </a:r>
-            <a:r>
-              <a:rPr lang="en-US" altLang="ko-KR" sz="1600" dirty="0" err="1"/>
-              <a:t>shmid</a:t>
-            </a:r>
-            <a:r>
-              <a:rPr lang="en-US" altLang="ko-KR" sz="1600" dirty="0"/>
-              <a:t>, </a:t>
-            </a:r>
-            <a:r>
-              <a:rPr lang="en-US" altLang="ko-KR" sz="1600" dirty="0">
-                <a:solidFill>
-                  <a:srgbClr val="8497B0"/>
-                </a:solidFill>
-              </a:rPr>
-              <a:t>int</a:t>
-            </a:r>
-            <a:r>
-              <a:rPr lang="en-US" altLang="ko-KR" sz="1600" dirty="0"/>
-              <a:t> </a:t>
-            </a:r>
-            <a:r>
-              <a:rPr lang="en-US" altLang="ko-KR" sz="1600" dirty="0" err="1"/>
-              <a:t>cmd</a:t>
-            </a:r>
-            <a:r>
-              <a:rPr lang="en-US" altLang="ko-KR" sz="1600" dirty="0"/>
-              <a:t>, </a:t>
-            </a:r>
-            <a:r>
-              <a:rPr lang="en-US" altLang="ko-KR" sz="1600" dirty="0">
-                <a:solidFill>
-                  <a:srgbClr val="8497B0"/>
-                </a:solidFill>
-              </a:rPr>
-              <a:t>struct</a:t>
-            </a:r>
-            <a:r>
-              <a:rPr lang="en-US" altLang="ko-KR" sz="1600" dirty="0"/>
-              <a:t> </a:t>
-            </a:r>
-            <a:r>
-              <a:rPr lang="en-US" altLang="ko-KR" sz="1600" dirty="0" err="1"/>
-              <a:t>shmid_ds</a:t>
-            </a:r>
-            <a:r>
-              <a:rPr lang="en-US" altLang="ko-KR" sz="1600" dirty="0"/>
-              <a:t> *</a:t>
-            </a:r>
-            <a:r>
-              <a:rPr lang="en-US" altLang="ko-KR" sz="1600" dirty="0" err="1"/>
-              <a:t>buf</a:t>
-            </a:r>
-            <a:r>
-              <a:rPr lang="en-US" altLang="ko-KR" sz="1600" dirty="0"/>
-              <a:t>)</a:t>
-            </a:r>
-            <a:endParaRPr lang="en-US" altLang="ko-KR" sz="1600" dirty="0">
-              <a:latin typeface="나눔바른고딕 UltraLight"/>
-              <a:ea typeface="함초롬돋움" panose="020B0604000101010101" pitchFamily="50" charset="-127"/>
-              <a:cs typeface="함초롬돋움" panose="020B0604000101010101" pitchFamily="50" charset="-127"/>
-            </a:endParaRPr>
-          </a:p>
-        </p:txBody>
-      </p:sp>
-      <p:sp>
-        <p:nvSpPr>
-          <p:cNvPr id="12" name="TextBox 11">
-            <a:extLst>
-              <a:ext uri="{FF2B5EF4-FFF2-40B4-BE49-F238E27FC236}">
-                <a16:creationId xmlns:a16="http://schemas.microsoft.com/office/drawing/2014/main" id="{BF2551C4-C114-4339-83D4-0FE7E0E41CC9}"/>
-              </a:ext>
-            </a:extLst>
-          </p:cNvPr>
-          <p:cNvSpPr txBox="1"/>
-          <p:nvPr/>
-        </p:nvSpPr>
-        <p:spPr>
-          <a:xfrm>
-            <a:off x="458385" y="1481737"/>
-            <a:ext cx="10438912" cy="791680"/>
-          </a:xfrm>
-          <a:prstGeom prst="rect">
-            <a:avLst/>
-          </a:prstGeom>
-          <a:noFill/>
-          <a:ln>
-            <a:noFill/>
-          </a:ln>
-        </p:spPr>
-        <p:txBody>
-          <a:bodyPr wrap="square" rtlCol="0">
-            <a:noAutofit/>
-          </a:bodyPr>
-          <a:lstStyle/>
-          <a:p>
-            <a:pPr marL="180000" indent="-180000">
-              <a:buFont typeface="Arial" panose="020B0604020202020204" pitchFamily="34" charset="0"/>
-              <a:buChar char="•"/>
-            </a:pPr>
-            <a:r>
-              <a:rPr lang="ko-KR" altLang="en-US" sz="1500" dirty="0">
-                <a:latin typeface="나눔바른고딕 UltraLight"/>
-                <a:ea typeface="나눔바른고딕 Light" panose="020B0603020101020101" pitchFamily="50" charset="-127"/>
-              </a:rPr>
-              <a:t>프로세스와 공유 메모리를 분리시키는 함수</a:t>
-            </a:r>
-            <a:r>
-              <a:rPr lang="en-US" altLang="ko-KR" sz="1400" dirty="0">
-                <a:latin typeface="나눔바른고딕 UltraLight"/>
-                <a:ea typeface="나눔바른고딕 Light" panose="020B0603020101020101" pitchFamily="50" charset="-127"/>
-              </a:rPr>
-              <a:t>.</a:t>
-            </a:r>
-          </a:p>
-          <a:p>
-            <a:pPr marL="180000" indent="-180000">
-              <a:buFont typeface="Arial" panose="020B0604020202020204" pitchFamily="34" charset="0"/>
-              <a:buChar char="•"/>
-            </a:pPr>
-            <a:r>
-              <a:rPr lang="ko-KR" altLang="en-US" sz="1500" dirty="0">
-                <a:latin typeface="나눔바른고딕 UltraLight"/>
-                <a:ea typeface="나눔바른고딕 Light" panose="020B0603020101020101" pitchFamily="50" charset="-127"/>
-              </a:rPr>
-              <a:t>분리할 공유 메모리 주소</a:t>
-            </a:r>
-            <a:endParaRPr lang="en-US" altLang="ko-KR" sz="1500" dirty="0">
-              <a:latin typeface="나눔바른고딕 UltraLight"/>
-              <a:ea typeface="나눔바른고딕 Light" panose="020B0603020101020101" pitchFamily="50" charset="-127"/>
-            </a:endParaRPr>
-          </a:p>
-          <a:p>
-            <a:pPr marL="180000" indent="-180000">
-              <a:buFont typeface="Arial" panose="020B0604020202020204" pitchFamily="34" charset="0"/>
-              <a:buChar char="•"/>
-            </a:pPr>
-            <a:r>
-              <a:rPr lang="ko-KR" altLang="en-US" sz="1500" dirty="0" err="1">
-                <a:latin typeface="나눔바른고딕 UltraLight"/>
-                <a:ea typeface="나눔바른고딕 Light" panose="020B0603020101020101" pitchFamily="50" charset="-127"/>
-              </a:rPr>
-              <a:t>성공시</a:t>
-            </a:r>
-            <a:r>
-              <a:rPr lang="ko-KR" altLang="en-US" sz="1500" dirty="0">
-                <a:latin typeface="나눔바른고딕 UltraLight"/>
-                <a:ea typeface="나눔바른고딕 Light" panose="020B0603020101020101" pitchFamily="50" charset="-127"/>
-              </a:rPr>
-              <a:t> </a:t>
-            </a:r>
-            <a:r>
-              <a:rPr lang="en-US" altLang="ko-KR" sz="1500" dirty="0">
-                <a:latin typeface="나눔바른고딕 UltraLight"/>
-                <a:ea typeface="나눔바른고딕 Light" panose="020B0603020101020101" pitchFamily="50" charset="-127"/>
-              </a:rPr>
-              <a:t>0</a:t>
-            </a:r>
-            <a:r>
-              <a:rPr lang="ko-KR" altLang="en-US" sz="1500" dirty="0">
-                <a:latin typeface="나눔바른고딕 UltraLight"/>
-                <a:ea typeface="나눔바른고딕 Light" panose="020B0603020101020101" pitchFamily="50" charset="-127"/>
-              </a:rPr>
-              <a:t>을</a:t>
-            </a:r>
-            <a:r>
-              <a:rPr lang="en-US" altLang="ko-KR" sz="1500" dirty="0">
-                <a:latin typeface="나눔바른고딕 UltraLight"/>
-                <a:ea typeface="나눔바른고딕 Light" panose="020B0603020101020101" pitchFamily="50" charset="-127"/>
-              </a:rPr>
-              <a:t>, </a:t>
-            </a:r>
-            <a:r>
-              <a:rPr lang="ko-KR" altLang="en-US" sz="1500" dirty="0" err="1">
-                <a:latin typeface="나눔바른고딕 UltraLight"/>
-                <a:ea typeface="나눔바른고딕 Light" panose="020B0603020101020101" pitchFamily="50" charset="-127"/>
-              </a:rPr>
-              <a:t>실패시</a:t>
-            </a:r>
-            <a:r>
-              <a:rPr lang="ko-KR" altLang="en-US" sz="1500" dirty="0">
-                <a:latin typeface="나눔바른고딕 UltraLight"/>
-                <a:ea typeface="나눔바른고딕 Light" panose="020B0603020101020101" pitchFamily="50" charset="-127"/>
-              </a:rPr>
-              <a:t> </a:t>
-            </a:r>
-            <a:r>
-              <a:rPr lang="en-US" altLang="ko-KR" sz="1500" dirty="0">
-                <a:latin typeface="나눔바른고딕 UltraLight"/>
-                <a:ea typeface="나눔바른고딕 Light" panose="020B0603020101020101" pitchFamily="50" charset="-127"/>
-              </a:rPr>
-              <a:t>-1</a:t>
-            </a:r>
-            <a:r>
-              <a:rPr lang="ko-KR" altLang="en-US" sz="1500" dirty="0">
-                <a:latin typeface="나눔바른고딕 UltraLight"/>
-                <a:ea typeface="나눔바른고딕 Light" panose="020B0603020101020101" pitchFamily="50" charset="-127"/>
-              </a:rPr>
-              <a:t>을 반환함</a:t>
-            </a:r>
-            <a:r>
-              <a:rPr lang="en-US" altLang="ko-KR" sz="1500" dirty="0">
-                <a:latin typeface="나눔바른고딕 UltraLight"/>
-                <a:ea typeface="나눔바른고딕 Light" panose="020B0603020101020101" pitchFamily="50" charset="-127"/>
-              </a:rPr>
-              <a:t>.</a:t>
-            </a:r>
-          </a:p>
-        </p:txBody>
-      </p:sp>
-      <p:sp>
-        <p:nvSpPr>
-          <p:cNvPr id="13" name="TextBox 12">
-            <a:extLst>
-              <a:ext uri="{FF2B5EF4-FFF2-40B4-BE49-F238E27FC236}">
-                <a16:creationId xmlns:a16="http://schemas.microsoft.com/office/drawing/2014/main" id="{07499790-8847-4126-AD70-800B78474E86}"/>
-              </a:ext>
-            </a:extLst>
-          </p:cNvPr>
-          <p:cNvSpPr txBox="1"/>
-          <p:nvPr/>
-        </p:nvSpPr>
-        <p:spPr>
-          <a:xfrm>
-            <a:off x="458385" y="3155631"/>
-            <a:ext cx="10438912" cy="1986820"/>
-          </a:xfrm>
-          <a:prstGeom prst="rect">
-            <a:avLst/>
-          </a:prstGeom>
-          <a:noFill/>
-          <a:ln>
-            <a:noFill/>
-          </a:ln>
-        </p:spPr>
-        <p:txBody>
-          <a:bodyPr wrap="square" rtlCol="0">
-            <a:noAutofit/>
-          </a:bodyPr>
-          <a:lstStyle/>
-          <a:p>
-            <a:pPr marL="180000" indent="-180000">
-              <a:buFont typeface="Arial" panose="020B0604020202020204" pitchFamily="34" charset="0"/>
-              <a:buChar char="•"/>
-            </a:pPr>
-            <a:r>
-              <a:rPr lang="ko-KR" altLang="en-US" sz="1500" dirty="0">
-                <a:latin typeface="나눔바른고딕 Light" panose="020B0603020101020101" pitchFamily="50" charset="-127"/>
-                <a:ea typeface="나눔바른고딕 Light" panose="020B0603020101020101" pitchFamily="50" charset="-127"/>
-              </a:rPr>
-              <a:t>공유 메모리에 대한 정보를 구하거나 변경</a:t>
-            </a:r>
-            <a:r>
-              <a:rPr lang="en-US" altLang="ko-KR" sz="1500" dirty="0">
-                <a:latin typeface="나눔바른고딕 Light" panose="020B0603020101020101" pitchFamily="50" charset="-127"/>
-                <a:ea typeface="나눔바른고딕 Light" panose="020B0603020101020101" pitchFamily="50" charset="-127"/>
-              </a:rPr>
-              <a:t>, </a:t>
-            </a:r>
-            <a:r>
-              <a:rPr lang="ko-KR" altLang="en-US" sz="1500" dirty="0">
-                <a:latin typeface="나눔바른고딕 Light" panose="020B0603020101020101" pitchFamily="50" charset="-127"/>
-                <a:ea typeface="나눔바른고딕 Light" panose="020B0603020101020101" pitchFamily="50" charset="-127"/>
-              </a:rPr>
-              <a:t>제거하는 함수</a:t>
-            </a:r>
-            <a:r>
-              <a:rPr lang="en-US" altLang="ko-KR" sz="1500" dirty="0">
-                <a:latin typeface="나눔바른고딕 Light" panose="020B0603020101020101" pitchFamily="50" charset="-127"/>
-                <a:ea typeface="나눔바른고딕 Light" panose="020B0603020101020101" pitchFamily="50" charset="-127"/>
-              </a:rPr>
-              <a:t>.</a:t>
-            </a:r>
-          </a:p>
-          <a:p>
-            <a:pPr marL="285750" indent="-285750">
-              <a:buFontTx/>
-              <a:buChar char="-"/>
-            </a:pPr>
-            <a:r>
-              <a:rPr lang="en-US" altLang="ko-KR" sz="1400" dirty="0" err="1"/>
-              <a:t>shmid</a:t>
-            </a:r>
-            <a:r>
-              <a:rPr lang="en-US" altLang="ko-KR" sz="1400" dirty="0"/>
-              <a:t> : </a:t>
-            </a:r>
-            <a:r>
-              <a:rPr lang="ko-KR" altLang="en-US" sz="1400" dirty="0"/>
-              <a:t>공유메모리 </a:t>
-            </a:r>
-            <a:r>
-              <a:rPr lang="en-US" altLang="ko-KR" sz="1400" dirty="0"/>
-              <a:t>ID. </a:t>
-            </a:r>
-          </a:p>
-          <a:p>
-            <a:pPr marL="285750" indent="-285750">
-              <a:buFontTx/>
-              <a:buChar char="-"/>
-            </a:pPr>
-            <a:r>
-              <a:rPr lang="en-US" altLang="ko-KR" sz="1400" dirty="0" err="1"/>
-              <a:t>cmd</a:t>
-            </a:r>
-            <a:r>
-              <a:rPr lang="en-US" altLang="ko-KR" sz="1400" dirty="0"/>
-              <a:t> : </a:t>
-            </a:r>
-            <a:r>
-              <a:rPr lang="ko-KR" altLang="en-US" sz="1400" dirty="0"/>
-              <a:t>제어 명령어</a:t>
-            </a:r>
-            <a:endParaRPr lang="en-US" altLang="ko-KR" sz="1400" dirty="0"/>
-          </a:p>
-          <a:p>
-            <a:pPr marL="800100" lvl="1" indent="-342900">
-              <a:buFont typeface="+mj-ea"/>
-              <a:buAutoNum type="circleNumDbPlain"/>
-            </a:pPr>
-            <a:r>
-              <a:rPr lang="en-US" altLang="ko-KR" sz="1400" dirty="0"/>
-              <a:t>IPC_RMID : </a:t>
-            </a:r>
-            <a:r>
-              <a:rPr lang="ko-KR" altLang="en-US" sz="1400" dirty="0"/>
-              <a:t>공유메모리 제거</a:t>
-            </a:r>
-            <a:endParaRPr lang="en-US" altLang="ko-KR" sz="1400" dirty="0"/>
-          </a:p>
-          <a:p>
-            <a:pPr marL="800100" lvl="1" indent="-342900">
-              <a:buFont typeface="+mj-ea"/>
-              <a:buAutoNum type="circleNumDbPlain"/>
-            </a:pPr>
-            <a:r>
-              <a:rPr lang="en-US" altLang="ko-KR" sz="1400" dirty="0"/>
-              <a:t>IPC_SET : </a:t>
-            </a:r>
-            <a:r>
-              <a:rPr lang="ko-KR" altLang="en-US" sz="1400" dirty="0"/>
-              <a:t>공유메모리에 대한 권한 변경</a:t>
-            </a:r>
-            <a:endParaRPr lang="en-US" altLang="ko-KR" sz="1400" dirty="0"/>
-          </a:p>
-          <a:p>
-            <a:pPr marL="800100" lvl="1" indent="-342900">
-              <a:buFont typeface="+mj-ea"/>
-              <a:buAutoNum type="circleNumDbPlain"/>
-            </a:pPr>
-            <a:r>
-              <a:rPr lang="en-US" altLang="ko-KR" sz="1400" dirty="0"/>
-              <a:t>IPC_STAT : </a:t>
-            </a:r>
-            <a:r>
-              <a:rPr lang="ko-KR" altLang="en-US" sz="1400" dirty="0"/>
-              <a:t>공유메모리 정보 획득</a:t>
-            </a:r>
-            <a:endParaRPr lang="en-US" altLang="ko-KR" sz="1400" dirty="0"/>
-          </a:p>
-          <a:p>
-            <a:pPr marL="800100" lvl="1" indent="-342900">
-              <a:buFont typeface="+mj-ea"/>
-              <a:buAutoNum type="circleNumDbPlain"/>
-            </a:pPr>
-            <a:r>
-              <a:rPr lang="en-US" altLang="ko-KR" sz="1400" dirty="0"/>
-              <a:t>SHM_LOCK : </a:t>
-            </a:r>
-            <a:r>
-              <a:rPr lang="ko-KR" altLang="en-US" sz="1400" dirty="0"/>
-              <a:t>공유메모리 세그먼트 잠금</a:t>
-            </a:r>
-            <a:endParaRPr lang="en-US" altLang="ko-KR" sz="1400" dirty="0"/>
-          </a:p>
-          <a:p>
-            <a:pPr marL="800100" lvl="1" indent="-342900">
-              <a:buFont typeface="+mj-ea"/>
-              <a:buAutoNum type="circleNumDbPlain"/>
-            </a:pPr>
-            <a:r>
-              <a:rPr lang="en-US" altLang="ko-KR" sz="1400" dirty="0"/>
-              <a:t>SHM_UNLOCK : </a:t>
-            </a:r>
-            <a:r>
-              <a:rPr lang="ko-KR" altLang="en-US" sz="1400" dirty="0"/>
-              <a:t>공유메모리 세그먼트 </a:t>
-            </a:r>
-            <a:r>
-              <a:rPr lang="ko-KR" altLang="en-US" sz="1400" dirty="0" err="1"/>
-              <a:t>잠금해제</a:t>
-            </a:r>
-            <a:endParaRPr lang="en-US" altLang="ko-KR" sz="1400" dirty="0"/>
-          </a:p>
-          <a:p>
-            <a:pPr marL="285750" indent="-285750">
-              <a:buFontTx/>
-              <a:buChar char="-"/>
-            </a:pPr>
-            <a:r>
-              <a:rPr lang="en-US" altLang="ko-KR" sz="1400" dirty="0" err="1">
-                <a:latin typeface="나눔바른고딕 UltraLight"/>
-                <a:ea typeface="함초롬돋움" panose="020B0604000101010101" pitchFamily="50" charset="-127"/>
-                <a:cs typeface="함초롬돋움" panose="020B0604000101010101" pitchFamily="50" charset="-127"/>
-              </a:rPr>
-              <a:t>shmid_ds</a:t>
-            </a:r>
-            <a:r>
-              <a:rPr lang="en-US" altLang="ko-KR" sz="1400" dirty="0">
-                <a:latin typeface="나눔바른고딕 UltraLight"/>
-                <a:ea typeface="함초롬돋움" panose="020B0604000101010101" pitchFamily="50" charset="-127"/>
-                <a:cs typeface="함초롬돋움" panose="020B0604000101010101" pitchFamily="50" charset="-127"/>
-              </a:rPr>
-              <a:t> *</a:t>
-            </a:r>
-            <a:r>
-              <a:rPr lang="en-US" altLang="ko-KR" sz="1400" dirty="0" err="1">
-                <a:latin typeface="나눔바른고딕 UltraLight"/>
-                <a:ea typeface="함초롬돋움" panose="020B0604000101010101" pitchFamily="50" charset="-127"/>
-                <a:cs typeface="함초롬돋움" panose="020B0604000101010101" pitchFamily="50" charset="-127"/>
-              </a:rPr>
-              <a:t>buf</a:t>
-            </a:r>
-            <a:r>
-              <a:rPr lang="en-US" altLang="ko-KR" sz="1400" dirty="0">
-                <a:latin typeface="나눔바른고딕 UltraLight"/>
-                <a:ea typeface="함초롬돋움" panose="020B0604000101010101" pitchFamily="50" charset="-127"/>
-                <a:cs typeface="함초롬돋움" panose="020B0604000101010101" pitchFamily="50" charset="-127"/>
-              </a:rPr>
-              <a:t> : </a:t>
-            </a:r>
-            <a:r>
-              <a:rPr lang="ko-KR" altLang="en-US" sz="1400" dirty="0">
-                <a:latin typeface="나눔바른고딕 UltraLight"/>
-                <a:ea typeface="함초롬돋움" panose="020B0604000101010101" pitchFamily="50" charset="-127"/>
-                <a:cs typeface="함초롬돋움" panose="020B0604000101010101" pitchFamily="50" charset="-127"/>
-              </a:rPr>
-              <a:t>공유 메모리 정보를 구하기 위한 버퍼 포인터</a:t>
-            </a:r>
-            <a:endParaRPr lang="en-US" altLang="ko-KR" sz="1400" dirty="0">
-              <a:latin typeface="나눔바른고딕 UltraLight"/>
-              <a:ea typeface="함초롬돋움" panose="020B0604000101010101" pitchFamily="50" charset="-127"/>
-              <a:cs typeface="함초롬돋움" panose="020B0604000101010101" pitchFamily="50" charset="-127"/>
-            </a:endParaRPr>
-          </a:p>
-        </p:txBody>
-      </p:sp>
-      <p:sp>
-        <p:nvSpPr>
           <p:cNvPr id="18" name="직사각형 17">
             <a:extLst>
               <a:ext uri="{FF2B5EF4-FFF2-40B4-BE49-F238E27FC236}">
@@ -7606,10 +7154,434 @@
           </a:p>
         </p:txBody>
       </p:sp>
+      <p:sp>
+        <p:nvSpPr>
+          <p:cNvPr id="11" name="TextBox 10">
+            <a:extLst>
+              <a:ext uri="{FF2B5EF4-FFF2-40B4-BE49-F238E27FC236}">
+                <a16:creationId xmlns:a16="http://schemas.microsoft.com/office/drawing/2014/main" id="{E9D847DB-5C08-4EA8-94D1-9EFA653C9A35}"/>
+              </a:ext>
+            </a:extLst>
+          </p:cNvPr>
+          <p:cNvSpPr txBox="1"/>
+          <p:nvPr/>
+        </p:nvSpPr>
+        <p:spPr>
+          <a:xfrm>
+            <a:off x="424828" y="842718"/>
+            <a:ext cx="10438913" cy="523220"/>
+          </a:xfrm>
+          <a:prstGeom prst="rect">
+            <a:avLst/>
+          </a:prstGeom>
+          <a:solidFill>
+            <a:schemeClr val="accent2"/>
+          </a:solidFill>
+          <a:ln>
+            <a:noFill/>
+          </a:ln>
+        </p:spPr>
+        <p:txBody>
+          <a:bodyPr wrap="square" rtlCol="0" anchor="ctr">
+            <a:noAutofit/>
+          </a:bodyPr>
+          <a:lstStyle/>
+          <a:p>
+            <a:r>
+              <a:rPr lang="en-US" altLang="ko-KR" sz="1600" dirty="0">
+                <a:solidFill>
+                  <a:srgbClr val="8497B0"/>
+                </a:solidFill>
+              </a:rPr>
+              <a:t>void</a:t>
+            </a:r>
+            <a:r>
+              <a:rPr lang="en-US" altLang="ko-KR" sz="1600" dirty="0"/>
+              <a:t>* </a:t>
+            </a:r>
+            <a:r>
+              <a:rPr lang="en-US" altLang="ko-KR" sz="1600" dirty="0" err="1"/>
+              <a:t>shmat</a:t>
+            </a:r>
+            <a:r>
+              <a:rPr lang="en-US" altLang="ko-KR" sz="1600" dirty="0"/>
+              <a:t>(</a:t>
+            </a:r>
+            <a:r>
+              <a:rPr lang="en-US" altLang="ko-KR" sz="1600" dirty="0">
+                <a:solidFill>
+                  <a:srgbClr val="8497B0"/>
+                </a:solidFill>
+              </a:rPr>
+              <a:t>int</a:t>
+            </a:r>
+            <a:r>
+              <a:rPr lang="en-US" altLang="ko-KR" sz="1600" dirty="0"/>
+              <a:t> </a:t>
+            </a:r>
+            <a:r>
+              <a:rPr lang="en-US" altLang="ko-KR" sz="1600" dirty="0" err="1"/>
+              <a:t>shmid</a:t>
+            </a:r>
+            <a:r>
+              <a:rPr lang="en-US" altLang="ko-KR" sz="1600" dirty="0"/>
+              <a:t>, </a:t>
+            </a:r>
+            <a:r>
+              <a:rPr lang="en-US" altLang="ko-KR" sz="1600" dirty="0">
+                <a:solidFill>
+                  <a:srgbClr val="8497B0"/>
+                </a:solidFill>
+              </a:rPr>
+              <a:t>const</a:t>
+            </a:r>
+            <a:r>
+              <a:rPr lang="en-US" altLang="ko-KR" sz="1600" dirty="0"/>
+              <a:t> void *</a:t>
+            </a:r>
+            <a:r>
+              <a:rPr lang="en-US" altLang="ko-KR" sz="1600" dirty="0" err="1"/>
+              <a:t>shmaddr</a:t>
+            </a:r>
+            <a:r>
+              <a:rPr lang="en-US" altLang="ko-KR" sz="1600" dirty="0"/>
+              <a:t>, </a:t>
+            </a:r>
+            <a:r>
+              <a:rPr lang="en-US" altLang="ko-KR" sz="1600" dirty="0">
+                <a:solidFill>
+                  <a:srgbClr val="8497B0"/>
+                </a:solidFill>
+              </a:rPr>
+              <a:t>int</a:t>
+            </a:r>
+            <a:r>
+              <a:rPr lang="en-US" altLang="ko-KR" sz="1600" dirty="0"/>
+              <a:t> </a:t>
+            </a:r>
+            <a:r>
+              <a:rPr lang="en-US" altLang="ko-KR" sz="1600" dirty="0" err="1"/>
+              <a:t>shmflg</a:t>
+            </a:r>
+            <a:r>
+              <a:rPr lang="en-US" altLang="ko-KR" sz="1600" dirty="0"/>
+              <a:t>)</a:t>
+            </a:r>
+            <a:endParaRPr lang="en-US" altLang="ko-KR" sz="1600" dirty="0">
+              <a:latin typeface="나눔바른고딕 UltraLight"/>
+              <a:ea typeface="함초롬돋움" panose="020B0604000101010101" pitchFamily="50" charset="-127"/>
+              <a:cs typeface="함초롬돋움" panose="020B0604000101010101" pitchFamily="50" charset="-127"/>
+            </a:endParaRPr>
+          </a:p>
+        </p:txBody>
+      </p:sp>
+      <p:sp>
+        <p:nvSpPr>
+          <p:cNvPr id="14" name="TextBox 13">
+            <a:extLst>
+              <a:ext uri="{FF2B5EF4-FFF2-40B4-BE49-F238E27FC236}">
+                <a16:creationId xmlns:a16="http://schemas.microsoft.com/office/drawing/2014/main" id="{CD26C424-CE64-4381-B165-E3C2EF38C6F0}"/>
+              </a:ext>
+            </a:extLst>
+          </p:cNvPr>
+          <p:cNvSpPr txBox="1"/>
+          <p:nvPr/>
+        </p:nvSpPr>
+        <p:spPr>
+          <a:xfrm>
+            <a:off x="424829" y="1461058"/>
+            <a:ext cx="10438912" cy="1381859"/>
+          </a:xfrm>
+          <a:prstGeom prst="rect">
+            <a:avLst/>
+          </a:prstGeom>
+          <a:noFill/>
+          <a:ln>
+            <a:noFill/>
+          </a:ln>
+        </p:spPr>
+        <p:txBody>
+          <a:bodyPr wrap="square" rtlCol="0">
+            <a:noAutofit/>
+          </a:bodyPr>
+          <a:lstStyle/>
+          <a:p>
+            <a:pPr marL="180000" indent="-180000">
+              <a:buFont typeface="Arial" panose="020B0604020202020204" pitchFamily="34" charset="0"/>
+              <a:buChar char="•"/>
+            </a:pPr>
+            <a:r>
+              <a:rPr lang="ko-KR" altLang="en-US" sz="1500" dirty="0">
+                <a:latin typeface="나눔바른고딕 Light" panose="020B0603020101020101" pitchFamily="50" charset="-127"/>
+                <a:ea typeface="나눔바른고딕 Light" panose="020B0603020101020101" pitchFamily="50" charset="-127"/>
+              </a:rPr>
+              <a:t>공유 메모리 </a:t>
+            </a:r>
+            <a:r>
+              <a:rPr lang="en-US" altLang="ko-KR" sz="1500" dirty="0">
+                <a:latin typeface="나눔바른고딕 Light" panose="020B0603020101020101" pitchFamily="50" charset="-127"/>
+                <a:ea typeface="나눔바른고딕 Light" panose="020B0603020101020101" pitchFamily="50" charset="-127"/>
+              </a:rPr>
+              <a:t>ID</a:t>
+            </a:r>
+            <a:r>
+              <a:rPr lang="ko-KR" altLang="en-US" sz="1500" dirty="0">
+                <a:latin typeface="나눔바른고딕 Light" panose="020B0603020101020101" pitchFamily="50" charset="-127"/>
+                <a:ea typeface="나눔바른고딕 Light" panose="020B0603020101020101" pitchFamily="50" charset="-127"/>
+              </a:rPr>
+              <a:t>를 프로세서에 붙여주는 함수</a:t>
+            </a:r>
+            <a:r>
+              <a:rPr lang="en-US" altLang="ko-KR" sz="1500" dirty="0">
+                <a:latin typeface="나눔바른고딕 Light" panose="020B0603020101020101" pitchFamily="50" charset="-127"/>
+                <a:ea typeface="나눔바른고딕 Light" panose="020B0603020101020101" pitchFamily="50" charset="-127"/>
+              </a:rPr>
+              <a:t>. </a:t>
+            </a:r>
+            <a:r>
+              <a:rPr lang="en-US" altLang="ko-KR" sz="1500" dirty="0" err="1">
+                <a:latin typeface="나눔바른고딕 Light" panose="020B0603020101020101" pitchFamily="50" charset="-127"/>
+                <a:ea typeface="나눔바른고딕 Light" panose="020B0603020101020101" pitchFamily="50" charset="-127"/>
+              </a:rPr>
+              <a:t>shmid</a:t>
+            </a:r>
+            <a:r>
+              <a:rPr lang="ko-KR" altLang="en-US" sz="1500" dirty="0">
+                <a:latin typeface="나눔바른고딕 Light" panose="020B0603020101020101" pitchFamily="50" charset="-127"/>
+                <a:ea typeface="나눔바른고딕 Light" panose="020B0603020101020101" pitchFamily="50" charset="-127"/>
+              </a:rPr>
+              <a:t>에 대한 주소를 반환함</a:t>
+            </a:r>
+            <a:r>
+              <a:rPr lang="en-US" altLang="ko-KR" sz="1500" dirty="0">
+                <a:latin typeface="나눔바른고딕 Light" panose="020B0603020101020101" pitchFamily="50" charset="-127"/>
+                <a:ea typeface="나눔바른고딕 Light" panose="020B0603020101020101" pitchFamily="50" charset="-127"/>
+              </a:rPr>
+              <a:t>. </a:t>
+            </a:r>
+            <a:r>
+              <a:rPr lang="ko-KR" altLang="en-US" sz="1500" dirty="0">
+                <a:latin typeface="나눔바른고딕 Light" panose="020B0603020101020101" pitchFamily="50" charset="-127"/>
+                <a:ea typeface="나눔바른고딕 Light" panose="020B0603020101020101" pitchFamily="50" charset="-127"/>
+              </a:rPr>
+              <a:t>실패 시 </a:t>
+            </a:r>
+            <a:r>
+              <a:rPr lang="en-US" altLang="ko-KR" sz="1500" dirty="0">
+                <a:latin typeface="나눔바른고딕 Light" panose="020B0603020101020101" pitchFamily="50" charset="-127"/>
+                <a:ea typeface="나눔바른고딕 Light" panose="020B0603020101020101" pitchFamily="50" charset="-127"/>
+              </a:rPr>
+              <a:t>-1</a:t>
+            </a:r>
+            <a:r>
+              <a:rPr lang="ko-KR" altLang="en-US" sz="1500" dirty="0">
+                <a:latin typeface="나눔바른고딕 Light" panose="020B0603020101020101" pitchFamily="50" charset="-127"/>
+                <a:ea typeface="나눔바른고딕 Light" panose="020B0603020101020101" pitchFamily="50" charset="-127"/>
+              </a:rPr>
+              <a:t>을 반환함</a:t>
+            </a:r>
+            <a:r>
+              <a:rPr lang="en-US" altLang="ko-KR" sz="1500" dirty="0">
+                <a:latin typeface="나눔바른고딕 Light" panose="020B0603020101020101" pitchFamily="50" charset="-127"/>
+                <a:ea typeface="나눔바른고딕 Light" panose="020B0603020101020101" pitchFamily="50" charset="-127"/>
+              </a:rPr>
+              <a:t>.</a:t>
+            </a:r>
+          </a:p>
+          <a:p>
+            <a:pPr marL="285750" indent="-285750">
+              <a:buFontTx/>
+              <a:buChar char="-"/>
+            </a:pPr>
+            <a:r>
+              <a:rPr lang="en-US" altLang="ko-KR" sz="1400" dirty="0" err="1"/>
+              <a:t>shmid</a:t>
+            </a:r>
+            <a:r>
+              <a:rPr lang="en-US" altLang="ko-KR" sz="1400" dirty="0"/>
+              <a:t> : </a:t>
+            </a:r>
+            <a:r>
+              <a:rPr lang="ko-KR" altLang="en-US" sz="1400" dirty="0"/>
+              <a:t>공유메모리 </a:t>
+            </a:r>
+            <a:r>
+              <a:rPr lang="en-US" altLang="ko-KR" sz="1400" dirty="0"/>
+              <a:t>ID. </a:t>
+            </a:r>
+          </a:p>
+          <a:p>
+            <a:pPr marL="285750" indent="-285750">
+              <a:buFontTx/>
+              <a:buChar char="-"/>
+            </a:pPr>
+            <a:r>
+              <a:rPr lang="en-US" altLang="ko-KR" sz="1400" dirty="0" err="1"/>
+              <a:t>shmaddr</a:t>
+            </a:r>
+            <a:r>
+              <a:rPr lang="en-US" altLang="ko-KR" sz="1400" dirty="0"/>
+              <a:t> : </a:t>
+            </a:r>
+            <a:r>
+              <a:rPr lang="ko-KR" altLang="en-US" sz="1400" dirty="0"/>
+              <a:t>공유메모리 주소</a:t>
+            </a:r>
+            <a:r>
+              <a:rPr lang="en-US" altLang="ko-KR" sz="1400" dirty="0"/>
+              <a:t>. </a:t>
+            </a:r>
+            <a:r>
+              <a:rPr lang="ko-KR" altLang="en-US" sz="1400" dirty="0"/>
+              <a:t>일반적으로 </a:t>
+            </a:r>
+            <a:r>
+              <a:rPr lang="en-US" altLang="ko-KR" sz="1400" dirty="0"/>
+              <a:t>NULL </a:t>
+            </a:r>
+            <a:r>
+              <a:rPr lang="ko-KR" altLang="en-US" sz="1400" dirty="0"/>
+              <a:t>지정</a:t>
+            </a:r>
+            <a:r>
+              <a:rPr lang="en-US" altLang="ko-KR" sz="1400" dirty="0"/>
+              <a:t>(NULL</a:t>
+            </a:r>
+            <a:r>
+              <a:rPr lang="ko-KR" altLang="en-US" sz="1400" dirty="0"/>
+              <a:t>을 지정하면 커널에 매핑 되지 않은 지역을 자동으로 찾음</a:t>
+            </a:r>
+            <a:r>
+              <a:rPr lang="en-US" altLang="ko-KR" sz="1400" dirty="0"/>
+              <a:t>.) </a:t>
+            </a:r>
+          </a:p>
+          <a:p>
+            <a:pPr marL="285750" indent="-285750">
+              <a:buFontTx/>
+              <a:buChar char="-"/>
+            </a:pPr>
+            <a:r>
+              <a:rPr lang="en-US" altLang="ko-KR" sz="1400" dirty="0" err="1"/>
+              <a:t>shmflg</a:t>
+            </a:r>
+            <a:r>
+              <a:rPr lang="en-US" altLang="ko-KR" sz="1400" dirty="0"/>
+              <a:t> : </a:t>
+            </a:r>
+            <a:r>
+              <a:rPr lang="ko-KR" altLang="en-US" sz="1400" dirty="0"/>
+              <a:t>동작 옵션</a:t>
+            </a:r>
+            <a:r>
+              <a:rPr lang="en-US" altLang="ko-KR" sz="1400" dirty="0"/>
+              <a:t>.</a:t>
+            </a:r>
+          </a:p>
+          <a:p>
+            <a:pPr marL="742950" lvl="1" indent="-285750">
+              <a:buFontTx/>
+              <a:buChar char="-"/>
+            </a:pPr>
+            <a:r>
+              <a:rPr lang="en-US" altLang="ko-KR" sz="1400" dirty="0"/>
+              <a:t>SHM_RDONLY : </a:t>
+            </a:r>
+            <a:r>
+              <a:rPr lang="ko-KR" altLang="en-US" sz="1400" dirty="0"/>
+              <a:t>공유메모리를 읽기 전용으로 설정</a:t>
+            </a:r>
+            <a:endParaRPr lang="en-US" altLang="ko-KR" sz="1400" dirty="0"/>
+          </a:p>
+          <a:p>
+            <a:pPr marL="742950" lvl="1" indent="-285750">
+              <a:buFontTx/>
+              <a:buChar char="-"/>
+            </a:pPr>
+            <a:r>
+              <a:rPr lang="en-US" altLang="ko-KR" sz="1400" dirty="0"/>
+              <a:t>SHM_RND : </a:t>
+            </a:r>
+            <a:r>
+              <a:rPr lang="en-US" altLang="ko-KR" sz="1400" dirty="0" err="1"/>
+              <a:t>shmaddr</a:t>
+            </a:r>
+            <a:r>
+              <a:rPr lang="ko-KR" altLang="en-US" sz="1400" dirty="0"/>
+              <a:t>이 </a:t>
+            </a:r>
+            <a:r>
+              <a:rPr lang="en-US" altLang="ko-KR" sz="1400" dirty="0"/>
+              <a:t>NULL</a:t>
+            </a:r>
+            <a:r>
+              <a:rPr lang="ko-KR" altLang="en-US" sz="1400" dirty="0"/>
+              <a:t>이 아닐 경우에만 사용</a:t>
+            </a:r>
+            <a:r>
+              <a:rPr lang="en-US" altLang="ko-KR" sz="1400" dirty="0"/>
+              <a:t>. </a:t>
+            </a:r>
+            <a:r>
+              <a:rPr lang="en-US" altLang="ko-KR" sz="1400" dirty="0" err="1"/>
+              <a:t>shmaddr</a:t>
+            </a:r>
+            <a:r>
+              <a:rPr lang="ko-KR" altLang="en-US" sz="1400" dirty="0"/>
+              <a:t>을 반올림하여 메모리 경계에 맞춤</a:t>
+            </a:r>
+            <a:r>
+              <a:rPr lang="en-US" altLang="ko-KR" sz="1400" dirty="0"/>
+              <a:t>.</a:t>
+            </a:r>
+            <a:endParaRPr lang="en-US" altLang="ko-KR" sz="1400" dirty="0">
+              <a:solidFill>
+                <a:schemeClr val="tx2">
+                  <a:lumMod val="60000"/>
+                  <a:lumOff val="40000"/>
+                </a:schemeClr>
+              </a:solidFill>
+              <a:latin typeface="나눔바른고딕 UltraLight"/>
+              <a:ea typeface="함초롬돋움" panose="020B0604000101010101" pitchFamily="50" charset="-127"/>
+              <a:cs typeface="함초롬돋움" panose="020B0604000101010101" pitchFamily="50" charset="-127"/>
+            </a:endParaRPr>
+          </a:p>
+        </p:txBody>
+      </p:sp>
+      <p:pic>
+        <p:nvPicPr>
+          <p:cNvPr id="6" name="그림 5">
+            <a:extLst>
+              <a:ext uri="{FF2B5EF4-FFF2-40B4-BE49-F238E27FC236}">
+                <a16:creationId xmlns:a16="http://schemas.microsoft.com/office/drawing/2014/main" id="{FE0DB81A-AD35-4227-BE77-F338B4A99FD2}"/>
+              </a:ext>
+            </a:extLst>
+          </p:cNvPr>
+          <p:cNvPicPr>
+            <a:picLocks noChangeAspect="1"/>
+          </p:cNvPicPr>
+          <p:nvPr/>
+        </p:nvPicPr>
+        <p:blipFill>
+          <a:blip r:embed="rId2"/>
+          <a:stretch>
+            <a:fillRect/>
+          </a:stretch>
+        </p:blipFill>
+        <p:spPr>
+          <a:xfrm>
+            <a:off x="2651466" y="3084674"/>
+            <a:ext cx="5019627" cy="3405573"/>
+          </a:xfrm>
+          <a:prstGeom prst="rect">
+            <a:avLst/>
+          </a:prstGeom>
+        </p:spPr>
+      </p:pic>
     </p:spTree>
     <p:extLst>
       <p:ext uri="{BB962C8B-B14F-4D97-AF65-F5344CB8AC3E}">
-        <p14:creationId xmlns:p14="http://schemas.microsoft.com/office/powerpoint/2010/main" val="2405729767"/>
+        <p14:creationId xmlns:p14="http://schemas.microsoft.com/office/powerpoint/2010/main" val="957170201"/>
       </p:ext>
     </p:extLst>
   </p:cSld>
@@ -7638,26 +7610,655 @@
       </p:grpSpPr>
       <p:sp>
         <p:nvSpPr>
-          <p:cNvPr id="3" name="직사각형 2">
-            <a:extLst>
-              <a:ext uri="{FF2B5EF4-FFF2-40B4-BE49-F238E27FC236}">
-                <a16:creationId xmlns:a16="http://schemas.microsoft.com/office/drawing/2014/main" id="{FAAEDEEC-096F-4524-8ED6-B901BA3C8FE2}"/>
-              </a:ext>
-            </a:extLst>
-          </p:cNvPr>
-          <p:cNvSpPr/>
+          <p:cNvPr id="2" name="TextBox 1">
+            <a:extLst>
+              <a:ext uri="{FF2B5EF4-FFF2-40B4-BE49-F238E27FC236}">
+                <a16:creationId xmlns:a16="http://schemas.microsoft.com/office/drawing/2014/main" id="{FF0D8049-8ED9-451A-A169-7537A7BBFA12}"/>
+              </a:ext>
+            </a:extLst>
+          </p:cNvPr>
+          <p:cNvSpPr txBox="1"/>
           <p:nvPr/>
         </p:nvSpPr>
         <p:spPr>
           <a:xfrm>
-            <a:off x="157147" y="461665"/>
-            <a:ext cx="11877706" cy="6299270"/>
+            <a:off x="242368" y="172926"/>
+            <a:ext cx="4918912" cy="461665"/>
           </a:xfrm>
           <a:prstGeom prst="rect">
             <a:avLst/>
           </a:prstGeom>
           <a:noFill/>
-          <a:ln w="57150">
+        </p:spPr>
+        <p:txBody>
+          <a:bodyPr wrap="square" rtlCol="0">
+            <a:spAutoFit/>
+          </a:bodyPr>
+          <a:lstStyle/>
+          <a:p>
+            <a:r>
+              <a:rPr lang="en-US" altLang="ko-KR" sz="2400" b="1" dirty="0">
+                <a:latin typeface="나눔바른고딕 Light" panose="020B0603020101020101" pitchFamily="50" charset="-127"/>
+                <a:ea typeface="나눔바른고딕 Light" panose="020B0603020101020101" pitchFamily="50" charset="-127"/>
+              </a:rPr>
+              <a:t>Shared Memory</a:t>
+            </a:r>
+          </a:p>
+        </p:txBody>
+      </p:sp>
+      <p:sp>
+        <p:nvSpPr>
+          <p:cNvPr id="7" name="TextBox 6">
+            <a:extLst>
+              <a:ext uri="{FF2B5EF4-FFF2-40B4-BE49-F238E27FC236}">
+                <a16:creationId xmlns:a16="http://schemas.microsoft.com/office/drawing/2014/main" id="{04BD9AD4-ED09-46C0-A7A5-E27F90A829F7}"/>
+              </a:ext>
+            </a:extLst>
+          </p:cNvPr>
+          <p:cNvSpPr txBox="1"/>
+          <p:nvPr/>
+        </p:nvSpPr>
+        <p:spPr>
+          <a:xfrm>
+            <a:off x="458383" y="860420"/>
+            <a:ext cx="10438914" cy="523220"/>
+          </a:xfrm>
+          <a:prstGeom prst="rect">
+            <a:avLst/>
+          </a:prstGeom>
+          <a:solidFill>
+            <a:schemeClr val="accent2">
+              <a:lumMod val="60000"/>
+              <a:lumOff val="40000"/>
+            </a:schemeClr>
+          </a:solidFill>
+          <a:ln>
+            <a:noFill/>
+          </a:ln>
+        </p:spPr>
+        <p:txBody>
+          <a:bodyPr wrap="square" rtlCol="0" anchor="ctr">
+            <a:noAutofit/>
+          </a:bodyPr>
+          <a:lstStyle/>
+          <a:p>
+            <a:r>
+              <a:rPr lang="en-US" altLang="ko-KR" sz="1600" dirty="0">
+                <a:solidFill>
+                  <a:srgbClr val="8497B0"/>
+                </a:solidFill>
+              </a:rPr>
+              <a:t>int</a:t>
+            </a:r>
+            <a:r>
+              <a:rPr lang="en-US" altLang="ko-KR" sz="1600" dirty="0"/>
+              <a:t> </a:t>
+            </a:r>
+            <a:r>
+              <a:rPr lang="en-US" altLang="ko-KR" sz="1600" dirty="0" err="1"/>
+              <a:t>shmdt</a:t>
+            </a:r>
+            <a:r>
+              <a:rPr lang="en-US" altLang="ko-KR" sz="1600" dirty="0"/>
+              <a:t>(</a:t>
+            </a:r>
+            <a:r>
+              <a:rPr lang="en-US" altLang="ko-KR" sz="1600" dirty="0">
+                <a:solidFill>
+                  <a:srgbClr val="8497B0"/>
+                </a:solidFill>
+              </a:rPr>
+              <a:t>const void </a:t>
+            </a:r>
+            <a:r>
+              <a:rPr lang="en-US" altLang="ko-KR" sz="1600" dirty="0"/>
+              <a:t>*</a:t>
+            </a:r>
+            <a:r>
+              <a:rPr lang="en-US" altLang="ko-KR" sz="1600" dirty="0" err="1"/>
+              <a:t>shmaddr</a:t>
+            </a:r>
+            <a:r>
+              <a:rPr lang="en-US" altLang="ko-KR" sz="1600" dirty="0"/>
+              <a:t>)</a:t>
+            </a:r>
+            <a:endParaRPr lang="en-US" altLang="ko-KR" sz="1600" dirty="0">
+              <a:latin typeface="나눔바른고딕 UltraLight"/>
+              <a:ea typeface="함초롬돋움" panose="020B0604000101010101" pitchFamily="50" charset="-127"/>
+              <a:cs typeface="함초롬돋움" panose="020B0604000101010101" pitchFamily="50" charset="-127"/>
+            </a:endParaRPr>
+          </a:p>
+        </p:txBody>
+      </p:sp>
+      <p:sp>
+        <p:nvSpPr>
+          <p:cNvPr id="8" name="TextBox 7">
+            <a:extLst>
+              <a:ext uri="{FF2B5EF4-FFF2-40B4-BE49-F238E27FC236}">
+                <a16:creationId xmlns:a16="http://schemas.microsoft.com/office/drawing/2014/main" id="{6FF2F083-E890-48D3-8123-DFCBB1A375F6}"/>
+              </a:ext>
+            </a:extLst>
+          </p:cNvPr>
+          <p:cNvSpPr txBox="1"/>
+          <p:nvPr/>
+        </p:nvSpPr>
+        <p:spPr>
+          <a:xfrm>
+            <a:off x="458384" y="2747016"/>
+            <a:ext cx="10438913" cy="523220"/>
+          </a:xfrm>
+          <a:prstGeom prst="rect">
+            <a:avLst/>
+          </a:prstGeom>
+          <a:solidFill>
+            <a:schemeClr val="accent2"/>
+          </a:solidFill>
+          <a:ln>
+            <a:noFill/>
+          </a:ln>
+        </p:spPr>
+        <p:txBody>
+          <a:bodyPr wrap="square" rtlCol="0" anchor="ctr">
+            <a:noAutofit/>
+          </a:bodyPr>
+          <a:lstStyle/>
+          <a:p>
+            <a:r>
+              <a:rPr lang="en-US" altLang="ko-KR" sz="1600" dirty="0">
+                <a:solidFill>
+                  <a:srgbClr val="8497B0"/>
+                </a:solidFill>
+              </a:rPr>
+              <a:t>int</a:t>
+            </a:r>
+            <a:r>
+              <a:rPr lang="en-US" altLang="ko-KR" sz="1600" dirty="0"/>
+              <a:t> </a:t>
+            </a:r>
+            <a:r>
+              <a:rPr lang="en-US" altLang="ko-KR" sz="1600" dirty="0" err="1"/>
+              <a:t>shmctl</a:t>
+            </a:r>
+            <a:r>
+              <a:rPr lang="en-US" altLang="ko-KR" sz="1600" dirty="0"/>
+              <a:t>(</a:t>
+            </a:r>
+            <a:r>
+              <a:rPr lang="en-US" altLang="ko-KR" sz="1600" dirty="0">
+                <a:solidFill>
+                  <a:srgbClr val="8497B0"/>
+                </a:solidFill>
+              </a:rPr>
+              <a:t>int </a:t>
+            </a:r>
+            <a:r>
+              <a:rPr lang="en-US" altLang="ko-KR" sz="1600" dirty="0" err="1"/>
+              <a:t>shmid</a:t>
+            </a:r>
+            <a:r>
+              <a:rPr lang="en-US" altLang="ko-KR" sz="1600" dirty="0"/>
+              <a:t>, </a:t>
+            </a:r>
+            <a:r>
+              <a:rPr lang="en-US" altLang="ko-KR" sz="1600" dirty="0">
+                <a:solidFill>
+                  <a:srgbClr val="8497B0"/>
+                </a:solidFill>
+              </a:rPr>
+              <a:t>int</a:t>
+            </a:r>
+            <a:r>
+              <a:rPr lang="en-US" altLang="ko-KR" sz="1600" dirty="0"/>
+              <a:t> </a:t>
+            </a:r>
+            <a:r>
+              <a:rPr lang="en-US" altLang="ko-KR" sz="1600" dirty="0" err="1"/>
+              <a:t>cmd</a:t>
+            </a:r>
+            <a:r>
+              <a:rPr lang="en-US" altLang="ko-KR" sz="1600" dirty="0"/>
+              <a:t>, </a:t>
+            </a:r>
+            <a:r>
+              <a:rPr lang="en-US" altLang="ko-KR" sz="1600" dirty="0">
+                <a:solidFill>
+                  <a:srgbClr val="8497B0"/>
+                </a:solidFill>
+              </a:rPr>
+              <a:t>struct</a:t>
+            </a:r>
+            <a:r>
+              <a:rPr lang="en-US" altLang="ko-KR" sz="1600" dirty="0"/>
+              <a:t> </a:t>
+            </a:r>
+            <a:r>
+              <a:rPr lang="en-US" altLang="ko-KR" sz="1600" dirty="0" err="1"/>
+              <a:t>shmid_ds</a:t>
+            </a:r>
+            <a:r>
+              <a:rPr lang="en-US" altLang="ko-KR" sz="1600" dirty="0"/>
+              <a:t> *</a:t>
+            </a:r>
+            <a:r>
+              <a:rPr lang="en-US" altLang="ko-KR" sz="1600" dirty="0" err="1"/>
+              <a:t>buf</a:t>
+            </a:r>
+            <a:r>
+              <a:rPr lang="en-US" altLang="ko-KR" sz="1600" dirty="0"/>
+              <a:t>)</a:t>
+            </a:r>
+            <a:endParaRPr lang="en-US" altLang="ko-KR" sz="1600" dirty="0">
+              <a:latin typeface="나눔바른고딕 UltraLight"/>
+              <a:ea typeface="함초롬돋움" panose="020B0604000101010101" pitchFamily="50" charset="-127"/>
+              <a:cs typeface="함초롬돋움" panose="020B0604000101010101" pitchFamily="50" charset="-127"/>
+            </a:endParaRPr>
+          </a:p>
+        </p:txBody>
+      </p:sp>
+      <p:sp>
+        <p:nvSpPr>
+          <p:cNvPr id="12" name="TextBox 11">
+            <a:extLst>
+              <a:ext uri="{FF2B5EF4-FFF2-40B4-BE49-F238E27FC236}">
+                <a16:creationId xmlns:a16="http://schemas.microsoft.com/office/drawing/2014/main" id="{BF2551C4-C114-4339-83D4-0FE7E0E41CC9}"/>
+              </a:ext>
+            </a:extLst>
+          </p:cNvPr>
+          <p:cNvSpPr txBox="1"/>
+          <p:nvPr/>
+        </p:nvSpPr>
+        <p:spPr>
+          <a:xfrm>
+            <a:off x="458385" y="1481737"/>
+            <a:ext cx="10438912" cy="791680"/>
+          </a:xfrm>
+          <a:prstGeom prst="rect">
+            <a:avLst/>
+          </a:prstGeom>
+          <a:noFill/>
+          <a:ln>
+            <a:noFill/>
+          </a:ln>
+        </p:spPr>
+        <p:txBody>
+          <a:bodyPr wrap="square" rtlCol="0">
+            <a:noAutofit/>
+          </a:bodyPr>
+          <a:lstStyle/>
+          <a:p>
+            <a:pPr marL="180000" indent="-180000">
+              <a:buFont typeface="Arial" panose="020B0604020202020204" pitchFamily="34" charset="0"/>
+              <a:buChar char="•"/>
+            </a:pPr>
+            <a:r>
+              <a:rPr lang="ko-KR" altLang="en-US" sz="1500" dirty="0">
+                <a:latin typeface="나눔바른고딕 UltraLight"/>
+                <a:ea typeface="나눔바른고딕 Light" panose="020B0603020101020101" pitchFamily="50" charset="-127"/>
+              </a:rPr>
+              <a:t>프로세스와 공유 메모리를 분리시키는 함수</a:t>
+            </a:r>
+            <a:r>
+              <a:rPr lang="en-US" altLang="ko-KR" sz="1400" dirty="0">
+                <a:latin typeface="나눔바른고딕 UltraLight"/>
+                <a:ea typeface="나눔바른고딕 Light" panose="020B0603020101020101" pitchFamily="50" charset="-127"/>
+              </a:rPr>
+              <a:t>.</a:t>
+            </a:r>
+          </a:p>
+          <a:p>
+            <a:pPr marL="180000" indent="-180000">
+              <a:buFont typeface="Arial" panose="020B0604020202020204" pitchFamily="34" charset="0"/>
+              <a:buChar char="•"/>
+            </a:pPr>
+            <a:r>
+              <a:rPr lang="ko-KR" altLang="en-US" sz="1500" dirty="0">
+                <a:latin typeface="나눔바른고딕 UltraLight"/>
+                <a:ea typeface="나눔바른고딕 Light" panose="020B0603020101020101" pitchFamily="50" charset="-127"/>
+              </a:rPr>
+              <a:t>분리할 공유 메모리 주소</a:t>
+            </a:r>
+            <a:endParaRPr lang="en-US" altLang="ko-KR" sz="1500" dirty="0">
+              <a:latin typeface="나눔바른고딕 UltraLight"/>
+              <a:ea typeface="나눔바른고딕 Light" panose="020B0603020101020101" pitchFamily="50" charset="-127"/>
+            </a:endParaRPr>
+          </a:p>
+          <a:p>
+            <a:pPr marL="180000" indent="-180000">
+              <a:buFont typeface="Arial" panose="020B0604020202020204" pitchFamily="34" charset="0"/>
+              <a:buChar char="•"/>
+            </a:pPr>
+            <a:r>
+              <a:rPr lang="ko-KR" altLang="en-US" sz="1500" dirty="0" err="1">
+                <a:latin typeface="나눔바른고딕 UltraLight"/>
+                <a:ea typeface="나눔바른고딕 Light" panose="020B0603020101020101" pitchFamily="50" charset="-127"/>
+              </a:rPr>
+              <a:t>성공시</a:t>
+            </a:r>
+            <a:r>
+              <a:rPr lang="ko-KR" altLang="en-US" sz="1500" dirty="0">
+                <a:latin typeface="나눔바른고딕 UltraLight"/>
+                <a:ea typeface="나눔바른고딕 Light" panose="020B0603020101020101" pitchFamily="50" charset="-127"/>
+              </a:rPr>
+              <a:t> </a:t>
+            </a:r>
+            <a:r>
+              <a:rPr lang="en-US" altLang="ko-KR" sz="1500" dirty="0">
+                <a:latin typeface="나눔바른고딕 UltraLight"/>
+                <a:ea typeface="나눔바른고딕 Light" panose="020B0603020101020101" pitchFamily="50" charset="-127"/>
+              </a:rPr>
+              <a:t>0</a:t>
+            </a:r>
+            <a:r>
+              <a:rPr lang="ko-KR" altLang="en-US" sz="1500" dirty="0">
+                <a:latin typeface="나눔바른고딕 UltraLight"/>
+                <a:ea typeface="나눔바른고딕 Light" panose="020B0603020101020101" pitchFamily="50" charset="-127"/>
+              </a:rPr>
+              <a:t>을</a:t>
+            </a:r>
+            <a:r>
+              <a:rPr lang="en-US" altLang="ko-KR" sz="1500" dirty="0">
+                <a:latin typeface="나눔바른고딕 UltraLight"/>
+                <a:ea typeface="나눔바른고딕 Light" panose="020B0603020101020101" pitchFamily="50" charset="-127"/>
+              </a:rPr>
+              <a:t>, </a:t>
+            </a:r>
+            <a:r>
+              <a:rPr lang="ko-KR" altLang="en-US" sz="1500" dirty="0" err="1">
+                <a:latin typeface="나눔바른고딕 UltraLight"/>
+                <a:ea typeface="나눔바른고딕 Light" panose="020B0603020101020101" pitchFamily="50" charset="-127"/>
+              </a:rPr>
+              <a:t>실패시</a:t>
+            </a:r>
+            <a:r>
+              <a:rPr lang="ko-KR" altLang="en-US" sz="1500" dirty="0">
+                <a:latin typeface="나눔바른고딕 UltraLight"/>
+                <a:ea typeface="나눔바른고딕 Light" panose="020B0603020101020101" pitchFamily="50" charset="-127"/>
+              </a:rPr>
+              <a:t> </a:t>
+            </a:r>
+            <a:r>
+              <a:rPr lang="en-US" altLang="ko-KR" sz="1500" dirty="0">
+                <a:latin typeface="나눔바른고딕 UltraLight"/>
+                <a:ea typeface="나눔바른고딕 Light" panose="020B0603020101020101" pitchFamily="50" charset="-127"/>
+              </a:rPr>
+              <a:t>-1</a:t>
+            </a:r>
+            <a:r>
+              <a:rPr lang="ko-KR" altLang="en-US" sz="1500" dirty="0">
+                <a:latin typeface="나눔바른고딕 UltraLight"/>
+                <a:ea typeface="나눔바른고딕 Light" panose="020B0603020101020101" pitchFamily="50" charset="-127"/>
+              </a:rPr>
+              <a:t>을 반환함</a:t>
+            </a:r>
+            <a:r>
+              <a:rPr lang="en-US" altLang="ko-KR" sz="1500" dirty="0">
+                <a:latin typeface="나눔바른고딕 UltraLight"/>
+                <a:ea typeface="나눔바른고딕 Light" panose="020B0603020101020101" pitchFamily="50" charset="-127"/>
+              </a:rPr>
+              <a:t>.</a:t>
+            </a:r>
+          </a:p>
+        </p:txBody>
+      </p:sp>
+      <p:sp>
+        <p:nvSpPr>
+          <p:cNvPr id="13" name="TextBox 12">
+            <a:extLst>
+              <a:ext uri="{FF2B5EF4-FFF2-40B4-BE49-F238E27FC236}">
+                <a16:creationId xmlns:a16="http://schemas.microsoft.com/office/drawing/2014/main" id="{07499790-8847-4126-AD70-800B78474E86}"/>
+              </a:ext>
+            </a:extLst>
+          </p:cNvPr>
+          <p:cNvSpPr txBox="1"/>
+          <p:nvPr/>
+        </p:nvSpPr>
+        <p:spPr>
+          <a:xfrm>
+            <a:off x="458385" y="3415690"/>
+            <a:ext cx="10438912" cy="1986820"/>
+          </a:xfrm>
+          <a:prstGeom prst="rect">
+            <a:avLst/>
+          </a:prstGeom>
+          <a:noFill/>
+          <a:ln>
+            <a:noFill/>
+          </a:ln>
+        </p:spPr>
+        <p:txBody>
+          <a:bodyPr wrap="square" rtlCol="0">
+            <a:noAutofit/>
+          </a:bodyPr>
+          <a:lstStyle/>
+          <a:p>
+            <a:pPr marL="180000" indent="-180000">
+              <a:buFont typeface="Arial" panose="020B0604020202020204" pitchFamily="34" charset="0"/>
+              <a:buChar char="•"/>
+            </a:pPr>
+            <a:r>
+              <a:rPr lang="ko-KR" altLang="en-US" sz="1500" dirty="0">
+                <a:latin typeface="나눔바른고딕 Light" panose="020B0603020101020101" pitchFamily="50" charset="-127"/>
+                <a:ea typeface="나눔바른고딕 Light" panose="020B0603020101020101" pitchFamily="50" charset="-127"/>
+              </a:rPr>
+              <a:t>공유 메모리에 대한 정보를 구하거나 변경</a:t>
+            </a:r>
+            <a:r>
+              <a:rPr lang="en-US" altLang="ko-KR" sz="1500" dirty="0">
+                <a:latin typeface="나눔바른고딕 Light" panose="020B0603020101020101" pitchFamily="50" charset="-127"/>
+                <a:ea typeface="나눔바른고딕 Light" panose="020B0603020101020101" pitchFamily="50" charset="-127"/>
+              </a:rPr>
+              <a:t>, </a:t>
+            </a:r>
+            <a:r>
+              <a:rPr lang="ko-KR" altLang="en-US" sz="1500" dirty="0">
+                <a:latin typeface="나눔바른고딕 Light" panose="020B0603020101020101" pitchFamily="50" charset="-127"/>
+                <a:ea typeface="나눔바른고딕 Light" panose="020B0603020101020101" pitchFamily="50" charset="-127"/>
+              </a:rPr>
+              <a:t>제거하는 함수</a:t>
+            </a:r>
+            <a:r>
+              <a:rPr lang="en-US" altLang="ko-KR" sz="1500" dirty="0">
+                <a:latin typeface="나눔바른고딕 Light" panose="020B0603020101020101" pitchFamily="50" charset="-127"/>
+                <a:ea typeface="나눔바른고딕 Light" panose="020B0603020101020101" pitchFamily="50" charset="-127"/>
+              </a:rPr>
+              <a:t>.</a:t>
+            </a:r>
+          </a:p>
+          <a:p>
+            <a:pPr marL="285750" indent="-285750">
+              <a:buFontTx/>
+              <a:buChar char="-"/>
+            </a:pPr>
+            <a:r>
+              <a:rPr lang="en-US" altLang="ko-KR" sz="1400" dirty="0" err="1"/>
+              <a:t>shmid</a:t>
+            </a:r>
+            <a:r>
+              <a:rPr lang="en-US" altLang="ko-KR" sz="1400" dirty="0"/>
+              <a:t> : </a:t>
+            </a:r>
+            <a:r>
+              <a:rPr lang="ko-KR" altLang="en-US" sz="1400" dirty="0"/>
+              <a:t>공유메모리 </a:t>
+            </a:r>
+            <a:r>
+              <a:rPr lang="en-US" altLang="ko-KR" sz="1400" dirty="0"/>
+              <a:t>ID. </a:t>
+            </a:r>
+          </a:p>
+          <a:p>
+            <a:pPr marL="285750" indent="-285750">
+              <a:buFontTx/>
+              <a:buChar char="-"/>
+            </a:pPr>
+            <a:r>
+              <a:rPr lang="en-US" altLang="ko-KR" sz="1400" dirty="0" err="1"/>
+              <a:t>cmd</a:t>
+            </a:r>
+            <a:r>
+              <a:rPr lang="en-US" altLang="ko-KR" sz="1400" dirty="0"/>
+              <a:t> : </a:t>
+            </a:r>
+            <a:r>
+              <a:rPr lang="ko-KR" altLang="en-US" sz="1400" dirty="0"/>
+              <a:t>제어 명령어</a:t>
+            </a:r>
+            <a:endParaRPr lang="en-US" altLang="ko-KR" sz="1400" dirty="0"/>
+          </a:p>
+          <a:p>
+            <a:pPr marL="800100" lvl="1" indent="-342900">
+              <a:buFont typeface="+mj-ea"/>
+              <a:buAutoNum type="circleNumDbPlain"/>
+            </a:pPr>
+            <a:r>
+              <a:rPr lang="en-US" altLang="ko-KR" sz="1400" dirty="0"/>
+              <a:t>IPC_RMID : </a:t>
+            </a:r>
+            <a:r>
+              <a:rPr lang="ko-KR" altLang="en-US" sz="1400" dirty="0"/>
+              <a:t>공유메모리 제거</a:t>
+            </a:r>
+            <a:endParaRPr lang="en-US" altLang="ko-KR" sz="1400" dirty="0"/>
+          </a:p>
+          <a:p>
+            <a:pPr marL="800100" lvl="1" indent="-342900">
+              <a:buFont typeface="+mj-ea"/>
+              <a:buAutoNum type="circleNumDbPlain"/>
+            </a:pPr>
+            <a:r>
+              <a:rPr lang="en-US" altLang="ko-KR" sz="1400" dirty="0"/>
+              <a:t>IPC_SET : </a:t>
+            </a:r>
+            <a:r>
+              <a:rPr lang="ko-KR" altLang="en-US" sz="1400" dirty="0"/>
+              <a:t>공유메모리에 대한 권한 변경</a:t>
+            </a:r>
+            <a:endParaRPr lang="en-US" altLang="ko-KR" sz="1400" dirty="0"/>
+          </a:p>
+          <a:p>
+            <a:pPr marL="800100" lvl="1" indent="-342900">
+              <a:buFont typeface="+mj-ea"/>
+              <a:buAutoNum type="circleNumDbPlain"/>
+            </a:pPr>
+            <a:r>
+              <a:rPr lang="en-US" altLang="ko-KR" sz="1400" dirty="0"/>
+              <a:t>IPC_STAT : </a:t>
+            </a:r>
+            <a:r>
+              <a:rPr lang="ko-KR" altLang="en-US" sz="1400" dirty="0"/>
+              <a:t>공유메모리 정보 획득</a:t>
+            </a:r>
+            <a:endParaRPr lang="en-US" altLang="ko-KR" sz="1400" dirty="0"/>
+          </a:p>
+          <a:p>
+            <a:pPr marL="800100" lvl="1" indent="-342900">
+              <a:buFont typeface="+mj-ea"/>
+              <a:buAutoNum type="circleNumDbPlain"/>
+            </a:pPr>
+            <a:r>
+              <a:rPr lang="en-US" altLang="ko-KR" sz="1400" dirty="0"/>
+              <a:t>SHM_LOCK : </a:t>
+            </a:r>
+            <a:r>
+              <a:rPr lang="ko-KR" altLang="en-US" sz="1400" dirty="0"/>
+              <a:t>공유메모리 세그먼트 잠금</a:t>
+            </a:r>
+            <a:endParaRPr lang="en-US" altLang="ko-KR" sz="1400" dirty="0"/>
+          </a:p>
+          <a:p>
+            <a:pPr marL="800100" lvl="1" indent="-342900">
+              <a:buFont typeface="+mj-ea"/>
+              <a:buAutoNum type="circleNumDbPlain"/>
+            </a:pPr>
+            <a:r>
+              <a:rPr lang="en-US" altLang="ko-KR" sz="1400" dirty="0"/>
+              <a:t>SHM_UNLOCK : </a:t>
+            </a:r>
+            <a:r>
+              <a:rPr lang="ko-KR" altLang="en-US" sz="1400" dirty="0"/>
+              <a:t>공유메모리 세그먼트 </a:t>
+            </a:r>
+            <a:r>
+              <a:rPr lang="ko-KR" altLang="en-US" sz="1400" dirty="0" err="1"/>
+              <a:t>잠금해제</a:t>
+            </a:r>
+            <a:endParaRPr lang="en-US" altLang="ko-KR" sz="1400" dirty="0"/>
+          </a:p>
+          <a:p>
+            <a:pPr marL="285750" indent="-285750">
+              <a:buFontTx/>
+              <a:buChar char="-"/>
+            </a:pPr>
+            <a:r>
+              <a:rPr lang="en-US" altLang="ko-KR" sz="1400" dirty="0" err="1">
+                <a:latin typeface="나눔바른고딕 UltraLight"/>
+                <a:ea typeface="함초롬돋움" panose="020B0604000101010101" pitchFamily="50" charset="-127"/>
+                <a:cs typeface="함초롬돋움" panose="020B0604000101010101" pitchFamily="50" charset="-127"/>
+              </a:rPr>
+              <a:t>shmid_ds</a:t>
+            </a:r>
+            <a:r>
+              <a:rPr lang="en-US" altLang="ko-KR" sz="1400" dirty="0">
+                <a:latin typeface="나눔바른고딕 UltraLight"/>
+                <a:ea typeface="함초롬돋움" panose="020B0604000101010101" pitchFamily="50" charset="-127"/>
+                <a:cs typeface="함초롬돋움" panose="020B0604000101010101" pitchFamily="50" charset="-127"/>
+              </a:rPr>
+              <a:t> *</a:t>
+            </a:r>
+            <a:r>
+              <a:rPr lang="en-US" altLang="ko-KR" sz="1400" dirty="0" err="1">
+                <a:latin typeface="나눔바른고딕 UltraLight"/>
+                <a:ea typeface="함초롬돋움" panose="020B0604000101010101" pitchFamily="50" charset="-127"/>
+                <a:cs typeface="함초롬돋움" panose="020B0604000101010101" pitchFamily="50" charset="-127"/>
+              </a:rPr>
+              <a:t>buf</a:t>
+            </a:r>
+            <a:r>
+              <a:rPr lang="en-US" altLang="ko-KR" sz="1400" dirty="0">
+                <a:latin typeface="나눔바른고딕 UltraLight"/>
+                <a:ea typeface="함초롬돋움" panose="020B0604000101010101" pitchFamily="50" charset="-127"/>
+                <a:cs typeface="함초롬돋움" panose="020B0604000101010101" pitchFamily="50" charset="-127"/>
+              </a:rPr>
+              <a:t> : </a:t>
+            </a:r>
+            <a:r>
+              <a:rPr lang="ko-KR" altLang="en-US" sz="1400" dirty="0">
+                <a:latin typeface="나눔바른고딕 UltraLight"/>
+                <a:ea typeface="함초롬돋움" panose="020B0604000101010101" pitchFamily="50" charset="-127"/>
+                <a:cs typeface="함초롬돋움" panose="020B0604000101010101" pitchFamily="50" charset="-127"/>
+              </a:rPr>
+              <a:t>공유 메모리 정보를 구하기 위한 버퍼 포인터</a:t>
+            </a:r>
+            <a:endParaRPr lang="en-US" altLang="ko-KR" sz="1400" dirty="0">
+              <a:latin typeface="나눔바른고딕 UltraLight"/>
+              <a:ea typeface="함초롬돋움" panose="020B0604000101010101" pitchFamily="50" charset="-127"/>
+              <a:cs typeface="함초롬돋움" panose="020B0604000101010101" pitchFamily="50" charset="-127"/>
+            </a:endParaRPr>
+          </a:p>
+        </p:txBody>
+      </p:sp>
+      <p:sp>
+        <p:nvSpPr>
+          <p:cNvPr id="18" name="직사각형 17">
+            <a:extLst>
+              <a:ext uri="{FF2B5EF4-FFF2-40B4-BE49-F238E27FC236}">
+                <a16:creationId xmlns:a16="http://schemas.microsoft.com/office/drawing/2014/main" id="{CFAB7A6F-AD38-4B46-A36A-BF0AFACEF25B}"/>
+              </a:ext>
+            </a:extLst>
+          </p:cNvPr>
+          <p:cNvSpPr/>
+          <p:nvPr/>
+        </p:nvSpPr>
+        <p:spPr>
+          <a:xfrm>
+            <a:off x="242368" y="671133"/>
+            <a:ext cx="10934920" cy="6060871"/>
+          </a:xfrm>
+          <a:prstGeom prst="rect">
+            <a:avLst/>
+          </a:prstGeom>
+          <a:noFill/>
+          <a:ln w="38100">
             <a:solidFill>
               <a:schemeClr val="accent2"/>
             </a:solidFill>
@@ -7691,652 +8292,10 @@
           </a:p>
         </p:txBody>
       </p:sp>
-      <p:sp>
-        <p:nvSpPr>
-          <p:cNvPr id="8" name="TextBox 7">
-            <a:extLst>
-              <a:ext uri="{FF2B5EF4-FFF2-40B4-BE49-F238E27FC236}">
-                <a16:creationId xmlns:a16="http://schemas.microsoft.com/office/drawing/2014/main" id="{D320CD2A-D89A-488A-8621-CD417D848957}"/>
-              </a:ext>
-            </a:extLst>
-          </p:cNvPr>
-          <p:cNvSpPr txBox="1"/>
-          <p:nvPr/>
-        </p:nvSpPr>
-        <p:spPr>
-          <a:xfrm>
-            <a:off x="157147" y="0"/>
-            <a:ext cx="4918912" cy="461665"/>
-          </a:xfrm>
-          <a:prstGeom prst="rect">
-            <a:avLst/>
-          </a:prstGeom>
-          <a:noFill/>
-        </p:spPr>
-        <p:txBody>
-          <a:bodyPr wrap="square" rtlCol="0">
-            <a:spAutoFit/>
-          </a:bodyPr>
-          <a:lstStyle/>
-          <a:p>
-            <a:r>
-              <a:rPr lang="en-US" altLang="ko-KR" sz="2400" b="1" dirty="0">
-                <a:latin typeface="나눔바른고딕 Light" panose="020B0603020101020101" pitchFamily="50" charset="-127"/>
-                <a:ea typeface="나눔바른고딕 Light" panose="020B0603020101020101" pitchFamily="50" charset="-127"/>
-              </a:rPr>
-              <a:t>shm1.c</a:t>
-            </a:r>
-          </a:p>
-        </p:txBody>
-      </p:sp>
-      <p:pic>
-        <p:nvPicPr>
-          <p:cNvPr id="10" name="그림 9">
-            <a:extLst>
-              <a:ext uri="{FF2B5EF4-FFF2-40B4-BE49-F238E27FC236}">
-                <a16:creationId xmlns:a16="http://schemas.microsoft.com/office/drawing/2014/main" id="{6B181253-62C6-4C29-B925-F99CAE73705B}"/>
-              </a:ext>
-            </a:extLst>
-          </p:cNvPr>
-          <p:cNvPicPr>
-            <a:picLocks noChangeAspect="1"/>
-          </p:cNvPicPr>
-          <p:nvPr/>
-        </p:nvPicPr>
-        <p:blipFill>
-          <a:blip r:embed="rId2"/>
-          <a:stretch>
-            <a:fillRect/>
-          </a:stretch>
-        </p:blipFill>
-        <p:spPr>
-          <a:xfrm>
-            <a:off x="256899" y="1141641"/>
-            <a:ext cx="5151566" cy="5547841"/>
-          </a:xfrm>
-          <a:prstGeom prst="rect">
-            <a:avLst/>
-          </a:prstGeom>
-        </p:spPr>
-      </p:pic>
-      <p:sp>
-        <p:nvSpPr>
-          <p:cNvPr id="11" name="TextBox 10">
-            <a:extLst>
-              <a:ext uri="{FF2B5EF4-FFF2-40B4-BE49-F238E27FC236}">
-                <a16:creationId xmlns:a16="http://schemas.microsoft.com/office/drawing/2014/main" id="{4228B339-0664-4EEA-ACF0-EBF71BCA866E}"/>
-              </a:ext>
-            </a:extLst>
-          </p:cNvPr>
-          <p:cNvSpPr txBox="1"/>
-          <p:nvPr/>
-        </p:nvSpPr>
-        <p:spPr>
-          <a:xfrm>
-            <a:off x="5607969" y="1141641"/>
-            <a:ext cx="6426884" cy="4832092"/>
-          </a:xfrm>
-          <a:prstGeom prst="rect">
-            <a:avLst/>
-          </a:prstGeom>
-          <a:noFill/>
-          <a:ln w="19050">
-            <a:solidFill>
-              <a:schemeClr val="tx1"/>
-            </a:solidFill>
-          </a:ln>
-        </p:spPr>
-        <p:txBody>
-          <a:bodyPr wrap="square" rtlCol="0">
-            <a:spAutoFit/>
-          </a:bodyPr>
-          <a:lstStyle/>
-          <a:p>
-            <a:pPr marL="285750" indent="-285750">
-              <a:buFont typeface="Wingdings" panose="05000000000000000000" pitchFamily="2" charset="2"/>
-              <a:buChar char="Ø"/>
-            </a:pPr>
-            <a:r>
-              <a:rPr lang="en-US" altLang="ko-KR" sz="1400" dirty="0" err="1"/>
-              <a:t>shmget</a:t>
-            </a:r>
-            <a:r>
-              <a:rPr lang="en-US" altLang="ko-KR" sz="1400" dirty="0"/>
-              <a:t>() </a:t>
-            </a:r>
-            <a:r>
-              <a:rPr lang="ko-KR" altLang="en-US" sz="1400" dirty="0"/>
-              <a:t>호출을 통해 새로운 공유 메모리를 생성</a:t>
-            </a:r>
-            <a:r>
-              <a:rPr lang="en-US" altLang="ko-KR" sz="1400" dirty="0"/>
-              <a:t>, </a:t>
-            </a:r>
-            <a:r>
-              <a:rPr lang="ko-KR" altLang="en-US" sz="1400" dirty="0"/>
-              <a:t>이때의 </a:t>
-            </a:r>
-            <a:r>
-              <a:rPr lang="en-US" altLang="ko-KR" sz="1400" dirty="0"/>
-              <a:t>key </a:t>
-            </a:r>
-            <a:r>
-              <a:rPr lang="ko-KR" altLang="en-US" sz="1400" dirty="0"/>
-              <a:t>값은 </a:t>
-            </a:r>
-            <a:r>
-              <a:rPr lang="en-US" altLang="ko-KR" sz="1400" dirty="0"/>
-              <a:t>1234</a:t>
-            </a:r>
-            <a:r>
-              <a:rPr lang="ko-KR" altLang="en-US" sz="1400" dirty="0"/>
-              <a:t>이다</a:t>
-            </a:r>
-            <a:r>
-              <a:rPr lang="en-US" altLang="ko-KR" sz="1400" dirty="0"/>
-              <a:t>.</a:t>
-            </a:r>
-          </a:p>
-          <a:p>
-            <a:pPr marL="285750" indent="-285750">
-              <a:buFont typeface="Wingdings" panose="05000000000000000000" pitchFamily="2" charset="2"/>
-              <a:buChar char="Ø"/>
-            </a:pPr>
-            <a:r>
-              <a:rPr lang="ko-KR" altLang="en-US" sz="1400" dirty="0"/>
-              <a:t>공유 메모리 생성 실패 시</a:t>
-            </a:r>
-            <a:r>
-              <a:rPr lang="en-US" altLang="ko-KR" sz="1400" dirty="0"/>
-              <a:t>,</a:t>
-            </a:r>
-            <a:r>
-              <a:rPr lang="ko-KR" altLang="en-US" sz="1400" dirty="0"/>
-              <a:t> 에러 메시지를 출력하고 실행을 종료함</a:t>
-            </a:r>
-            <a:r>
-              <a:rPr lang="en-US" altLang="ko-KR" sz="1400" dirty="0"/>
-              <a:t>.</a:t>
-            </a:r>
-          </a:p>
-          <a:p>
-            <a:pPr marL="285750" indent="-285750">
-              <a:buFont typeface="Wingdings" panose="05000000000000000000" pitchFamily="2" charset="2"/>
-              <a:buChar char="Ø"/>
-            </a:pPr>
-            <a:endParaRPr lang="en-US" altLang="ko-KR" sz="1400" dirty="0"/>
-          </a:p>
-          <a:p>
-            <a:pPr marL="285750" indent="-285750">
-              <a:buFont typeface="Wingdings" panose="05000000000000000000" pitchFamily="2" charset="2"/>
-              <a:buChar char="Ø"/>
-            </a:pPr>
-            <a:r>
-              <a:rPr lang="en-US" altLang="ko-KR" sz="1400" dirty="0" err="1"/>
-              <a:t>shmat</a:t>
-            </a:r>
-            <a:r>
-              <a:rPr lang="en-US" altLang="ko-KR" sz="1400" dirty="0"/>
-              <a:t>() </a:t>
-            </a:r>
-            <a:r>
-              <a:rPr lang="ko-KR" altLang="en-US" sz="1400" dirty="0"/>
-              <a:t>호출을 통해</a:t>
-            </a:r>
-            <a:r>
-              <a:rPr lang="en-US" altLang="ko-KR" sz="1400" dirty="0"/>
-              <a:t> </a:t>
-            </a:r>
-            <a:r>
-              <a:rPr lang="en-US" altLang="ko-KR" sz="1400" dirty="0" err="1"/>
-              <a:t>shared_memory</a:t>
-            </a:r>
-            <a:r>
-              <a:rPr lang="ko-KR" altLang="en-US" sz="1400" dirty="0"/>
-              <a:t> 포인터를 이용하여</a:t>
-            </a:r>
-            <a:r>
-              <a:rPr lang="en-US" altLang="ko-KR" sz="1400" dirty="0"/>
-              <a:t> </a:t>
-            </a:r>
-            <a:r>
-              <a:rPr lang="ko-KR" altLang="en-US" sz="1400" dirty="0"/>
-              <a:t>메모리를 프로세스에 붙인다</a:t>
-            </a:r>
-            <a:r>
-              <a:rPr lang="en-US" altLang="ko-KR" sz="1400" dirty="0"/>
-              <a:t>.</a:t>
-            </a:r>
-          </a:p>
-          <a:p>
-            <a:pPr marL="285750" indent="-285750">
-              <a:buFont typeface="Wingdings" panose="05000000000000000000" pitchFamily="2" charset="2"/>
-              <a:buChar char="Ø"/>
-            </a:pPr>
-            <a:endParaRPr lang="en-US" altLang="ko-KR" sz="1400" dirty="0"/>
-          </a:p>
-          <a:p>
-            <a:pPr marL="285750" indent="-285750">
-              <a:buFont typeface="Wingdings" panose="05000000000000000000" pitchFamily="2" charset="2"/>
-              <a:buChar char="Ø"/>
-            </a:pPr>
-            <a:r>
-              <a:rPr lang="en-US" altLang="ko-KR" sz="1400" dirty="0" err="1"/>
-              <a:t>shamt</a:t>
-            </a:r>
-            <a:r>
-              <a:rPr lang="en-US" altLang="ko-KR" sz="1400" dirty="0"/>
-              <a:t>() </a:t>
-            </a:r>
-            <a:r>
-              <a:rPr lang="ko-KR" altLang="en-US" sz="1400" dirty="0"/>
-              <a:t>함수 실패 시 에러 메시지를 출력하고</a:t>
-            </a:r>
-            <a:r>
-              <a:rPr lang="en-US" altLang="ko-KR" sz="1400" dirty="0"/>
-              <a:t>, </a:t>
-            </a:r>
-            <a:r>
-              <a:rPr lang="ko-KR" altLang="en-US" sz="1400" dirty="0"/>
-              <a:t>실행을 종료한다</a:t>
-            </a:r>
-            <a:r>
-              <a:rPr lang="en-US" altLang="ko-KR" sz="1400" dirty="0"/>
-              <a:t>.</a:t>
-            </a:r>
-          </a:p>
-          <a:p>
-            <a:pPr marL="285750" indent="-285750">
-              <a:buFont typeface="Wingdings" panose="05000000000000000000" pitchFamily="2" charset="2"/>
-              <a:buChar char="Ø"/>
-            </a:pPr>
-            <a:r>
-              <a:rPr lang="ko-KR" altLang="en-US" sz="1400" dirty="0"/>
-              <a:t>성공 시 성공 메시지를 출력하고</a:t>
-            </a:r>
-            <a:r>
-              <a:rPr lang="en-US" altLang="ko-KR" sz="1400" dirty="0"/>
-              <a:t>, </a:t>
-            </a:r>
-            <a:r>
-              <a:rPr lang="en-US" altLang="ko-KR" sz="1400" dirty="0" err="1"/>
-              <a:t>shared_stuff</a:t>
-            </a:r>
-            <a:r>
-              <a:rPr lang="ko-KR" altLang="en-US" sz="1400" dirty="0"/>
-              <a:t>에 그 메모리를 할당해줘서 사용이 가능하도록 해준다</a:t>
-            </a:r>
-            <a:r>
-              <a:rPr lang="en-US" altLang="ko-KR" sz="1400" dirty="0"/>
-              <a:t>.</a:t>
-            </a:r>
-          </a:p>
-          <a:p>
-            <a:pPr marL="285750" indent="-285750">
-              <a:buFont typeface="Wingdings" panose="05000000000000000000" pitchFamily="2" charset="2"/>
-              <a:buChar char="Ø"/>
-            </a:pPr>
-            <a:endParaRPr lang="en-US" altLang="ko-KR" sz="1400" dirty="0"/>
-          </a:p>
-          <a:p>
-            <a:pPr marL="285750" indent="-285750">
-              <a:buFont typeface="Wingdings" panose="05000000000000000000" pitchFamily="2" charset="2"/>
-              <a:buChar char="Ø"/>
-            </a:pPr>
-            <a:r>
-              <a:rPr lang="en-US" altLang="ko-KR" sz="1400" dirty="0"/>
-              <a:t>running</a:t>
-            </a:r>
-            <a:r>
-              <a:rPr lang="ko-KR" altLang="en-US" sz="1400" dirty="0"/>
-              <a:t>이 </a:t>
-            </a:r>
-            <a:r>
-              <a:rPr lang="en-US" altLang="ko-KR" sz="1400" dirty="0"/>
-              <a:t>1</a:t>
-            </a:r>
-            <a:r>
-              <a:rPr lang="ko-KR" altLang="en-US" sz="1400" dirty="0"/>
-              <a:t>인 경우</a:t>
-            </a:r>
-            <a:r>
-              <a:rPr lang="en-US" altLang="ko-KR" sz="1400" dirty="0"/>
-              <a:t>, </a:t>
-            </a:r>
-            <a:r>
-              <a:rPr lang="en-US" altLang="ko-KR" sz="1400" dirty="0" err="1"/>
-              <a:t>written_by_you</a:t>
-            </a:r>
-            <a:r>
-              <a:rPr lang="ko-KR" altLang="en-US" sz="1400" dirty="0"/>
-              <a:t>를 통해 생산자가 생산했는지를</a:t>
-            </a:r>
-            <a:r>
-              <a:rPr lang="en-US" altLang="ko-KR" sz="1400" dirty="0"/>
-              <a:t> </a:t>
-            </a:r>
-            <a:r>
-              <a:rPr lang="ko-KR" altLang="en-US" sz="1400" dirty="0"/>
-              <a:t>확인한 뒤</a:t>
-            </a:r>
-            <a:r>
-              <a:rPr lang="en-US" altLang="ko-KR" sz="1400" dirty="0"/>
-              <a:t>, </a:t>
-            </a:r>
-            <a:r>
-              <a:rPr lang="en-US" altLang="ko-KR" sz="1400" dirty="0" err="1"/>
-              <a:t>written_by_you</a:t>
-            </a:r>
-            <a:r>
-              <a:rPr lang="ko-KR" altLang="en-US" sz="1400" dirty="0"/>
-              <a:t>가 </a:t>
-            </a:r>
-            <a:r>
-              <a:rPr lang="en-US" altLang="ko-KR" sz="1400" dirty="0"/>
-              <a:t>1</a:t>
-            </a:r>
-            <a:r>
-              <a:rPr lang="ko-KR" altLang="en-US" sz="1400" dirty="0"/>
-              <a:t>인 경우 생산되어진 자료</a:t>
-            </a:r>
-            <a:r>
-              <a:rPr lang="en-US" altLang="ko-KR" sz="1400" dirty="0"/>
-              <a:t>(</a:t>
-            </a:r>
-            <a:r>
-              <a:rPr lang="en-US" altLang="ko-KR" sz="1400" dirty="0" err="1"/>
-              <a:t>some_text</a:t>
-            </a:r>
-            <a:r>
-              <a:rPr lang="en-US" altLang="ko-KR" sz="1400" dirty="0"/>
-              <a:t>)</a:t>
-            </a:r>
-            <a:r>
-              <a:rPr lang="ko-KR" altLang="en-US" sz="1400" dirty="0"/>
-              <a:t>를 출력하고</a:t>
-            </a:r>
-            <a:r>
-              <a:rPr lang="en-US" altLang="ko-KR" sz="1400" dirty="0"/>
-              <a:t>, </a:t>
-            </a:r>
-            <a:r>
-              <a:rPr lang="en-US" altLang="ko-KR" sz="1400" dirty="0" err="1"/>
-              <a:t>written_by_you</a:t>
-            </a:r>
-            <a:r>
-              <a:rPr lang="en-US" altLang="ko-KR" sz="1400" dirty="0"/>
-              <a:t> </a:t>
-            </a:r>
-            <a:r>
-              <a:rPr lang="ko-KR" altLang="en-US" sz="1400" dirty="0"/>
-              <a:t>를 </a:t>
-            </a:r>
-            <a:r>
-              <a:rPr lang="en-US" altLang="ko-KR" sz="1400" dirty="0"/>
-              <a:t>0</a:t>
-            </a:r>
-            <a:r>
-              <a:rPr lang="ko-KR" altLang="en-US" sz="1400" dirty="0"/>
-              <a:t>으로 만들어준다</a:t>
-            </a:r>
-            <a:r>
-              <a:rPr lang="en-US" altLang="ko-KR" sz="1400" dirty="0"/>
-              <a:t>.</a:t>
-            </a:r>
-          </a:p>
-          <a:p>
-            <a:pPr marL="285750" indent="-285750">
-              <a:buFont typeface="Wingdings" panose="05000000000000000000" pitchFamily="2" charset="2"/>
-              <a:buChar char="Ø"/>
-            </a:pPr>
-            <a:endParaRPr lang="en-US" altLang="ko-KR" sz="1400" dirty="0"/>
-          </a:p>
-          <a:p>
-            <a:pPr marL="285750" indent="-285750">
-              <a:buFont typeface="Wingdings" panose="05000000000000000000" pitchFamily="2" charset="2"/>
-              <a:buChar char="Ø"/>
-            </a:pPr>
-            <a:r>
-              <a:rPr lang="ko-KR" altLang="en-US" sz="1400" dirty="0"/>
-              <a:t>생산되어진 자료</a:t>
-            </a:r>
-            <a:r>
-              <a:rPr lang="en-US" altLang="ko-KR" sz="1400" dirty="0"/>
-              <a:t>(</a:t>
-            </a:r>
-            <a:r>
-              <a:rPr lang="en-US" altLang="ko-KR" sz="1400" dirty="0" err="1"/>
-              <a:t>some_text</a:t>
-            </a:r>
-            <a:r>
-              <a:rPr lang="en-US" altLang="ko-KR" sz="1400" dirty="0"/>
-              <a:t>)</a:t>
-            </a:r>
-            <a:r>
-              <a:rPr lang="ko-KR" altLang="en-US" sz="1400" dirty="0"/>
-              <a:t>가 </a:t>
-            </a:r>
-            <a:r>
-              <a:rPr lang="en-US" altLang="ko-KR" sz="1400" dirty="0"/>
-              <a:t>end</a:t>
-            </a:r>
-            <a:r>
-              <a:rPr lang="ko-KR" altLang="en-US" sz="1400" dirty="0"/>
-              <a:t>인 경우</a:t>
-            </a:r>
-            <a:r>
-              <a:rPr lang="en-US" altLang="ko-KR" sz="1400" dirty="0"/>
-              <a:t>, </a:t>
-            </a:r>
-            <a:r>
-              <a:rPr lang="en-US" altLang="ko-KR" sz="1400" dirty="0" err="1"/>
-              <a:t>runnin</a:t>
-            </a:r>
-            <a:r>
-              <a:rPr lang="ko-KR" altLang="en-US" sz="1400" dirty="0"/>
-              <a:t>을 </a:t>
-            </a:r>
-            <a:r>
-              <a:rPr lang="en-US" altLang="ko-KR" sz="1400" dirty="0"/>
-              <a:t>0</a:t>
-            </a:r>
-            <a:r>
-              <a:rPr lang="ko-KR" altLang="en-US" sz="1400" dirty="0"/>
-              <a:t>으로 만들어 프로그램</a:t>
-            </a:r>
-            <a:endParaRPr lang="en-US" altLang="ko-KR" sz="1400" dirty="0"/>
-          </a:p>
-          <a:p>
-            <a:pPr marL="285750" indent="-285750">
-              <a:buFont typeface="Wingdings" panose="05000000000000000000" pitchFamily="2" charset="2"/>
-              <a:buChar char="Ø"/>
-            </a:pPr>
-            <a:r>
-              <a:rPr lang="ko-KR" altLang="en-US" sz="1400" dirty="0"/>
-              <a:t>을 </a:t>
-            </a:r>
-            <a:r>
-              <a:rPr lang="ko-KR" altLang="en-US" sz="1400" dirty="0" err="1"/>
-              <a:t>종료시킨다</a:t>
-            </a:r>
-            <a:r>
-              <a:rPr lang="en-US" altLang="ko-KR" sz="1400" dirty="0"/>
-              <a:t>.</a:t>
-            </a:r>
-          </a:p>
-          <a:p>
-            <a:pPr marL="285750" indent="-285750">
-              <a:buFont typeface="Wingdings" panose="05000000000000000000" pitchFamily="2" charset="2"/>
-              <a:buChar char="Ø"/>
-            </a:pPr>
-            <a:endParaRPr lang="en-US" altLang="ko-KR" sz="1400" dirty="0"/>
-          </a:p>
-          <a:p>
-            <a:pPr marL="285750" indent="-285750">
-              <a:buFont typeface="Wingdings" panose="05000000000000000000" pitchFamily="2" charset="2"/>
-              <a:buChar char="Ø"/>
-            </a:pPr>
-            <a:r>
-              <a:rPr lang="en-US" altLang="ko-KR" sz="1400" dirty="0" err="1"/>
-              <a:t>shmdt</a:t>
-            </a:r>
-            <a:r>
-              <a:rPr lang="en-US" altLang="ko-KR" sz="1400" dirty="0"/>
-              <a:t>() </a:t>
-            </a:r>
-            <a:r>
-              <a:rPr lang="ko-KR" altLang="en-US" sz="1400" dirty="0"/>
-              <a:t>호출을 통해 메모리를 프로세스와 분리시킨다</a:t>
-            </a:r>
-            <a:r>
-              <a:rPr lang="en-US" altLang="ko-KR" sz="1400" dirty="0"/>
-              <a:t>.</a:t>
-            </a:r>
-          </a:p>
-          <a:p>
-            <a:pPr marL="285750" indent="-285750">
-              <a:buFont typeface="Wingdings" panose="05000000000000000000" pitchFamily="2" charset="2"/>
-              <a:buChar char="Ø"/>
-            </a:pPr>
-            <a:endParaRPr lang="en-US" altLang="ko-KR" sz="1400" dirty="0"/>
-          </a:p>
-          <a:p>
-            <a:pPr marL="285750" indent="-285750">
-              <a:buFont typeface="Wingdings" panose="05000000000000000000" pitchFamily="2" charset="2"/>
-              <a:buChar char="Ø"/>
-            </a:pPr>
-            <a:r>
-              <a:rPr lang="en-US" altLang="ko-KR" sz="1400" dirty="0" err="1"/>
-              <a:t>shmctl</a:t>
-            </a:r>
-            <a:r>
-              <a:rPr lang="en-US" altLang="ko-KR" sz="1400" dirty="0"/>
-              <a:t>() </a:t>
-            </a:r>
-            <a:r>
-              <a:rPr lang="ko-KR" altLang="en-US" sz="1400" dirty="0"/>
-              <a:t>호출을 통해 메모리를 반납한다</a:t>
-            </a:r>
-            <a:r>
-              <a:rPr lang="en-US" altLang="ko-KR" sz="1400" dirty="0"/>
-              <a:t>.</a:t>
-            </a:r>
-          </a:p>
-        </p:txBody>
-      </p:sp>
-      <p:pic>
-        <p:nvPicPr>
-          <p:cNvPr id="15" name="그림 14">
-            <a:extLst>
-              <a:ext uri="{FF2B5EF4-FFF2-40B4-BE49-F238E27FC236}">
-                <a16:creationId xmlns:a16="http://schemas.microsoft.com/office/drawing/2014/main" id="{55899426-B2C3-49E8-8582-DCD06E58D0F1}"/>
-              </a:ext>
-            </a:extLst>
-          </p:cNvPr>
-          <p:cNvPicPr>
-            <a:picLocks noChangeAspect="1"/>
-          </p:cNvPicPr>
-          <p:nvPr/>
-        </p:nvPicPr>
-        <p:blipFill>
-          <a:blip r:embed="rId3"/>
-          <a:stretch>
-            <a:fillRect/>
-          </a:stretch>
-        </p:blipFill>
-        <p:spPr>
-          <a:xfrm>
-            <a:off x="256899" y="527309"/>
-            <a:ext cx="1966130" cy="548688"/>
-          </a:xfrm>
-          <a:prstGeom prst="rect">
-            <a:avLst/>
-          </a:prstGeom>
-        </p:spPr>
-      </p:pic>
-      <p:sp>
-        <p:nvSpPr>
-          <p:cNvPr id="16" name="TextBox 15">
-            <a:extLst>
-              <a:ext uri="{FF2B5EF4-FFF2-40B4-BE49-F238E27FC236}">
-                <a16:creationId xmlns:a16="http://schemas.microsoft.com/office/drawing/2014/main" id="{5A7E4D2A-CC3D-4C95-9BA9-7ED625FB0924}"/>
-              </a:ext>
-            </a:extLst>
-          </p:cNvPr>
-          <p:cNvSpPr txBox="1"/>
-          <p:nvPr/>
-        </p:nvSpPr>
-        <p:spPr>
-          <a:xfrm>
-            <a:off x="2322780" y="527308"/>
-            <a:ext cx="9396640" cy="523220"/>
-          </a:xfrm>
-          <a:prstGeom prst="rect">
-            <a:avLst/>
-          </a:prstGeom>
-          <a:noFill/>
-          <a:ln w="28575">
-            <a:solidFill>
-              <a:srgbClr val="FF0000"/>
-            </a:solidFill>
-          </a:ln>
-        </p:spPr>
-        <p:txBody>
-          <a:bodyPr wrap="square" rtlCol="0">
-            <a:spAutoFit/>
-          </a:bodyPr>
-          <a:lstStyle/>
-          <a:p>
-            <a:r>
-              <a:rPr lang="ko-KR" altLang="en-US" sz="1400" dirty="0"/>
-              <a:t>공유 메모리에 들어갈 데이터 구조체</a:t>
-            </a:r>
-            <a:r>
-              <a:rPr lang="en-US" altLang="ko-KR" sz="1400" dirty="0"/>
-              <a:t>. shm2.c </a:t>
-            </a:r>
-            <a:r>
-              <a:rPr lang="ko-KR" altLang="en-US" sz="1400" dirty="0"/>
-              <a:t>에도 동일하게 존재함</a:t>
-            </a:r>
-            <a:r>
-              <a:rPr lang="en-US" altLang="ko-KR" sz="1400"/>
-              <a:t>.</a:t>
-            </a:r>
-            <a:endParaRPr lang="en-US" altLang="ko-KR" sz="1400" dirty="0"/>
-          </a:p>
-          <a:p>
-            <a:r>
-              <a:rPr lang="en-US" altLang="ko-KR" sz="1400" dirty="0" err="1"/>
-              <a:t>written_by_you</a:t>
-            </a:r>
-            <a:r>
-              <a:rPr lang="ko-KR" altLang="en-US" sz="1400" dirty="0"/>
-              <a:t>는 두 프로그램이 교차하며 데이터를 주고 받기 위한 변수이고</a:t>
-            </a:r>
-            <a:r>
-              <a:rPr lang="en-US" altLang="ko-KR" sz="1400" dirty="0"/>
-              <a:t>, </a:t>
-            </a:r>
-            <a:r>
-              <a:rPr lang="en-US" altLang="ko-KR" sz="1400" dirty="0" err="1"/>
-              <a:t>some_text</a:t>
-            </a:r>
-            <a:r>
-              <a:rPr lang="ko-KR" altLang="en-US" sz="1400" dirty="0"/>
-              <a:t>는 입력 받을 데이터이다</a:t>
-            </a:r>
-            <a:r>
-              <a:rPr lang="en-US" altLang="ko-KR" sz="1400" dirty="0"/>
-              <a:t>.</a:t>
-            </a:r>
-          </a:p>
-        </p:txBody>
-      </p:sp>
     </p:spTree>
     <p:extLst>
       <p:ext uri="{BB962C8B-B14F-4D97-AF65-F5344CB8AC3E}">
-        <p14:creationId xmlns:p14="http://schemas.microsoft.com/office/powerpoint/2010/main" val="1274519395"/>
+        <p14:creationId xmlns:p14="http://schemas.microsoft.com/office/powerpoint/2010/main" val="2405729767"/>
       </p:ext>
     </p:extLst>
   </p:cSld>
@@ -8451,400 +8410,17 @@
                 <a:latin typeface="나눔바른고딕 Light" panose="020B0603020101020101" pitchFamily="50" charset="-127"/>
                 <a:ea typeface="나눔바른고딕 Light" panose="020B0603020101020101" pitchFamily="50" charset="-127"/>
               </a:rPr>
-              <a:t>shm2.c</a:t>
-            </a:r>
-          </a:p>
-        </p:txBody>
-      </p:sp>
-      <p:sp>
-        <p:nvSpPr>
-          <p:cNvPr id="11" name="TextBox 10">
-            <a:extLst>
-              <a:ext uri="{FF2B5EF4-FFF2-40B4-BE49-F238E27FC236}">
-                <a16:creationId xmlns:a16="http://schemas.microsoft.com/office/drawing/2014/main" id="{C838316D-1103-416B-BFCF-11D9DC7BC70C}"/>
-              </a:ext>
-            </a:extLst>
-          </p:cNvPr>
-          <p:cNvSpPr txBox="1"/>
-          <p:nvPr/>
-        </p:nvSpPr>
-        <p:spPr>
-          <a:xfrm>
-            <a:off x="5553203" y="923330"/>
-            <a:ext cx="6426884" cy="3754874"/>
-          </a:xfrm>
-          <a:prstGeom prst="rect">
-            <a:avLst/>
-          </a:prstGeom>
-          <a:noFill/>
-          <a:ln w="19050">
-            <a:solidFill>
-              <a:schemeClr val="tx1"/>
-            </a:solidFill>
-          </a:ln>
-        </p:spPr>
-        <p:txBody>
-          <a:bodyPr wrap="square" rtlCol="0">
-            <a:spAutoFit/>
-          </a:bodyPr>
-          <a:lstStyle/>
-          <a:p>
-            <a:pPr marL="285750" indent="-285750">
-              <a:buFont typeface="Wingdings" panose="05000000000000000000" pitchFamily="2" charset="2"/>
-              <a:buChar char="Ø"/>
-            </a:pPr>
-            <a:r>
-              <a:rPr lang="en-US" altLang="ko-KR" sz="1400" dirty="0" err="1"/>
-              <a:t>shmget</a:t>
-            </a:r>
-            <a:r>
-              <a:rPr lang="en-US" altLang="ko-KR" sz="1400" dirty="0"/>
-              <a:t>() </a:t>
-            </a:r>
-            <a:r>
-              <a:rPr lang="ko-KR" altLang="en-US" sz="1400" dirty="0"/>
-              <a:t>호출을 통해 새로운 공유 메모리를 생성</a:t>
-            </a:r>
-            <a:r>
-              <a:rPr lang="en-US" altLang="ko-KR" sz="1400" dirty="0"/>
-              <a:t>, </a:t>
-            </a:r>
-            <a:r>
-              <a:rPr lang="ko-KR" altLang="en-US" sz="1400" dirty="0"/>
-              <a:t>이때의 </a:t>
-            </a:r>
-            <a:r>
-              <a:rPr lang="en-US" altLang="ko-KR" sz="1400" dirty="0"/>
-              <a:t>key </a:t>
-            </a:r>
-            <a:r>
-              <a:rPr lang="ko-KR" altLang="en-US" sz="1400" dirty="0"/>
-              <a:t>값은 </a:t>
-            </a:r>
-            <a:r>
-              <a:rPr lang="en-US" altLang="ko-KR" sz="1400" dirty="0"/>
-              <a:t>1234</a:t>
-            </a:r>
-            <a:r>
-              <a:rPr lang="ko-KR" altLang="en-US" sz="1400" dirty="0"/>
-              <a:t>이다</a:t>
-            </a:r>
-            <a:r>
-              <a:rPr lang="en-US" altLang="ko-KR" sz="1400" dirty="0"/>
-              <a:t>.</a:t>
-            </a:r>
-          </a:p>
-          <a:p>
-            <a:pPr marL="285750" indent="-285750">
-              <a:buFont typeface="Wingdings" panose="05000000000000000000" pitchFamily="2" charset="2"/>
-              <a:buChar char="Ø"/>
-            </a:pPr>
-            <a:r>
-              <a:rPr lang="ko-KR" altLang="en-US" sz="1400" dirty="0"/>
-              <a:t>공유 메모리 생성 실패 시</a:t>
-            </a:r>
-            <a:r>
-              <a:rPr lang="en-US" altLang="ko-KR" sz="1400" dirty="0"/>
-              <a:t>,</a:t>
-            </a:r>
-            <a:r>
-              <a:rPr lang="ko-KR" altLang="en-US" sz="1400" dirty="0"/>
-              <a:t> 에러 메시지를 출력하고 실행을 종료함</a:t>
-            </a:r>
-            <a:r>
-              <a:rPr lang="en-US" altLang="ko-KR" sz="1400" dirty="0"/>
-              <a:t>.</a:t>
-            </a:r>
-          </a:p>
-          <a:p>
-            <a:pPr marL="285750" indent="-285750">
-              <a:buFont typeface="Wingdings" panose="05000000000000000000" pitchFamily="2" charset="2"/>
-              <a:buChar char="Ø"/>
-            </a:pPr>
-            <a:endParaRPr lang="en-US" altLang="ko-KR" sz="1400" dirty="0"/>
-          </a:p>
-          <a:p>
-            <a:pPr marL="285750" indent="-285750">
-              <a:buFont typeface="Wingdings" panose="05000000000000000000" pitchFamily="2" charset="2"/>
-              <a:buChar char="Ø"/>
-            </a:pPr>
-            <a:r>
-              <a:rPr lang="en-US" altLang="ko-KR" sz="1400" dirty="0" err="1"/>
-              <a:t>shmat</a:t>
-            </a:r>
-            <a:r>
-              <a:rPr lang="en-US" altLang="ko-KR" sz="1400" dirty="0"/>
-              <a:t>() </a:t>
-            </a:r>
-            <a:r>
-              <a:rPr lang="ko-KR" altLang="en-US" sz="1400" dirty="0"/>
-              <a:t>호출을 통해</a:t>
-            </a:r>
-            <a:r>
-              <a:rPr lang="en-US" altLang="ko-KR" sz="1400" dirty="0"/>
-              <a:t> </a:t>
-            </a:r>
-            <a:r>
-              <a:rPr lang="en-US" altLang="ko-KR" sz="1400" dirty="0" err="1"/>
-              <a:t>shared_memory</a:t>
-            </a:r>
-            <a:r>
-              <a:rPr lang="ko-KR" altLang="en-US" sz="1400" dirty="0"/>
-              <a:t> 포인터를 이용하여</a:t>
-            </a:r>
-            <a:r>
-              <a:rPr lang="en-US" altLang="ko-KR" sz="1400" dirty="0"/>
-              <a:t> </a:t>
-            </a:r>
-            <a:r>
-              <a:rPr lang="ko-KR" altLang="en-US" sz="1400" dirty="0"/>
-              <a:t>메모리를 프로세스에 붙인다</a:t>
-            </a:r>
-            <a:r>
-              <a:rPr lang="en-US" altLang="ko-KR" sz="1400" dirty="0"/>
-              <a:t>.</a:t>
-            </a:r>
-          </a:p>
-          <a:p>
-            <a:pPr marL="285750" indent="-285750">
-              <a:buFont typeface="Wingdings" panose="05000000000000000000" pitchFamily="2" charset="2"/>
-              <a:buChar char="Ø"/>
-            </a:pPr>
-            <a:r>
-              <a:rPr lang="en-US" altLang="ko-KR" sz="1400" dirty="0" err="1"/>
-              <a:t>shamt</a:t>
-            </a:r>
-            <a:r>
-              <a:rPr lang="en-US" altLang="ko-KR" sz="1400" dirty="0"/>
-              <a:t>() </a:t>
-            </a:r>
-            <a:r>
-              <a:rPr lang="ko-KR" altLang="en-US" sz="1400" dirty="0"/>
-              <a:t>함수 실패 시 에러 메시지를 출력하고</a:t>
-            </a:r>
-            <a:r>
-              <a:rPr lang="en-US" altLang="ko-KR" sz="1400" dirty="0"/>
-              <a:t>, </a:t>
-            </a:r>
-            <a:r>
-              <a:rPr lang="ko-KR" altLang="en-US" sz="1400" dirty="0"/>
-              <a:t>실행을 종료한다</a:t>
-            </a:r>
-            <a:r>
-              <a:rPr lang="en-US" altLang="ko-KR" sz="1400" dirty="0"/>
-              <a:t>.</a:t>
-            </a:r>
-          </a:p>
-          <a:p>
-            <a:pPr marL="285750" indent="-285750">
-              <a:buFont typeface="Wingdings" panose="05000000000000000000" pitchFamily="2" charset="2"/>
-              <a:buChar char="Ø"/>
-            </a:pPr>
-            <a:r>
-              <a:rPr lang="ko-KR" altLang="en-US" sz="1400" dirty="0"/>
-              <a:t>성공 시 성공 메시지를 출력하고</a:t>
-            </a:r>
-            <a:r>
-              <a:rPr lang="en-US" altLang="ko-KR" sz="1400" dirty="0"/>
-              <a:t>, </a:t>
-            </a:r>
-            <a:r>
-              <a:rPr lang="en-US" altLang="ko-KR" sz="1400" dirty="0" err="1"/>
-              <a:t>shared_stuff</a:t>
-            </a:r>
-            <a:r>
-              <a:rPr lang="ko-KR" altLang="en-US" sz="1400" dirty="0"/>
-              <a:t>에 그 메모리를 할당해주어 사용이 가능하도록 해준다</a:t>
-            </a:r>
-            <a:r>
-              <a:rPr lang="en-US" altLang="ko-KR" sz="1400" dirty="0"/>
-              <a:t>.</a:t>
-            </a:r>
-          </a:p>
-          <a:p>
-            <a:pPr marL="285750" indent="-285750">
-              <a:buFont typeface="Wingdings" panose="05000000000000000000" pitchFamily="2" charset="2"/>
-              <a:buChar char="Ø"/>
-            </a:pPr>
-            <a:endParaRPr lang="en-US" altLang="ko-KR" sz="1400" dirty="0"/>
-          </a:p>
-          <a:p>
-            <a:pPr marL="285750" indent="-285750">
-              <a:buFont typeface="Wingdings" panose="05000000000000000000" pitchFamily="2" charset="2"/>
-              <a:buChar char="Ø"/>
-            </a:pPr>
-            <a:r>
-              <a:rPr lang="en-US" altLang="ko-KR" sz="1400" dirty="0"/>
-              <a:t>running</a:t>
-            </a:r>
-            <a:r>
-              <a:rPr lang="ko-KR" altLang="en-US" sz="1400" dirty="0"/>
-              <a:t>이 </a:t>
-            </a:r>
-            <a:r>
-              <a:rPr lang="en-US" altLang="ko-KR" sz="1400" dirty="0"/>
-              <a:t>1</a:t>
-            </a:r>
-            <a:r>
-              <a:rPr lang="ko-KR" altLang="en-US" sz="1400" dirty="0"/>
-              <a:t>이고</a:t>
-            </a:r>
-            <a:r>
-              <a:rPr lang="en-US" altLang="ko-KR" sz="1400" dirty="0"/>
-              <a:t>, </a:t>
-            </a:r>
-            <a:r>
-              <a:rPr lang="en-US" altLang="ko-KR" sz="1400" dirty="0" err="1"/>
-              <a:t>written_by_you</a:t>
-            </a:r>
-            <a:r>
-              <a:rPr lang="ko-KR" altLang="en-US" sz="1400" dirty="0"/>
-              <a:t>가 </a:t>
-            </a:r>
-            <a:r>
-              <a:rPr lang="en-US" altLang="ko-KR" sz="1400" dirty="0"/>
-              <a:t>1</a:t>
-            </a:r>
-            <a:r>
-              <a:rPr lang="ko-KR" altLang="en-US" sz="1400" dirty="0"/>
-              <a:t>인 경우 </a:t>
-            </a:r>
-            <a:r>
-              <a:rPr lang="en-US" altLang="ko-KR" sz="1400" dirty="0"/>
-              <a:t>1</a:t>
-            </a:r>
-            <a:r>
-              <a:rPr lang="ko-KR" altLang="en-US" sz="1400" dirty="0"/>
-              <a:t>초 동안 소비자의 실행을 기다린다</a:t>
-            </a:r>
-            <a:r>
-              <a:rPr lang="en-US" altLang="ko-KR" sz="1400" dirty="0"/>
-              <a:t>.</a:t>
-            </a:r>
-          </a:p>
-          <a:p>
-            <a:pPr marL="285750" indent="-285750">
-              <a:buFont typeface="Wingdings" panose="05000000000000000000" pitchFamily="2" charset="2"/>
-              <a:buChar char="Ø"/>
-            </a:pPr>
-            <a:r>
-              <a:rPr lang="en-US" altLang="ko-KR" sz="1400" dirty="0" err="1"/>
-              <a:t>fgets</a:t>
-            </a:r>
-            <a:r>
-              <a:rPr lang="en-US" altLang="ko-KR" sz="1400" dirty="0"/>
-              <a:t>() </a:t>
-            </a:r>
-            <a:r>
-              <a:rPr lang="ko-KR" altLang="en-US" sz="1400" dirty="0"/>
-              <a:t>함수를 통해 버퍼에 문자열을 입력 받아 이를 </a:t>
-            </a:r>
-            <a:r>
-              <a:rPr lang="en-US" altLang="ko-KR" sz="1400" dirty="0" err="1"/>
-              <a:t>strncpy</a:t>
-            </a:r>
-            <a:r>
-              <a:rPr lang="en-US" altLang="ko-KR" sz="1400" dirty="0"/>
-              <a:t>() </a:t>
-            </a:r>
-            <a:r>
-              <a:rPr lang="ko-KR" altLang="en-US" sz="1400" dirty="0"/>
-              <a:t>함수를 통해</a:t>
-            </a:r>
-            <a:r>
-              <a:rPr lang="en-US" altLang="ko-KR" sz="1400" dirty="0" err="1"/>
-              <a:t>somet_text</a:t>
-            </a:r>
-            <a:r>
-              <a:rPr lang="ko-KR" altLang="en-US" sz="1400" dirty="0"/>
-              <a:t>에 저장하고</a:t>
-            </a:r>
-            <a:r>
-              <a:rPr lang="en-US" altLang="ko-KR" sz="1400" dirty="0"/>
-              <a:t>, </a:t>
-            </a:r>
-            <a:r>
-              <a:rPr lang="en-US" altLang="ko-KR" sz="1400" dirty="0" err="1"/>
-              <a:t>written_by_you</a:t>
-            </a:r>
-            <a:r>
-              <a:rPr lang="ko-KR" altLang="en-US" sz="1400" dirty="0"/>
-              <a:t>를 </a:t>
-            </a:r>
-            <a:r>
-              <a:rPr lang="en-US" altLang="ko-KR" sz="1400" dirty="0"/>
-              <a:t>1</a:t>
-            </a:r>
-            <a:r>
-              <a:rPr lang="ko-KR" altLang="en-US" sz="1400" dirty="0"/>
-              <a:t>로 설정한다</a:t>
-            </a:r>
-            <a:r>
-              <a:rPr lang="en-US" altLang="ko-KR" sz="1400" dirty="0"/>
-              <a:t>.</a:t>
-            </a:r>
-          </a:p>
-          <a:p>
-            <a:pPr marL="285750" indent="-285750">
-              <a:buFont typeface="Wingdings" panose="05000000000000000000" pitchFamily="2" charset="2"/>
-              <a:buChar char="Ø"/>
-            </a:pPr>
-            <a:endParaRPr lang="en-US" altLang="ko-KR" sz="1400" dirty="0"/>
-          </a:p>
-          <a:p>
-            <a:pPr marL="285750" indent="-285750">
-              <a:buFont typeface="Wingdings" panose="05000000000000000000" pitchFamily="2" charset="2"/>
-              <a:buChar char="Ø"/>
-            </a:pPr>
-            <a:r>
-              <a:rPr lang="ko-KR" altLang="en-US" sz="1400" dirty="0" err="1"/>
-              <a:t>입력받은</a:t>
-            </a:r>
-            <a:r>
-              <a:rPr lang="ko-KR" altLang="en-US" sz="1400" dirty="0"/>
-              <a:t> 문자열이 </a:t>
-            </a:r>
-            <a:r>
-              <a:rPr lang="en-US" altLang="ko-KR" sz="1400" dirty="0"/>
-              <a:t>end</a:t>
-            </a:r>
-            <a:r>
-              <a:rPr lang="ko-KR" altLang="en-US" sz="1400" dirty="0"/>
-              <a:t>인 경우</a:t>
-            </a:r>
-            <a:r>
-              <a:rPr lang="en-US" altLang="ko-KR" sz="1400" dirty="0"/>
-              <a:t>, running</a:t>
-            </a:r>
-            <a:r>
-              <a:rPr lang="ko-KR" altLang="en-US" sz="1400" dirty="0"/>
-              <a:t>을 </a:t>
-            </a:r>
-            <a:r>
-              <a:rPr lang="en-US" altLang="ko-KR" sz="1400" dirty="0"/>
-              <a:t>0</a:t>
-            </a:r>
-            <a:r>
-              <a:rPr lang="ko-KR" altLang="en-US" sz="1400" dirty="0"/>
-              <a:t>으로 만들어 프로그램을 </a:t>
-            </a:r>
-            <a:r>
-              <a:rPr lang="ko-KR" altLang="en-US" sz="1400" dirty="0" err="1"/>
-              <a:t>종료시킨다</a:t>
-            </a:r>
-            <a:r>
-              <a:rPr lang="en-US" altLang="ko-KR" sz="1400" dirty="0"/>
-              <a:t>.</a:t>
+              <a:t>shm1.c</a:t>
             </a:r>
           </a:p>
         </p:txBody>
       </p:sp>
       <p:pic>
         <p:nvPicPr>
-          <p:cNvPr id="7" name="그림 6">
-            <a:extLst>
-              <a:ext uri="{FF2B5EF4-FFF2-40B4-BE49-F238E27FC236}">
-                <a16:creationId xmlns:a16="http://schemas.microsoft.com/office/drawing/2014/main" id="{E990EDEA-EADB-4781-B5D8-67B91C543B4D}"/>
+          <p:cNvPr id="10" name="그림 9">
+            <a:extLst>
+              <a:ext uri="{FF2B5EF4-FFF2-40B4-BE49-F238E27FC236}">
+                <a16:creationId xmlns:a16="http://schemas.microsoft.com/office/drawing/2014/main" id="{6B181253-62C6-4C29-B925-F99CAE73705B}"/>
               </a:ext>
             </a:extLst>
           </p:cNvPr>
@@ -8861,18 +8437,579 @@
         </p:blipFill>
         <p:spPr>
           <a:xfrm>
-            <a:off x="279392" y="923330"/>
-            <a:ext cx="5151566" cy="5342281"/>
+            <a:off x="256899" y="1141641"/>
+            <a:ext cx="5151566" cy="5547841"/>
           </a:xfrm>
           <a:prstGeom prst="rect">
             <a:avLst/>
           </a:prstGeom>
         </p:spPr>
       </p:pic>
+      <p:sp>
+        <p:nvSpPr>
+          <p:cNvPr id="11" name="TextBox 10">
+            <a:extLst>
+              <a:ext uri="{FF2B5EF4-FFF2-40B4-BE49-F238E27FC236}">
+                <a16:creationId xmlns:a16="http://schemas.microsoft.com/office/drawing/2014/main" id="{4228B339-0664-4EEA-ACF0-EBF71BCA866E}"/>
+              </a:ext>
+            </a:extLst>
+          </p:cNvPr>
+          <p:cNvSpPr txBox="1"/>
+          <p:nvPr/>
+        </p:nvSpPr>
+        <p:spPr>
+          <a:xfrm>
+            <a:off x="5508217" y="1607237"/>
+            <a:ext cx="6426884" cy="4616648"/>
+          </a:xfrm>
+          <a:prstGeom prst="rect">
+            <a:avLst/>
+          </a:prstGeom>
+          <a:noFill/>
+          <a:ln w="19050">
+            <a:solidFill>
+              <a:schemeClr val="tx1"/>
+            </a:solidFill>
+          </a:ln>
+        </p:spPr>
+        <p:txBody>
+          <a:bodyPr wrap="square" rtlCol="0">
+            <a:spAutoFit/>
+          </a:bodyPr>
+          <a:lstStyle/>
+          <a:p>
+            <a:pPr marL="285750" indent="-285750">
+              <a:buFont typeface="Wingdings" panose="05000000000000000000" pitchFamily="2" charset="2"/>
+              <a:buChar char="Ø"/>
+            </a:pPr>
+            <a:r>
+              <a:rPr lang="en-US" altLang="ko-KR" sz="1400" dirty="0" err="1"/>
+              <a:t>shmget</a:t>
+            </a:r>
+            <a:r>
+              <a:rPr lang="en-US" altLang="ko-KR" sz="1400" dirty="0"/>
+              <a:t>() </a:t>
+            </a:r>
+            <a:r>
+              <a:rPr lang="ko-KR" altLang="en-US" sz="1400" dirty="0"/>
+              <a:t>호출을 통해 새로운 공유 메모리를 생성</a:t>
+            </a:r>
+            <a:r>
+              <a:rPr lang="en-US" altLang="ko-KR" sz="1400" dirty="0"/>
+              <a:t>, </a:t>
+            </a:r>
+            <a:r>
+              <a:rPr lang="ko-KR" altLang="en-US" sz="1400" dirty="0"/>
+              <a:t>이때의 </a:t>
+            </a:r>
+            <a:r>
+              <a:rPr lang="en-US" altLang="ko-KR" sz="1400" dirty="0"/>
+              <a:t>key </a:t>
+            </a:r>
+            <a:r>
+              <a:rPr lang="ko-KR" altLang="en-US" sz="1400" dirty="0"/>
+              <a:t>값은 </a:t>
+            </a:r>
+            <a:r>
+              <a:rPr lang="en-US" altLang="ko-KR" sz="1400" dirty="0"/>
+              <a:t>1234</a:t>
+            </a:r>
+            <a:r>
+              <a:rPr lang="ko-KR" altLang="en-US" sz="1400" dirty="0" err="1"/>
+              <a:t>로지정해주었음</a:t>
+            </a:r>
+            <a:r>
+              <a:rPr lang="en-US" altLang="ko-KR" sz="1400" dirty="0"/>
+              <a:t>.</a:t>
+            </a:r>
+          </a:p>
+          <a:p>
+            <a:pPr marL="285750" indent="-285750">
+              <a:buFont typeface="Wingdings" panose="05000000000000000000" pitchFamily="2" charset="2"/>
+              <a:buChar char="Ø"/>
+            </a:pPr>
+            <a:r>
+              <a:rPr lang="ko-KR" altLang="en-US" sz="1400" dirty="0"/>
+              <a:t>공유 메모리 생성 실패 시</a:t>
+            </a:r>
+            <a:r>
+              <a:rPr lang="en-US" altLang="ko-KR" sz="1400" dirty="0"/>
+              <a:t>,</a:t>
+            </a:r>
+            <a:r>
+              <a:rPr lang="ko-KR" altLang="en-US" sz="1400" dirty="0"/>
+              <a:t> 에러 메시지를 출력하고 실행을 종료함</a:t>
+            </a:r>
+            <a:r>
+              <a:rPr lang="en-US" altLang="ko-KR" sz="1400" dirty="0"/>
+              <a:t>.</a:t>
+            </a:r>
+          </a:p>
+          <a:p>
+            <a:pPr marL="285750" indent="-285750">
+              <a:buFont typeface="Wingdings" panose="05000000000000000000" pitchFamily="2" charset="2"/>
+              <a:buChar char="Ø"/>
+            </a:pPr>
+            <a:endParaRPr lang="en-US" altLang="ko-KR" sz="1400" dirty="0"/>
+          </a:p>
+          <a:p>
+            <a:pPr marL="285750" indent="-285750">
+              <a:buFont typeface="Wingdings" panose="05000000000000000000" pitchFamily="2" charset="2"/>
+              <a:buChar char="Ø"/>
+            </a:pPr>
+            <a:r>
+              <a:rPr lang="en-US" altLang="ko-KR" sz="1400" dirty="0" err="1"/>
+              <a:t>shmat</a:t>
+            </a:r>
+            <a:r>
+              <a:rPr lang="en-US" altLang="ko-KR" sz="1400" dirty="0"/>
+              <a:t>() </a:t>
+            </a:r>
+            <a:r>
+              <a:rPr lang="ko-KR" altLang="en-US" sz="1400" dirty="0"/>
+              <a:t>호출을 통해</a:t>
+            </a:r>
+            <a:r>
+              <a:rPr lang="en-US" altLang="ko-KR" sz="1400" dirty="0"/>
+              <a:t> </a:t>
+            </a:r>
+            <a:r>
+              <a:rPr lang="en-US" altLang="ko-KR" sz="1400" dirty="0" err="1"/>
+              <a:t>shared_memory</a:t>
+            </a:r>
+            <a:r>
+              <a:rPr lang="ko-KR" altLang="en-US" sz="1400" dirty="0"/>
+              <a:t> 포인터를 이용하여</a:t>
+            </a:r>
+            <a:r>
+              <a:rPr lang="en-US" altLang="ko-KR" sz="1400" dirty="0"/>
+              <a:t> </a:t>
+            </a:r>
+            <a:r>
+              <a:rPr lang="ko-KR" altLang="en-US" sz="1400" dirty="0"/>
+              <a:t>메모리를 프로세스에 붙임</a:t>
+            </a:r>
+            <a:endParaRPr lang="en-US" altLang="ko-KR" sz="1400" dirty="0"/>
+          </a:p>
+          <a:p>
+            <a:pPr marL="285750" indent="-285750">
+              <a:buFont typeface="Wingdings" panose="05000000000000000000" pitchFamily="2" charset="2"/>
+              <a:buChar char="Ø"/>
+            </a:pPr>
+            <a:endParaRPr lang="en-US" altLang="ko-KR" sz="1400" dirty="0"/>
+          </a:p>
+          <a:p>
+            <a:pPr marL="285750" indent="-285750">
+              <a:buFont typeface="Wingdings" panose="05000000000000000000" pitchFamily="2" charset="2"/>
+              <a:buChar char="Ø"/>
+            </a:pPr>
+            <a:r>
+              <a:rPr lang="en-US" altLang="ko-KR" sz="1400" dirty="0" err="1"/>
+              <a:t>shamt</a:t>
+            </a:r>
+            <a:r>
+              <a:rPr lang="en-US" altLang="ko-KR" sz="1400" dirty="0"/>
+              <a:t>() </a:t>
+            </a:r>
+            <a:r>
+              <a:rPr lang="ko-KR" altLang="en-US" sz="1400" dirty="0"/>
+              <a:t>함수 실패 시 에러 메시지를 출력하고</a:t>
+            </a:r>
+            <a:r>
+              <a:rPr lang="en-US" altLang="ko-KR" sz="1400" dirty="0"/>
+              <a:t>, </a:t>
+            </a:r>
+            <a:r>
+              <a:rPr lang="ko-KR" altLang="en-US" sz="1400" dirty="0"/>
+              <a:t>실행을 종료한다</a:t>
+            </a:r>
+            <a:r>
+              <a:rPr lang="en-US" altLang="ko-KR" sz="1400" dirty="0"/>
+              <a:t>.</a:t>
+            </a:r>
+          </a:p>
+          <a:p>
+            <a:pPr marL="285750" indent="-285750">
+              <a:buFont typeface="Wingdings" panose="05000000000000000000" pitchFamily="2" charset="2"/>
+              <a:buChar char="Ø"/>
+            </a:pPr>
+            <a:r>
+              <a:rPr lang="ko-KR" altLang="en-US" sz="1400" dirty="0"/>
+              <a:t>성공 시 성공 메시지를 출력하고</a:t>
+            </a:r>
+            <a:r>
+              <a:rPr lang="en-US" altLang="ko-KR" sz="1400" dirty="0"/>
+              <a:t>, </a:t>
+            </a:r>
+            <a:r>
+              <a:rPr lang="en-US" altLang="ko-KR" sz="1400" dirty="0" err="1"/>
+              <a:t>shared_stuff</a:t>
+            </a:r>
+            <a:r>
+              <a:rPr lang="ko-KR" altLang="en-US" sz="1400" dirty="0"/>
+              <a:t>에 그 메모리를 할당해주어 사용이 가능하도록 함</a:t>
+            </a:r>
+            <a:endParaRPr lang="en-US" altLang="ko-KR" sz="1400" dirty="0"/>
+          </a:p>
+          <a:p>
+            <a:pPr marL="285750" indent="-285750">
+              <a:buFont typeface="Wingdings" panose="05000000000000000000" pitchFamily="2" charset="2"/>
+              <a:buChar char="Ø"/>
+            </a:pPr>
+            <a:endParaRPr lang="en-US" altLang="ko-KR" sz="1400" dirty="0"/>
+          </a:p>
+          <a:p>
+            <a:pPr marL="285750" indent="-285750">
+              <a:buFont typeface="Wingdings" panose="05000000000000000000" pitchFamily="2" charset="2"/>
+              <a:buChar char="Ø"/>
+            </a:pPr>
+            <a:r>
+              <a:rPr lang="en-US" altLang="ko-KR" sz="1400" dirty="0"/>
+              <a:t>running</a:t>
+            </a:r>
+            <a:r>
+              <a:rPr lang="ko-KR" altLang="en-US" sz="1400" dirty="0"/>
+              <a:t>이 </a:t>
+            </a:r>
+            <a:r>
+              <a:rPr lang="en-US" altLang="ko-KR" sz="1400" dirty="0"/>
+              <a:t>1</a:t>
+            </a:r>
+            <a:r>
+              <a:rPr lang="ko-KR" altLang="en-US" sz="1400" dirty="0"/>
+              <a:t>인 경우</a:t>
+            </a:r>
+            <a:r>
+              <a:rPr lang="en-US" altLang="ko-KR" sz="1400" dirty="0"/>
+              <a:t>, </a:t>
+            </a:r>
+            <a:r>
+              <a:rPr lang="en-US" altLang="ko-KR" sz="1400" dirty="0" err="1"/>
+              <a:t>written_by_you</a:t>
+            </a:r>
+            <a:r>
+              <a:rPr lang="ko-KR" altLang="en-US" sz="1400" dirty="0"/>
+              <a:t>를 통해 생산자가 생산했는지를</a:t>
+            </a:r>
+            <a:r>
+              <a:rPr lang="en-US" altLang="ko-KR" sz="1400" dirty="0"/>
+              <a:t> </a:t>
+            </a:r>
+            <a:r>
+              <a:rPr lang="ko-KR" altLang="en-US" sz="1400" dirty="0"/>
+              <a:t>확인한 뒤</a:t>
+            </a:r>
+            <a:r>
+              <a:rPr lang="en-US" altLang="ko-KR" sz="1400" dirty="0"/>
+              <a:t>, </a:t>
+            </a:r>
+            <a:r>
+              <a:rPr lang="en-US" altLang="ko-KR" sz="1400" dirty="0" err="1"/>
+              <a:t>written_by_you</a:t>
+            </a:r>
+            <a:r>
+              <a:rPr lang="ko-KR" altLang="en-US" sz="1400" dirty="0"/>
+              <a:t>가 </a:t>
+            </a:r>
+            <a:r>
+              <a:rPr lang="en-US" altLang="ko-KR" sz="1400" dirty="0"/>
+              <a:t>1</a:t>
+            </a:r>
+            <a:r>
+              <a:rPr lang="ko-KR" altLang="en-US" sz="1400" dirty="0"/>
+              <a:t>인 경우 생산되어진 자료</a:t>
+            </a:r>
+            <a:r>
+              <a:rPr lang="en-US" altLang="ko-KR" sz="1400" dirty="0"/>
+              <a:t>(</a:t>
+            </a:r>
+            <a:r>
+              <a:rPr lang="en-US" altLang="ko-KR" sz="1400" dirty="0" err="1"/>
+              <a:t>some_text</a:t>
+            </a:r>
+            <a:r>
+              <a:rPr lang="en-US" altLang="ko-KR" sz="1400" dirty="0"/>
+              <a:t>)</a:t>
+            </a:r>
+            <a:r>
+              <a:rPr lang="ko-KR" altLang="en-US" sz="1400" dirty="0"/>
+              <a:t>를 출력하고</a:t>
+            </a:r>
+            <a:r>
+              <a:rPr lang="en-US" altLang="ko-KR" sz="1400" dirty="0"/>
+              <a:t>, </a:t>
+            </a:r>
+            <a:r>
+              <a:rPr lang="ko-KR" altLang="en-US" sz="1400" dirty="0"/>
+              <a:t> 대기한 다음</a:t>
+            </a:r>
+            <a:r>
+              <a:rPr lang="en-US" altLang="ko-KR" sz="1400" dirty="0"/>
+              <a:t>, </a:t>
+            </a:r>
+            <a:r>
+              <a:rPr lang="en-US" altLang="ko-KR" sz="1400" dirty="0" err="1"/>
+              <a:t>written_by_you</a:t>
+            </a:r>
+            <a:r>
+              <a:rPr lang="en-US" altLang="ko-KR" sz="1400" dirty="0"/>
+              <a:t> </a:t>
+            </a:r>
+            <a:r>
+              <a:rPr lang="ko-KR" altLang="en-US" sz="1400" dirty="0"/>
+              <a:t>를 </a:t>
+            </a:r>
+            <a:r>
+              <a:rPr lang="en-US" altLang="ko-KR" sz="1400" dirty="0"/>
+              <a:t>0</a:t>
+            </a:r>
+            <a:r>
+              <a:rPr lang="ko-KR" altLang="en-US" sz="1400" dirty="0"/>
+              <a:t>으로 만들어 줌</a:t>
+            </a:r>
+            <a:endParaRPr lang="en-US" altLang="ko-KR" sz="1400" dirty="0"/>
+          </a:p>
+          <a:p>
+            <a:pPr marL="285750" indent="-285750">
+              <a:buFont typeface="Wingdings" panose="05000000000000000000" pitchFamily="2" charset="2"/>
+              <a:buChar char="Ø"/>
+            </a:pPr>
+            <a:endParaRPr lang="en-US" altLang="ko-KR" sz="1400" dirty="0"/>
+          </a:p>
+          <a:p>
+            <a:pPr marL="285750" indent="-285750">
+              <a:buFont typeface="Wingdings" panose="05000000000000000000" pitchFamily="2" charset="2"/>
+              <a:buChar char="Ø"/>
+            </a:pPr>
+            <a:r>
+              <a:rPr lang="ko-KR" altLang="en-US" sz="1400" dirty="0"/>
+              <a:t>생산되어진 자료</a:t>
+            </a:r>
+            <a:r>
+              <a:rPr lang="en-US" altLang="ko-KR" sz="1400" dirty="0"/>
+              <a:t>(</a:t>
+            </a:r>
+            <a:r>
+              <a:rPr lang="en-US" altLang="ko-KR" sz="1400" dirty="0" err="1"/>
+              <a:t>some_text</a:t>
+            </a:r>
+            <a:r>
+              <a:rPr lang="en-US" altLang="ko-KR" sz="1400" dirty="0"/>
+              <a:t>)</a:t>
+            </a:r>
+            <a:r>
+              <a:rPr lang="ko-KR" altLang="en-US" sz="1400" dirty="0"/>
+              <a:t>가 </a:t>
+            </a:r>
+            <a:r>
+              <a:rPr lang="en-US" altLang="ko-KR" sz="1400" dirty="0"/>
+              <a:t>end</a:t>
+            </a:r>
+            <a:r>
+              <a:rPr lang="ko-KR" altLang="en-US" sz="1400" dirty="0"/>
+              <a:t>인 경우</a:t>
+            </a:r>
+            <a:r>
+              <a:rPr lang="en-US" altLang="ko-KR" sz="1400" dirty="0"/>
+              <a:t>, running</a:t>
+            </a:r>
+            <a:r>
+              <a:rPr lang="ko-KR" altLang="en-US" sz="1400" dirty="0"/>
+              <a:t>을 </a:t>
+            </a:r>
+            <a:r>
+              <a:rPr lang="en-US" altLang="ko-KR" sz="1400" dirty="0"/>
+              <a:t>0</a:t>
+            </a:r>
+            <a:r>
+              <a:rPr lang="ko-KR" altLang="en-US" sz="1400" dirty="0"/>
+              <a:t>으로 만들어 프로그램을 종료함</a:t>
+            </a:r>
+            <a:r>
+              <a:rPr lang="en-US" altLang="ko-KR" sz="1400" dirty="0"/>
+              <a:t>.</a:t>
+            </a:r>
+          </a:p>
+          <a:p>
+            <a:pPr marL="285750" indent="-285750">
+              <a:buFont typeface="Wingdings" panose="05000000000000000000" pitchFamily="2" charset="2"/>
+              <a:buChar char="Ø"/>
+            </a:pPr>
+            <a:endParaRPr lang="en-US" altLang="ko-KR" sz="1400" dirty="0"/>
+          </a:p>
+          <a:p>
+            <a:pPr marL="285750" indent="-285750">
+              <a:buFont typeface="Wingdings" panose="05000000000000000000" pitchFamily="2" charset="2"/>
+              <a:buChar char="Ø"/>
+            </a:pPr>
+            <a:r>
+              <a:rPr lang="en-US" altLang="ko-KR" sz="1400" dirty="0" err="1"/>
+              <a:t>shmdt</a:t>
+            </a:r>
+            <a:r>
+              <a:rPr lang="en-US" altLang="ko-KR" sz="1400" dirty="0"/>
+              <a:t>() </a:t>
+            </a:r>
+            <a:r>
+              <a:rPr lang="ko-KR" altLang="en-US" sz="1400" dirty="0"/>
+              <a:t>호출을 통해 메모리를 프로세스와 분리시킨다</a:t>
+            </a:r>
+            <a:r>
+              <a:rPr lang="en-US" altLang="ko-KR" sz="1400" dirty="0"/>
+              <a:t>.</a:t>
+            </a:r>
+          </a:p>
+          <a:p>
+            <a:pPr marL="285750" indent="-285750">
+              <a:buFont typeface="Wingdings" panose="05000000000000000000" pitchFamily="2" charset="2"/>
+              <a:buChar char="Ø"/>
+            </a:pPr>
+            <a:endParaRPr lang="en-US" altLang="ko-KR" sz="1400" dirty="0"/>
+          </a:p>
+          <a:p>
+            <a:pPr marL="285750" indent="-285750">
+              <a:buFont typeface="Wingdings" panose="05000000000000000000" pitchFamily="2" charset="2"/>
+              <a:buChar char="Ø"/>
+            </a:pPr>
+            <a:r>
+              <a:rPr lang="en-US" altLang="ko-KR" sz="1400" dirty="0" err="1"/>
+              <a:t>shmctl</a:t>
+            </a:r>
+            <a:r>
+              <a:rPr lang="en-US" altLang="ko-KR" sz="1400" dirty="0"/>
+              <a:t>() </a:t>
+            </a:r>
+            <a:r>
+              <a:rPr lang="ko-KR" altLang="en-US" sz="1400" dirty="0"/>
+              <a:t>함수의 두 번째 인수로 </a:t>
+            </a:r>
+            <a:r>
+              <a:rPr lang="en-US" altLang="ko-KR" sz="1400" dirty="0"/>
+              <a:t>IPC_RMID</a:t>
+            </a:r>
+            <a:r>
+              <a:rPr lang="ko-KR" altLang="en-US" sz="1400" dirty="0"/>
+              <a:t>를 지정하여 메모리를 반납한다</a:t>
+            </a:r>
+            <a:r>
+              <a:rPr lang="en-US" altLang="ko-KR" sz="1400" dirty="0"/>
+              <a:t>.</a:t>
+            </a:r>
+          </a:p>
+        </p:txBody>
+      </p:sp>
+      <p:pic>
+        <p:nvPicPr>
+          <p:cNvPr id="15" name="그림 14">
+            <a:extLst>
+              <a:ext uri="{FF2B5EF4-FFF2-40B4-BE49-F238E27FC236}">
+                <a16:creationId xmlns:a16="http://schemas.microsoft.com/office/drawing/2014/main" id="{55899426-B2C3-49E8-8582-DCD06E58D0F1}"/>
+              </a:ext>
+            </a:extLst>
+          </p:cNvPr>
+          <p:cNvPicPr>
+            <a:picLocks noChangeAspect="1"/>
+          </p:cNvPicPr>
+          <p:nvPr/>
+        </p:nvPicPr>
+        <p:blipFill>
+          <a:blip r:embed="rId3"/>
+          <a:stretch>
+            <a:fillRect/>
+          </a:stretch>
+        </p:blipFill>
+        <p:spPr>
+          <a:xfrm>
+            <a:off x="256899" y="527309"/>
+            <a:ext cx="1966130" cy="548688"/>
+          </a:xfrm>
+          <a:prstGeom prst="rect">
+            <a:avLst/>
+          </a:prstGeom>
+        </p:spPr>
+      </p:pic>
+      <p:sp>
+        <p:nvSpPr>
+          <p:cNvPr id="16" name="TextBox 15">
+            <a:extLst>
+              <a:ext uri="{FF2B5EF4-FFF2-40B4-BE49-F238E27FC236}">
+                <a16:creationId xmlns:a16="http://schemas.microsoft.com/office/drawing/2014/main" id="{5A7E4D2A-CC3D-4C95-9BA9-7ED625FB0924}"/>
+              </a:ext>
+            </a:extLst>
+          </p:cNvPr>
+          <p:cNvSpPr txBox="1"/>
+          <p:nvPr/>
+        </p:nvSpPr>
+        <p:spPr>
+          <a:xfrm>
+            <a:off x="2322780" y="527308"/>
+            <a:ext cx="9396640" cy="523220"/>
+          </a:xfrm>
+          <a:prstGeom prst="rect">
+            <a:avLst/>
+          </a:prstGeom>
+          <a:noFill/>
+          <a:ln w="28575">
+            <a:solidFill>
+              <a:srgbClr val="FF0000"/>
+            </a:solidFill>
+          </a:ln>
+        </p:spPr>
+        <p:txBody>
+          <a:bodyPr wrap="square" rtlCol="0">
+            <a:spAutoFit/>
+          </a:bodyPr>
+          <a:lstStyle/>
+          <a:p>
+            <a:r>
+              <a:rPr lang="ko-KR" altLang="en-US" sz="1400" dirty="0"/>
+              <a:t>공유 메모리에 들어갈 데이터 구조체</a:t>
+            </a:r>
+            <a:r>
+              <a:rPr lang="en-US" altLang="ko-KR" sz="1400" dirty="0"/>
+              <a:t>. shm2.c </a:t>
+            </a:r>
+            <a:r>
+              <a:rPr lang="ko-KR" altLang="en-US" sz="1400" dirty="0"/>
+              <a:t>에도 동일하게 존재함</a:t>
+            </a:r>
+            <a:r>
+              <a:rPr lang="en-US" altLang="ko-KR" sz="1400" dirty="0"/>
+              <a:t>.</a:t>
+            </a:r>
+          </a:p>
+          <a:p>
+            <a:r>
+              <a:rPr lang="en-US" altLang="ko-KR" sz="1400" dirty="0" err="1"/>
+              <a:t>written_by_you</a:t>
+            </a:r>
+            <a:r>
+              <a:rPr lang="ko-KR" altLang="en-US" sz="1400" dirty="0"/>
+              <a:t>는 두 프로그램이 교차하며 데이터를 주고 받기 위한 변수이고</a:t>
+            </a:r>
+            <a:r>
+              <a:rPr lang="en-US" altLang="ko-KR" sz="1400" dirty="0"/>
+              <a:t>, </a:t>
+            </a:r>
+            <a:r>
+              <a:rPr lang="en-US" altLang="ko-KR" sz="1400" dirty="0" err="1"/>
+              <a:t>some_text</a:t>
+            </a:r>
+            <a:r>
+              <a:rPr lang="ko-KR" altLang="en-US" sz="1400" dirty="0"/>
+              <a:t>는 입력 받을 데이터이다</a:t>
+            </a:r>
+            <a:r>
+              <a:rPr lang="en-US" altLang="ko-KR" sz="1400" dirty="0"/>
+              <a:t>.</a:t>
+            </a:r>
+          </a:p>
+        </p:txBody>
+      </p:sp>
     </p:spTree>
     <p:extLst>
       <p:ext uri="{BB962C8B-B14F-4D97-AF65-F5344CB8AC3E}">
-        <p14:creationId xmlns:p14="http://schemas.microsoft.com/office/powerpoint/2010/main" val="1395875574"/>
+        <p14:creationId xmlns:p14="http://schemas.microsoft.com/office/powerpoint/2010/main" val="1274519395"/>
       </p:ext>
     </p:extLst>
   </p:cSld>

--- a/2016305078_최영환_os_report_03.pptx
+++ b/2016305078_최영환_os_report_03.pptx
@@ -207,7 +207,7 @@
           <a:p>
             <a:fld id="{8C8C7AC8-0D24-4D38-BB9B-7FD49ABCCE39}" type="datetimeFigureOut">
               <a:rPr lang="ko-KR" altLang="en-US" smtClean="0"/>
-              <a:t>2021-05-24</a:t>
+              <a:t>2021-05-25</a:t>
             </a:fld>
             <a:endParaRPr lang="ko-KR" altLang="en-US"/>
           </a:p>
@@ -629,7 +629,7 @@
           <a:p>
             <a:fld id="{B6C2E5D7-6326-4CC5-88AB-378A58B9EB70}" type="datetime1">
               <a:rPr lang="ko-KR" altLang="en-US" smtClean="0"/>
-              <a:t>2021-05-24</a:t>
+              <a:t>2021-05-25</a:t>
             </a:fld>
             <a:endParaRPr lang="ko-KR" altLang="en-US"/>
           </a:p>
@@ -843,7 +843,7 @@
           <a:p>
             <a:fld id="{8EF34317-FAF1-40A4-BFA0-2093A56D0883}" type="datetime1">
               <a:rPr lang="ko-KR" altLang="en-US" smtClean="0"/>
-              <a:t>2021-05-24</a:t>
+              <a:t>2021-05-25</a:t>
             </a:fld>
             <a:endParaRPr lang="ko-KR" altLang="en-US"/>
           </a:p>
@@ -1067,7 +1067,7 @@
           <a:p>
             <a:fld id="{CE3CCFD3-4AF1-4546-A044-293030D0DA4F}" type="datetime1">
               <a:rPr lang="ko-KR" altLang="en-US" smtClean="0"/>
-              <a:t>2021-05-24</a:t>
+              <a:t>2021-05-25</a:t>
             </a:fld>
             <a:endParaRPr lang="ko-KR" altLang="en-US"/>
           </a:p>
@@ -1281,7 +1281,7 @@
           <a:p>
             <a:fld id="{38FE8627-1092-4F20-9AD6-FC8B4572915A}" type="datetime1">
               <a:rPr lang="ko-KR" altLang="en-US" smtClean="0"/>
-              <a:t>2021-05-24</a:t>
+              <a:t>2021-05-25</a:t>
             </a:fld>
             <a:endParaRPr lang="ko-KR" altLang="en-US"/>
           </a:p>
@@ -1572,7 +1572,7 @@
           <a:p>
             <a:fld id="{3EDB25F7-1BA0-4AE5-B7CF-DE4D8ED194DA}" type="datetime1">
               <a:rPr lang="ko-KR" altLang="en-US" smtClean="0"/>
-              <a:t>2021-05-24</a:t>
+              <a:t>2021-05-25</a:t>
             </a:fld>
             <a:endParaRPr lang="ko-KR" altLang="en-US"/>
           </a:p>
@@ -1853,7 +1853,7 @@
           <a:p>
             <a:fld id="{2878ECB4-1BC1-4093-8D99-3F19DF0BE809}" type="datetime1">
               <a:rPr lang="ko-KR" altLang="en-US" smtClean="0"/>
-              <a:t>2021-05-24</a:t>
+              <a:t>2021-05-25</a:t>
             </a:fld>
             <a:endParaRPr lang="ko-KR" altLang="en-US"/>
           </a:p>
@@ -2281,7 +2281,7 @@
           <a:p>
             <a:fld id="{040AFBB3-EDCC-4726-B8E9-BA7353D25D5E}" type="datetime1">
               <a:rPr lang="ko-KR" altLang="en-US" smtClean="0"/>
-              <a:t>2021-05-24</a:t>
+              <a:t>2021-05-25</a:t>
             </a:fld>
             <a:endParaRPr lang="ko-KR" altLang="en-US"/>
           </a:p>
@@ -2438,7 +2438,7 @@
           <a:p>
             <a:fld id="{1FD4D6D8-9A56-4F07-A18E-1B1ACCD139DE}" type="datetime1">
               <a:rPr lang="ko-KR" altLang="en-US" smtClean="0"/>
-              <a:t>2021-05-24</a:t>
+              <a:t>2021-05-25</a:t>
             </a:fld>
             <a:endParaRPr lang="ko-KR" altLang="en-US"/>
           </a:p>
@@ -2567,7 +2567,7 @@
           <a:p>
             <a:fld id="{C22120E5-637D-4910-8241-FACEBA7EDACB}" type="datetime1">
               <a:rPr lang="ko-KR" altLang="en-US" smtClean="0"/>
-              <a:t>2021-05-24</a:t>
+              <a:t>2021-05-25</a:t>
             </a:fld>
             <a:endParaRPr lang="ko-KR" altLang="en-US"/>
           </a:p>
@@ -2894,7 +2894,7 @@
           <a:p>
             <a:fld id="{061F079F-B0B0-4DA7-9D70-F415C443A9FA}" type="datetime1">
               <a:rPr lang="ko-KR" altLang="en-US" smtClean="0"/>
-              <a:t>2021-05-24</a:t>
+              <a:t>2021-05-25</a:t>
             </a:fld>
             <a:endParaRPr lang="ko-KR" altLang="en-US"/>
           </a:p>
@@ -3198,7 +3198,7 @@
           <a:p>
             <a:fld id="{86809CB0-603A-4180-AFBA-F4D3B9480BF3}" type="datetime1">
               <a:rPr lang="ko-KR" altLang="en-US" smtClean="0"/>
-              <a:t>2021-05-24</a:t>
+              <a:t>2021-05-25</a:t>
             </a:fld>
             <a:endParaRPr lang="ko-KR" altLang="en-US"/>
           </a:p>
@@ -4134,7 +4134,7 @@
         <p:spPr>
           <a:xfrm>
             <a:off x="5553203" y="1551563"/>
-            <a:ext cx="6426884" cy="3754874"/>
+            <a:ext cx="6426884" cy="4185761"/>
           </a:xfrm>
           <a:prstGeom prst="rect">
             <a:avLst/>
@@ -4445,6 +4445,52 @@
             <a:r>
               <a:rPr lang="ko-KR" altLang="en-US" sz="1400" dirty="0"/>
               <a:t>로 만듦</a:t>
+            </a:r>
+            <a:r>
+              <a:rPr lang="en-US" altLang="ko-KR" sz="1400" dirty="0"/>
+              <a:t>.</a:t>
+            </a:r>
+            <a:br>
+              <a:rPr lang="en-US" altLang="ko-KR" sz="1400" dirty="0"/>
+            </a:br>
+            <a:r>
+              <a:rPr lang="en-US" altLang="ko-KR" sz="1400" dirty="0" err="1"/>
+              <a:t>fgets</a:t>
+            </a:r>
+            <a:r>
+              <a:rPr lang="en-US" altLang="ko-KR" sz="1400" dirty="0"/>
+              <a:t>() </a:t>
+            </a:r>
+            <a:r>
+              <a:rPr lang="ko-KR" altLang="en-US" sz="1400" dirty="0"/>
+              <a:t>함수는 </a:t>
+            </a:r>
+            <a:r>
+              <a:rPr lang="ko-KR" altLang="en-US" sz="1400" dirty="0" err="1"/>
+              <a:t>개행문자</a:t>
+            </a:r>
+            <a:r>
+              <a:rPr lang="en-US" altLang="ko-KR" sz="1400" dirty="0"/>
+              <a:t>(\n)</a:t>
+            </a:r>
+            <a:r>
+              <a:rPr lang="ko-KR" altLang="en-US" sz="1400" dirty="0"/>
+              <a:t>나 파일의 끝까지 입력을 받아 이를 문자열</a:t>
+            </a:r>
+            <a:br>
+              <a:rPr lang="en-US" altLang="ko-KR" sz="1400" dirty="0"/>
+            </a:br>
+            <a:r>
+              <a:rPr lang="ko-KR" altLang="en-US" sz="1400" dirty="0"/>
+              <a:t>형식으로 저장하는 함수</a:t>
+            </a:r>
+            <a:r>
+              <a:rPr lang="en-US" altLang="ko-KR" sz="1400" dirty="0"/>
+              <a:t>. </a:t>
+            </a:r>
+            <a:r>
+              <a:rPr lang="ko-KR" altLang="en-US" sz="1400" dirty="0"/>
+              <a:t>띄어쓰기가 있는 문장도 가능함</a:t>
             </a:r>
             <a:r>
               <a:rPr lang="en-US" altLang="ko-KR" sz="1400" dirty="0"/>
@@ -6557,7 +6603,7 @@
         <p:spPr>
           <a:xfrm>
             <a:off x="458385" y="3990048"/>
-            <a:ext cx="10438912" cy="1375405"/>
+            <a:ext cx="10438912" cy="2057971"/>
           </a:xfrm>
           <a:prstGeom prst="rect">
             <a:avLst/>
@@ -6724,26 +6770,6 @@
               <a:t>IPC_CREAT : </a:t>
             </a:r>
             <a:r>
-              <a:rPr lang="ko-KR" altLang="en-US" sz="1400" dirty="0" err="1"/>
-              <a:t>퍼미션</a:t>
-            </a:r>
-            <a:r>
-              <a:rPr lang="ko-KR" altLang="en-US" sz="1400" dirty="0"/>
-              <a:t> </a:t>
-            </a:r>
-            <a:r>
-              <a:rPr lang="en-US" altLang="ko-KR" sz="1400" dirty="0"/>
-              <a:t>0666</a:t>
-            </a:r>
-            <a:r>
-              <a:rPr lang="ko-KR" altLang="en-US" sz="1400" dirty="0"/>
-              <a:t>을 설정함</a:t>
-            </a:r>
-            <a:r>
-              <a:rPr lang="en-US" altLang="ko-KR" sz="1400" dirty="0"/>
-              <a:t>. </a:t>
-            </a:r>
-            <a:r>
               <a:rPr lang="ko-KR" altLang="en-US" sz="1400" dirty="0"/>
               <a:t>첫 번째 인수 </a:t>
             </a:r>
@@ -6754,6 +6780,52 @@
             <a:r>
               <a:rPr lang="ko-KR" altLang="en-US" sz="1400" dirty="0"/>
               <a:t>에 해당하는 메모리가 없으면 공유 메모리를 생성함</a:t>
+            </a:r>
+            <a:r>
+              <a:rPr lang="en-US" altLang="ko-KR" sz="1400" dirty="0"/>
+              <a:t>.</a:t>
+            </a:r>
+            <a:br>
+              <a:rPr lang="en-US" altLang="ko-KR" sz="1400" dirty="0"/>
+            </a:br>
+            <a:r>
+              <a:rPr lang="en-US" altLang="ko-KR" sz="1400" dirty="0"/>
+              <a:t>                 IPC_CREAT </a:t>
+            </a:r>
+            <a:r>
+              <a:rPr lang="ko-KR" altLang="en-US" sz="1400" dirty="0"/>
+              <a:t>값을 입력한 후 </a:t>
+            </a:r>
+            <a:r>
+              <a:rPr lang="en-US" altLang="ko-KR" sz="1400" dirty="0"/>
+              <a:t>‘|’ </a:t>
+            </a:r>
+            <a:r>
+              <a:rPr lang="ko-KR" altLang="en-US" sz="1400" dirty="0"/>
+              <a:t>연산자를 덧붙여 허용 권한을 설정함</a:t>
+            </a:r>
+            <a:r>
+              <a:rPr lang="en-US" altLang="ko-KR" sz="1400" dirty="0"/>
+              <a:t>.</a:t>
+            </a:r>
+            <a:br>
+              <a:rPr lang="en-US" altLang="ko-KR" sz="1400" dirty="0"/>
+            </a:br>
+            <a:r>
+              <a:rPr lang="en-US" altLang="ko-KR" sz="1400" dirty="0"/>
+              <a:t>		</a:t>
+            </a:r>
+            <a:r>
+              <a:rPr lang="ko-KR" altLang="en-US" sz="1400" dirty="0"/>
+              <a:t>공유 메모리가 있을 경우</a:t>
+            </a:r>
+            <a:r>
+              <a:rPr lang="en-US" altLang="ko-KR" sz="1400" dirty="0"/>
+              <a:t>, </a:t>
+            </a:r>
+            <a:r>
+              <a:rPr lang="ko-KR" altLang="en-US" sz="1400" dirty="0"/>
+              <a:t>접근 권한을 지정해 주어야 함</a:t>
             </a:r>
             <a:r>
               <a:rPr lang="en-US" altLang="ko-KR" sz="1400" dirty="0"/>
@@ -7534,13 +7606,10 @@
               <a:rPr lang="en-US" altLang="ko-KR" sz="1400" dirty="0"/>
               <a:t>.</a:t>
             </a:r>
+          </a:p>
+          <a:p>
+            <a:pPr lvl="1"/>
             <a:endParaRPr lang="en-US" altLang="ko-KR" sz="1400" dirty="0">
-              <a:solidFill>
-                <a:schemeClr val="tx2">
-                  <a:lumMod val="60000"/>
-                  <a:lumOff val="40000"/>
-                </a:schemeClr>
-              </a:solidFill>
               <a:latin typeface="나눔바른고딕 UltraLight"/>
               <a:ea typeface="함초롬돋움" panose="020B0604000101010101" pitchFamily="50" charset="-127"/>
               <a:cs typeface="함초롬돋움" panose="020B0604000101010101" pitchFamily="50" charset="-127"/>
@@ -8459,7 +8528,7 @@
         </p:nvSpPr>
         <p:spPr>
           <a:xfrm>
-            <a:off x="5508217" y="1607237"/>
+            <a:off x="5508217" y="1372345"/>
             <a:ext cx="6426884" cy="4616648"/>
           </a:xfrm>
           <a:prstGeom prst="rect">
@@ -8516,18 +8585,23 @@
             </a:r>
             <a:r>
               <a:rPr lang="ko-KR" altLang="en-US" sz="1400" dirty="0" err="1"/>
-              <a:t>로지정해주었음</a:t>
+              <a:t>로지정해주었으며</a:t>
+            </a:r>
+            <a:r>
+              <a:rPr lang="en-US" altLang="ko-KR" sz="1400" dirty="0"/>
+              <a:t>, 0666 | IPC_CREAT </a:t>
+            </a:r>
+            <a:r>
+              <a:rPr lang="ko-KR" altLang="en-US" sz="1400" dirty="0"/>
+              <a:t>을 통해 읽기 쓰기 권한을 부여함</a:t>
             </a:r>
             <a:r>
               <a:rPr lang="en-US" altLang="ko-KR" sz="1400" dirty="0"/>
               <a:t>.</a:t>
             </a:r>
-          </a:p>
-          <a:p>
-            <a:pPr marL="285750" indent="-285750">
-              <a:buFont typeface="Wingdings" panose="05000000000000000000" pitchFamily="2" charset="2"/>
-              <a:buChar char="Ø"/>
-            </a:pPr>
+            <a:br>
+              <a:rPr lang="en-US" altLang="ko-KR" sz="1400" dirty="0"/>
+            </a:br>
             <a:r>
               <a:rPr lang="ko-KR" altLang="en-US" sz="1400" dirty="0"/>
               <a:t>공유 메모리 생성 실패 시</a:t>
@@ -8589,7 +8663,10 @@
               <a:rPr lang="ko-KR" altLang="en-US" sz="1400" dirty="0"/>
               <a:t>메모리를 프로세스에 붙임</a:t>
             </a:r>
-            <a:endParaRPr lang="en-US" altLang="ko-KR" sz="1400" dirty="0"/>
+            <a:r>
+              <a:rPr lang="en-US" altLang="ko-KR" sz="1400" dirty="0"/>
+              <a:t>.</a:t>
+            </a:r>
           </a:p>
           <a:p>
             <a:pPr marL="285750" indent="-285750">
@@ -8605,7 +8682,7 @@
             </a:pPr>
             <a:r>
               <a:rPr lang="en-US" altLang="ko-KR" sz="1400" dirty="0" err="1"/>
-              <a:t>shamt</a:t>
+              <a:t>shmat</a:t>
             </a:r>
             <a:r>
               <a:rPr lang="en-US" altLang="ko-KR" sz="1400" dirty="0"/>
@@ -8627,12 +8704,9 @@
               <a:rPr lang="en-US" altLang="ko-KR" sz="1400" dirty="0"/>
               <a:t>.</a:t>
             </a:r>
-          </a:p>
-          <a:p>
-            <a:pPr marL="285750" indent="-285750">
-              <a:buFont typeface="Wingdings" panose="05000000000000000000" pitchFamily="2" charset="2"/>
-              <a:buChar char="Ø"/>
-            </a:pPr>
+            <a:br>
+              <a:rPr lang="en-US" altLang="ko-KR" sz="1400" dirty="0"/>
+            </a:br>
             <a:r>
               <a:rPr lang="ko-KR" altLang="en-US" sz="1400" dirty="0"/>
               <a:t>성공 시 성공 메시지를 출력하고</a:t>
@@ -8649,7 +8723,10 @@
               <a:rPr lang="ko-KR" altLang="en-US" sz="1400" dirty="0"/>
               <a:t>에 그 메모리를 할당해주어 사용이 가능하도록 함</a:t>
             </a:r>
-            <a:endParaRPr lang="en-US" altLang="ko-KR" sz="1400" dirty="0"/>
+            <a:r>
+              <a:rPr lang="en-US" altLang="ko-KR" sz="1400" dirty="0"/>
+              <a:t>.</a:t>
+            </a:r>
           </a:p>
           <a:p>
             <a:pPr marL="285750" indent="-285750">
@@ -8767,7 +8844,10 @@
               <a:rPr lang="ko-KR" altLang="en-US" sz="1400" dirty="0"/>
               <a:t>으로 만들어 줌</a:t>
             </a:r>
-            <a:endParaRPr lang="en-US" altLang="ko-KR" sz="1400" dirty="0"/>
+            <a:r>
+              <a:rPr lang="en-US" altLang="ko-KR" sz="1400" dirty="0"/>
+              <a:t>.</a:t>
+            </a:r>
           </a:p>
           <a:p>
             <a:pPr marL="285750" indent="-285750">
@@ -8782,8 +8862,16 @@
               <a:buChar char="Ø"/>
             </a:pPr>
             <a:r>
-              <a:rPr lang="ko-KR" altLang="en-US" sz="1400" dirty="0"/>
-              <a:t>생산되어진 자료</a:t>
+              <a:rPr lang="en-US" altLang="ko-KR" sz="1400" dirty="0" err="1"/>
+              <a:t>strncmp</a:t>
+            </a:r>
+            <a:r>
+              <a:rPr lang="en-US" altLang="ko-KR" sz="1400" dirty="0"/>
+              <a:t> </a:t>
+            </a:r>
+            <a:r>
+              <a:rPr lang="ko-KR" altLang="en-US" sz="1400" dirty="0"/>
+              <a:t>함수를 통해 생산되어진 자료</a:t>
             </a:r>
             <a:r>
               <a:rPr lang="en-US" altLang="ko-KR" sz="1400" dirty="0"/>
@@ -8799,11 +8887,26 @@
             </a:r>
             <a:r>
               <a:rPr lang="ko-KR" altLang="en-US" sz="1400" dirty="0"/>
-              <a:t>가 </a:t>
-            </a:r>
-            <a:r>
-              <a:rPr lang="en-US" altLang="ko-KR" sz="1400" dirty="0"/>
-              <a:t>end</a:t>
+              <a:t>를 </a:t>
+            </a:r>
+            <a:r>
+              <a:rPr lang="en-US" altLang="ko-KR" sz="1400" dirty="0"/>
+              <a:t>“end” </a:t>
+            </a:r>
+            <a:r>
+              <a:rPr lang="ko-KR" altLang="en-US" sz="1400" dirty="0"/>
+              <a:t>와 비교하고</a:t>
+            </a:r>
+            <a:r>
+              <a:rPr lang="en-US" altLang="ko-KR" sz="1400" dirty="0"/>
+              <a:t>, </a:t>
+            </a:r>
+            <a:br>
+              <a:rPr lang="en-US" altLang="ko-KR" sz="1400" dirty="0"/>
+            </a:br>
+            <a:r>
+              <a:rPr lang="en-US" altLang="ko-KR" sz="1400" dirty="0"/>
+              <a:t>“end” </a:t>
             </a:r>
             <a:r>
               <a:rPr lang="ko-KR" altLang="en-US" sz="1400" dirty="0"/>
@@ -8852,7 +8955,7 @@
             </a:r>
             <a:r>
               <a:rPr lang="ko-KR" altLang="en-US" sz="1400" dirty="0"/>
-              <a:t>호출을 통해 메모리를 프로세스와 분리시킨다</a:t>
+              <a:t>호출을 통해 메모리를 프로세스와 분리함</a:t>
             </a:r>
             <a:r>
               <a:rPr lang="en-US" altLang="ko-KR" sz="1400" dirty="0"/>
@@ -8889,7 +8992,7 @@
             </a:r>
             <a:r>
               <a:rPr lang="ko-KR" altLang="en-US" sz="1400" dirty="0"/>
-              <a:t>를 지정하여 메모리를 반납한다</a:t>
+              <a:t>를 지정하여 메모리를 반납함</a:t>
             </a:r>
             <a:r>
               <a:rPr lang="en-US" altLang="ko-KR" sz="1400" dirty="0"/>
